--- a/acs2020.pptx
+++ b/acs2020.pptx
@@ -5,13 +5,17 @@
     <p:sldMasterId id="2147483648" r:id="rId1"/>
   </p:sldMasterIdLst>
   <p:notesMasterIdLst>
-    <p:notesMasterId r:id="rId6"/>
+    <p:notesMasterId r:id="rId10"/>
   </p:notesMasterIdLst>
   <p:sldIdLst>
     <p:sldId id="256" r:id="rId2"/>
     <p:sldId id="257" r:id="rId3"/>
     <p:sldId id="259" r:id="rId4"/>
     <p:sldId id="258" r:id="rId5"/>
+    <p:sldId id="260" r:id="rId6"/>
+    <p:sldId id="265" r:id="rId7"/>
+    <p:sldId id="266" r:id="rId8"/>
+    <p:sldId id="267" r:id="rId9"/>
   </p:sldIdLst>
   <p:sldSz cx="12192000" cy="6858000"/>
   <p:notesSz cx="6858000" cy="9144000"/>
@@ -110,6 +114,11 @@
       </a:defRPr>
     </a:lvl9pPr>
   </p:defaultTextStyle>
+  <p:extLst>
+    <p:ext uri="{EFAFB233-063F-42B5-8137-9DF3F51BA10A}">
+      <p15:sldGuideLst xmlns:p15="http://schemas.microsoft.com/office/powerpoint/2012/main"/>
+    </p:ext>
+  </p:extLst>
 </p:presentation>
 </file>
 
@@ -259,38 +268,37 @@
           <a:p>
             <a:pPr lvl="0"/>
             <a:r>
-              <a:rPr lang="en-US" smtClean="0"/>
+              <a:rPr lang="en-US"/>
               <a:t>Edit Master text styles</a:t>
             </a:r>
           </a:p>
           <a:p>
             <a:pPr lvl="1"/>
             <a:r>
-              <a:rPr lang="en-US" smtClean="0"/>
+              <a:rPr lang="en-US"/>
               <a:t>Second level</a:t>
             </a:r>
           </a:p>
           <a:p>
             <a:pPr lvl="2"/>
             <a:r>
-              <a:rPr lang="en-US" smtClean="0"/>
+              <a:rPr lang="en-US"/>
               <a:t>Third level</a:t>
             </a:r>
           </a:p>
           <a:p>
             <a:pPr lvl="3"/>
             <a:r>
-              <a:rPr lang="en-US" smtClean="0"/>
+              <a:rPr lang="en-US"/>
               <a:t>Fourth level</a:t>
             </a:r>
           </a:p>
           <a:p>
             <a:pPr lvl="4"/>
             <a:r>
-              <a:rPr lang="en-US" smtClean="0"/>
+              <a:rPr lang="en-US"/>
               <a:t>Fifth level</a:t>
             </a:r>
-            <a:endParaRPr lang="en-US"/>
           </a:p>
         </p:txBody>
       </p:sp>
@@ -505,10 +513,9 @@
           </a:lstStyle>
           <a:p>
             <a:r>
-              <a:rPr lang="en-US" smtClean="0"/>
+              <a:rPr lang="en-US"/>
               <a:t>Click to edit Master title style</a:t>
             </a:r>
-            <a:endParaRPr lang="en-US"/>
           </a:p>
         </p:txBody>
       </p:sp>
@@ -570,10 +577,9 @@
           </a:lstStyle>
           <a:p>
             <a:r>
-              <a:rPr lang="en-US" smtClean="0"/>
+              <a:rPr lang="en-US"/>
               <a:t>Click to edit Master subtitle style</a:t>
             </a:r>
-            <a:endParaRPr lang="en-US"/>
           </a:p>
         </p:txBody>
       </p:sp>
@@ -616,10 +622,9 @@
           <a:lstStyle/>
           <a:p>
             <a:r>
-              <a:rPr lang="en-US" smtClean="0"/>
+              <a:rPr lang="en-US"/>
               <a:t>#talk-yang</a:t>
             </a:r>
-            <a:endParaRPr lang="en-US"/>
           </a:p>
         </p:txBody>
       </p:sp>
@@ -692,10 +697,9 @@
           <a:lstStyle/>
           <a:p>
             <a:r>
-              <a:rPr lang="en-US" smtClean="0"/>
+              <a:rPr lang="en-US"/>
               <a:t>Click to edit Master title style</a:t>
             </a:r>
-            <a:endParaRPr lang="en-US"/>
           </a:p>
         </p:txBody>
       </p:sp>
@@ -716,38 +720,37 @@
           <a:p>
             <a:pPr lvl="0"/>
             <a:r>
-              <a:rPr lang="en-US" smtClean="0"/>
+              <a:rPr lang="en-US"/>
               <a:t>Edit Master text styles</a:t>
             </a:r>
           </a:p>
           <a:p>
             <a:pPr lvl="1"/>
             <a:r>
-              <a:rPr lang="en-US" smtClean="0"/>
+              <a:rPr lang="en-US"/>
               <a:t>Second level</a:t>
             </a:r>
           </a:p>
           <a:p>
             <a:pPr lvl="2"/>
             <a:r>
-              <a:rPr lang="en-US" smtClean="0"/>
+              <a:rPr lang="en-US"/>
               <a:t>Third level</a:t>
             </a:r>
           </a:p>
           <a:p>
             <a:pPr lvl="3"/>
             <a:r>
-              <a:rPr lang="en-US" smtClean="0"/>
+              <a:rPr lang="en-US"/>
               <a:t>Fourth level</a:t>
             </a:r>
           </a:p>
           <a:p>
             <a:pPr lvl="4"/>
             <a:r>
-              <a:rPr lang="en-US" smtClean="0"/>
+              <a:rPr lang="en-US"/>
               <a:t>Fifth level</a:t>
             </a:r>
-            <a:endParaRPr lang="en-US"/>
           </a:p>
         </p:txBody>
       </p:sp>
@@ -790,10 +793,9 @@
           <a:lstStyle/>
           <a:p>
             <a:r>
-              <a:rPr lang="en-US" smtClean="0"/>
+              <a:rPr lang="en-US"/>
               <a:t>#talk-yang</a:t>
             </a:r>
-            <a:endParaRPr lang="en-US"/>
           </a:p>
         </p:txBody>
       </p:sp>
@@ -871,10 +873,9 @@
           <a:lstStyle/>
           <a:p>
             <a:r>
-              <a:rPr lang="en-US" smtClean="0"/>
+              <a:rPr lang="en-US"/>
               <a:t>Click to edit Master title style</a:t>
             </a:r>
-            <a:endParaRPr lang="en-US"/>
           </a:p>
         </p:txBody>
       </p:sp>
@@ -900,38 +901,37 @@
           <a:p>
             <a:pPr lvl="0"/>
             <a:r>
-              <a:rPr lang="en-US" smtClean="0"/>
+              <a:rPr lang="en-US"/>
               <a:t>Edit Master text styles</a:t>
             </a:r>
           </a:p>
           <a:p>
             <a:pPr lvl="1"/>
             <a:r>
-              <a:rPr lang="en-US" smtClean="0"/>
+              <a:rPr lang="en-US"/>
               <a:t>Second level</a:t>
             </a:r>
           </a:p>
           <a:p>
             <a:pPr lvl="2"/>
             <a:r>
-              <a:rPr lang="en-US" smtClean="0"/>
+              <a:rPr lang="en-US"/>
               <a:t>Third level</a:t>
             </a:r>
           </a:p>
           <a:p>
             <a:pPr lvl="3"/>
             <a:r>
-              <a:rPr lang="en-US" smtClean="0"/>
+              <a:rPr lang="en-US"/>
               <a:t>Fourth level</a:t>
             </a:r>
           </a:p>
           <a:p>
             <a:pPr lvl="4"/>
             <a:r>
-              <a:rPr lang="en-US" smtClean="0"/>
+              <a:rPr lang="en-US"/>
               <a:t>Fifth level</a:t>
             </a:r>
-            <a:endParaRPr lang="en-US"/>
           </a:p>
         </p:txBody>
       </p:sp>
@@ -974,10 +974,9 @@
           <a:lstStyle/>
           <a:p>
             <a:r>
-              <a:rPr lang="en-US" smtClean="0"/>
+              <a:rPr lang="en-US"/>
               <a:t>#talk-yang</a:t>
             </a:r>
-            <a:endParaRPr lang="en-US"/>
           </a:p>
         </p:txBody>
       </p:sp>
@@ -1050,10 +1049,9 @@
           <a:lstStyle/>
           <a:p>
             <a:r>
-              <a:rPr lang="en-US" smtClean="0"/>
+              <a:rPr lang="en-US"/>
               <a:t>Click to edit Master title style</a:t>
             </a:r>
-            <a:endParaRPr lang="en-US"/>
           </a:p>
         </p:txBody>
       </p:sp>
@@ -1074,38 +1072,37 @@
           <a:p>
             <a:pPr lvl="0"/>
             <a:r>
-              <a:rPr lang="en-US" smtClean="0"/>
+              <a:rPr lang="en-US"/>
               <a:t>Edit Master text styles</a:t>
             </a:r>
           </a:p>
           <a:p>
             <a:pPr lvl="1"/>
             <a:r>
-              <a:rPr lang="en-US" smtClean="0"/>
+              <a:rPr lang="en-US"/>
               <a:t>Second level</a:t>
             </a:r>
           </a:p>
           <a:p>
             <a:pPr lvl="2"/>
             <a:r>
-              <a:rPr lang="en-US" smtClean="0"/>
+              <a:rPr lang="en-US"/>
               <a:t>Third level</a:t>
             </a:r>
           </a:p>
           <a:p>
             <a:pPr lvl="3"/>
             <a:r>
-              <a:rPr lang="en-US" smtClean="0"/>
+              <a:rPr lang="en-US"/>
               <a:t>Fourth level</a:t>
             </a:r>
           </a:p>
           <a:p>
             <a:pPr lvl="4"/>
             <a:r>
-              <a:rPr lang="en-US" smtClean="0"/>
+              <a:rPr lang="en-US"/>
               <a:t>Fifth level</a:t>
             </a:r>
-            <a:endParaRPr lang="en-US"/>
           </a:p>
         </p:txBody>
       </p:sp>
@@ -1148,10 +1145,9 @@
           <a:lstStyle/>
           <a:p>
             <a:r>
-              <a:rPr lang="en-US" smtClean="0"/>
+              <a:rPr lang="en-US"/>
               <a:t>#talk-yang</a:t>
             </a:r>
-            <a:endParaRPr lang="en-US"/>
           </a:p>
         </p:txBody>
       </p:sp>
@@ -1233,10 +1229,9 @@
           </a:lstStyle>
           <a:p>
             <a:r>
-              <a:rPr lang="en-US" smtClean="0"/>
+              <a:rPr lang="en-US"/>
               <a:t>Click to edit Master title style</a:t>
             </a:r>
-            <a:endParaRPr lang="en-US"/>
           </a:p>
         </p:txBody>
       </p:sp>
@@ -1353,7 +1348,7 @@
           <a:p>
             <a:pPr lvl="0"/>
             <a:r>
-              <a:rPr lang="en-US" smtClean="0"/>
+              <a:rPr lang="en-US"/>
               <a:t>Edit Master text styles</a:t>
             </a:r>
           </a:p>
@@ -1398,10 +1393,9 @@
           <a:lstStyle/>
           <a:p>
             <a:r>
-              <a:rPr lang="en-US" smtClean="0"/>
+              <a:rPr lang="en-US"/>
               <a:t>#talk-yang</a:t>
             </a:r>
-            <a:endParaRPr lang="en-US"/>
           </a:p>
         </p:txBody>
       </p:sp>
@@ -1474,10 +1468,9 @@
           <a:lstStyle/>
           <a:p>
             <a:r>
-              <a:rPr lang="en-US" smtClean="0"/>
+              <a:rPr lang="en-US"/>
               <a:t>Click to edit Master title style</a:t>
             </a:r>
-            <a:endParaRPr lang="en-US"/>
           </a:p>
         </p:txBody>
       </p:sp>
@@ -1503,38 +1496,37 @@
           <a:p>
             <a:pPr lvl="0"/>
             <a:r>
-              <a:rPr lang="en-US" smtClean="0"/>
+              <a:rPr lang="en-US"/>
               <a:t>Edit Master text styles</a:t>
             </a:r>
           </a:p>
           <a:p>
             <a:pPr lvl="1"/>
             <a:r>
-              <a:rPr lang="en-US" smtClean="0"/>
+              <a:rPr lang="en-US"/>
               <a:t>Second level</a:t>
             </a:r>
           </a:p>
           <a:p>
             <a:pPr lvl="2"/>
             <a:r>
-              <a:rPr lang="en-US" smtClean="0"/>
+              <a:rPr lang="en-US"/>
               <a:t>Third level</a:t>
             </a:r>
           </a:p>
           <a:p>
             <a:pPr lvl="3"/>
             <a:r>
-              <a:rPr lang="en-US" smtClean="0"/>
+              <a:rPr lang="en-US"/>
               <a:t>Fourth level</a:t>
             </a:r>
           </a:p>
           <a:p>
             <a:pPr lvl="4"/>
             <a:r>
-              <a:rPr lang="en-US" smtClean="0"/>
+              <a:rPr lang="en-US"/>
               <a:t>Fifth level</a:t>
             </a:r>
-            <a:endParaRPr lang="en-US"/>
           </a:p>
         </p:txBody>
       </p:sp>
@@ -1560,38 +1552,37 @@
           <a:p>
             <a:pPr lvl="0"/>
             <a:r>
-              <a:rPr lang="en-US" smtClean="0"/>
+              <a:rPr lang="en-US"/>
               <a:t>Edit Master text styles</a:t>
             </a:r>
           </a:p>
           <a:p>
             <a:pPr lvl="1"/>
             <a:r>
-              <a:rPr lang="en-US" smtClean="0"/>
+              <a:rPr lang="en-US"/>
               <a:t>Second level</a:t>
             </a:r>
           </a:p>
           <a:p>
             <a:pPr lvl="2"/>
             <a:r>
-              <a:rPr lang="en-US" smtClean="0"/>
+              <a:rPr lang="en-US"/>
               <a:t>Third level</a:t>
             </a:r>
           </a:p>
           <a:p>
             <a:pPr lvl="3"/>
             <a:r>
-              <a:rPr lang="en-US" smtClean="0"/>
+              <a:rPr lang="en-US"/>
               <a:t>Fourth level</a:t>
             </a:r>
           </a:p>
           <a:p>
             <a:pPr lvl="4"/>
             <a:r>
-              <a:rPr lang="en-US" smtClean="0"/>
+              <a:rPr lang="en-US"/>
               <a:t>Fifth level</a:t>
             </a:r>
-            <a:endParaRPr lang="en-US"/>
           </a:p>
         </p:txBody>
       </p:sp>
@@ -1634,10 +1625,9 @@
           <a:lstStyle/>
           <a:p>
             <a:r>
-              <a:rPr lang="en-US" smtClean="0"/>
+              <a:rPr lang="en-US"/>
               <a:t>#talk-yang</a:t>
             </a:r>
-            <a:endParaRPr lang="en-US"/>
           </a:p>
         </p:txBody>
       </p:sp>
@@ -1715,10 +1705,9 @@
           <a:lstStyle/>
           <a:p>
             <a:r>
-              <a:rPr lang="en-US" smtClean="0"/>
+              <a:rPr lang="en-US"/>
               <a:t>Click to edit Master title style</a:t>
             </a:r>
-            <a:endParaRPr lang="en-US"/>
           </a:p>
         </p:txBody>
       </p:sp>
@@ -1781,7 +1770,7 @@
           <a:p>
             <a:pPr lvl="0"/>
             <a:r>
-              <a:rPr lang="en-US" smtClean="0"/>
+              <a:rPr lang="en-US"/>
               <a:t>Edit Master text styles</a:t>
             </a:r>
           </a:p>
@@ -1809,38 +1798,37 @@
           <a:p>
             <a:pPr lvl="0"/>
             <a:r>
-              <a:rPr lang="en-US" smtClean="0"/>
+              <a:rPr lang="en-US"/>
               <a:t>Edit Master text styles</a:t>
             </a:r>
           </a:p>
           <a:p>
             <a:pPr lvl="1"/>
             <a:r>
-              <a:rPr lang="en-US" smtClean="0"/>
+              <a:rPr lang="en-US"/>
               <a:t>Second level</a:t>
             </a:r>
           </a:p>
           <a:p>
             <a:pPr lvl="2"/>
             <a:r>
-              <a:rPr lang="en-US" smtClean="0"/>
+              <a:rPr lang="en-US"/>
               <a:t>Third level</a:t>
             </a:r>
           </a:p>
           <a:p>
             <a:pPr lvl="3"/>
             <a:r>
-              <a:rPr lang="en-US" smtClean="0"/>
+              <a:rPr lang="en-US"/>
               <a:t>Fourth level</a:t>
             </a:r>
           </a:p>
           <a:p>
             <a:pPr lvl="4"/>
             <a:r>
-              <a:rPr lang="en-US" smtClean="0"/>
+              <a:rPr lang="en-US"/>
               <a:t>Fifth level</a:t>
             </a:r>
-            <a:endParaRPr lang="en-US"/>
           </a:p>
         </p:txBody>
       </p:sp>
@@ -1903,7 +1891,7 @@
           <a:p>
             <a:pPr lvl="0"/>
             <a:r>
-              <a:rPr lang="en-US" smtClean="0"/>
+              <a:rPr lang="en-US"/>
               <a:t>Edit Master text styles</a:t>
             </a:r>
           </a:p>
@@ -1931,38 +1919,37 @@
           <a:p>
             <a:pPr lvl="0"/>
             <a:r>
-              <a:rPr lang="en-US" smtClean="0"/>
+              <a:rPr lang="en-US"/>
               <a:t>Edit Master text styles</a:t>
             </a:r>
           </a:p>
           <a:p>
             <a:pPr lvl="1"/>
             <a:r>
-              <a:rPr lang="en-US" smtClean="0"/>
+              <a:rPr lang="en-US"/>
               <a:t>Second level</a:t>
             </a:r>
           </a:p>
           <a:p>
             <a:pPr lvl="2"/>
             <a:r>
-              <a:rPr lang="en-US" smtClean="0"/>
+              <a:rPr lang="en-US"/>
               <a:t>Third level</a:t>
             </a:r>
           </a:p>
           <a:p>
             <a:pPr lvl="3"/>
             <a:r>
-              <a:rPr lang="en-US" smtClean="0"/>
+              <a:rPr lang="en-US"/>
               <a:t>Fourth level</a:t>
             </a:r>
           </a:p>
           <a:p>
             <a:pPr lvl="4"/>
             <a:r>
-              <a:rPr lang="en-US" smtClean="0"/>
+              <a:rPr lang="en-US"/>
               <a:t>Fifth level</a:t>
             </a:r>
-            <a:endParaRPr lang="en-US"/>
           </a:p>
         </p:txBody>
       </p:sp>
@@ -2005,10 +1992,9 @@
           <a:lstStyle/>
           <a:p>
             <a:r>
-              <a:rPr lang="en-US" smtClean="0"/>
+              <a:rPr lang="en-US"/>
               <a:t>#talk-yang</a:t>
             </a:r>
-            <a:endParaRPr lang="en-US"/>
           </a:p>
         </p:txBody>
       </p:sp>
@@ -2081,10 +2067,9 @@
           <a:lstStyle/>
           <a:p>
             <a:r>
-              <a:rPr lang="en-US" smtClean="0"/>
+              <a:rPr lang="en-US"/>
               <a:t>Click to edit Master title style</a:t>
             </a:r>
-            <a:endParaRPr lang="en-US"/>
           </a:p>
         </p:txBody>
       </p:sp>
@@ -2127,10 +2112,9 @@
           <a:lstStyle/>
           <a:p>
             <a:r>
-              <a:rPr lang="en-US" smtClean="0"/>
+              <a:rPr lang="en-US"/>
               <a:t>#talk-yang</a:t>
             </a:r>
-            <a:endParaRPr lang="en-US"/>
           </a:p>
         </p:txBody>
       </p:sp>
@@ -2226,10 +2210,9 @@
           <a:lstStyle/>
           <a:p>
             <a:r>
-              <a:rPr lang="en-US" smtClean="0"/>
+              <a:rPr lang="en-US"/>
               <a:t>#talk-yang</a:t>
             </a:r>
-            <a:endParaRPr lang="en-US"/>
           </a:p>
         </p:txBody>
       </p:sp>
@@ -2311,10 +2294,9 @@
           </a:lstStyle>
           <a:p>
             <a:r>
-              <a:rPr lang="en-US" smtClean="0"/>
+              <a:rPr lang="en-US"/>
               <a:t>Click to edit Master title style</a:t>
             </a:r>
-            <a:endParaRPr lang="en-US"/>
           </a:p>
         </p:txBody>
       </p:sp>
@@ -2368,38 +2350,37 @@
           <a:p>
             <a:pPr lvl="0"/>
             <a:r>
-              <a:rPr lang="en-US" smtClean="0"/>
+              <a:rPr lang="en-US"/>
               <a:t>Edit Master text styles</a:t>
             </a:r>
           </a:p>
           <a:p>
             <a:pPr lvl="1"/>
             <a:r>
-              <a:rPr lang="en-US" smtClean="0"/>
+              <a:rPr lang="en-US"/>
               <a:t>Second level</a:t>
             </a:r>
           </a:p>
           <a:p>
             <a:pPr lvl="2"/>
             <a:r>
-              <a:rPr lang="en-US" smtClean="0"/>
+              <a:rPr lang="en-US"/>
               <a:t>Third level</a:t>
             </a:r>
           </a:p>
           <a:p>
             <a:pPr lvl="3"/>
             <a:r>
-              <a:rPr lang="en-US" smtClean="0"/>
+              <a:rPr lang="en-US"/>
               <a:t>Fourth level</a:t>
             </a:r>
           </a:p>
           <a:p>
             <a:pPr lvl="4"/>
             <a:r>
-              <a:rPr lang="en-US" smtClean="0"/>
+              <a:rPr lang="en-US"/>
               <a:t>Fifth level</a:t>
             </a:r>
-            <a:endParaRPr lang="en-US"/>
           </a:p>
         </p:txBody>
       </p:sp>
@@ -2462,7 +2443,7 @@
           <a:p>
             <a:pPr lvl="0"/>
             <a:r>
-              <a:rPr lang="en-US" smtClean="0"/>
+              <a:rPr lang="en-US"/>
               <a:t>Edit Master text styles</a:t>
             </a:r>
           </a:p>
@@ -2507,10 +2488,9 @@
           <a:lstStyle/>
           <a:p>
             <a:r>
-              <a:rPr lang="en-US" smtClean="0"/>
+              <a:rPr lang="en-US"/>
               <a:t>#talk-yang</a:t>
             </a:r>
-            <a:endParaRPr lang="en-US"/>
           </a:p>
         </p:txBody>
       </p:sp>
@@ -2592,10 +2572,9 @@
           </a:lstStyle>
           <a:p>
             <a:r>
-              <a:rPr lang="en-US" smtClean="0"/>
+              <a:rPr lang="en-US"/>
               <a:t>Click to edit Master title style</a:t>
             </a:r>
-            <a:endParaRPr lang="en-US"/>
           </a:p>
         </p:txBody>
       </p:sp>
@@ -2719,7 +2698,7 @@
           <a:p>
             <a:pPr lvl="0"/>
             <a:r>
-              <a:rPr lang="en-US" smtClean="0"/>
+              <a:rPr lang="en-US"/>
               <a:t>Edit Master text styles</a:t>
             </a:r>
           </a:p>
@@ -2764,10 +2743,9 @@
           <a:lstStyle/>
           <a:p>
             <a:r>
-              <a:rPr lang="en-US" smtClean="0"/>
+              <a:rPr lang="en-US"/>
               <a:t>#talk-yang</a:t>
             </a:r>
-            <a:endParaRPr lang="en-US"/>
           </a:p>
         </p:txBody>
       </p:sp>
@@ -2855,10 +2833,9 @@
           <a:lstStyle/>
           <a:p>
             <a:r>
-              <a:rPr lang="en-US" smtClean="0"/>
+              <a:rPr lang="en-US"/>
               <a:t>Click to edit Master title style</a:t>
             </a:r>
-            <a:endParaRPr lang="en-US"/>
           </a:p>
         </p:txBody>
       </p:sp>
@@ -2889,38 +2866,37 @@
           <a:p>
             <a:pPr lvl="0"/>
             <a:r>
-              <a:rPr lang="en-US" smtClean="0"/>
+              <a:rPr lang="en-US"/>
               <a:t>Edit Master text styles</a:t>
             </a:r>
           </a:p>
           <a:p>
             <a:pPr lvl="1"/>
             <a:r>
-              <a:rPr lang="en-US" smtClean="0"/>
+              <a:rPr lang="en-US"/>
               <a:t>Second level</a:t>
             </a:r>
           </a:p>
           <a:p>
             <a:pPr lvl="2"/>
             <a:r>
-              <a:rPr lang="en-US" smtClean="0"/>
+              <a:rPr lang="en-US"/>
               <a:t>Third level</a:t>
             </a:r>
           </a:p>
           <a:p>
             <a:pPr lvl="3"/>
             <a:r>
-              <a:rPr lang="en-US" smtClean="0"/>
+              <a:rPr lang="en-US"/>
               <a:t>Fourth level</a:t>
             </a:r>
           </a:p>
           <a:p>
             <a:pPr lvl="4"/>
             <a:r>
-              <a:rPr lang="en-US" smtClean="0"/>
+              <a:rPr lang="en-US"/>
               <a:t>Fifth level</a:t>
             </a:r>
-            <a:endParaRPr lang="en-US"/>
           </a:p>
         </p:txBody>
       </p:sp>
@@ -2999,10 +2975,9 @@
           </a:lstStyle>
           <a:p>
             <a:r>
-              <a:rPr lang="en-US" smtClean="0"/>
+              <a:rPr lang="en-US"/>
               <a:t>#talk-yang</a:t>
             </a:r>
-            <a:endParaRPr lang="en-US"/>
           </a:p>
         </p:txBody>
       </p:sp>
@@ -3398,65 +3373,25 @@
                 <a:ea typeface="Franklin Gothic Medium Cond" charset="0"/>
                 <a:cs typeface="Franklin Gothic Medium Cond" charset="0"/>
               </a:rPr>
-              <a:t>Not Quite </a:t>
-            </a:r>
-            <a:r>
-              <a:rPr lang="en-US" sz="4800" dirty="0" smtClean="0">
-                <a:latin typeface="Franklin Gothic Medium Cond" charset="0"/>
-                <a:ea typeface="Franklin Gothic Medium Cond" charset="0"/>
-                <a:cs typeface="Franklin Gothic Medium Cond" charset="0"/>
-              </a:rPr>
-              <a:t>Any Way </a:t>
-            </a:r>
-            <a:r>
+              <a:t>Not Quite Any Way You Slice It: </a:t>
+            </a:r>
+            <a:br>
               <a:rPr lang="en-US" sz="4800" dirty="0">
                 <a:latin typeface="Franklin Gothic Medium Cond" charset="0"/>
                 <a:ea typeface="Franklin Gothic Medium Cond" charset="0"/>
                 <a:cs typeface="Franklin Gothic Medium Cond" charset="0"/>
               </a:rPr>
-              <a:t>You Slice It: </a:t>
-            </a:r>
-            <a:r>
-              <a:rPr lang="en-US" sz="4800" dirty="0" smtClean="0">
-                <a:latin typeface="Franklin Gothic Medium Cond" charset="0"/>
-                <a:ea typeface="Franklin Gothic Medium Cond" charset="0"/>
-                <a:cs typeface="Franklin Gothic Medium Cond" charset="0"/>
-              </a:rPr>
-              <a:t/>
-            </a:r>
-            <a:br>
-              <a:rPr lang="en-US" sz="4800" dirty="0" smtClean="0">
-                <a:latin typeface="Franklin Gothic Medium Cond" charset="0"/>
-                <a:ea typeface="Franklin Gothic Medium Cond" charset="0"/>
-                <a:cs typeface="Franklin Gothic Medium Cond" charset="0"/>
-              </a:rPr>
             </a:br>
-            <a:r>
-              <a:rPr lang="en-US" sz="4800" dirty="0" smtClean="0">
-                <a:latin typeface="Franklin Gothic Medium Cond" charset="0"/>
-                <a:ea typeface="Franklin Gothic Medium Cond" charset="0"/>
-                <a:cs typeface="Franklin Gothic Medium Cond" charset="0"/>
-              </a:rPr>
-              <a:t>How </a:t>
-            </a:r>
             <a:r>
               <a:rPr lang="en-US" sz="4800" dirty="0">
                 <a:latin typeface="Franklin Gothic Medium Cond" charset="0"/>
                 <a:ea typeface="Franklin Gothic Medium Cond" charset="0"/>
                 <a:cs typeface="Franklin Gothic Medium Cond" charset="0"/>
               </a:rPr>
-              <a:t>Different </a:t>
-            </a:r>
-            <a:r>
-              <a:rPr lang="en-US" sz="4800" dirty="0" smtClean="0">
-                <a:latin typeface="Franklin Gothic Medium Cond" charset="0"/>
-                <a:ea typeface="Franklin Gothic Medium Cond" charset="0"/>
-                <a:cs typeface="Franklin Gothic Medium Cond" charset="0"/>
-              </a:rPr>
-              <a:t>Analogical </a:t>
-            </a:r>
-            <a:r>
-              <a:rPr lang="fr-FR" sz="4800" dirty="0" smtClean="0">
+              <a:t>How Different Analogical </a:t>
+            </a:r>
+            <a:r>
+              <a:rPr lang="fr-FR" sz="4800" dirty="0">
                 <a:latin typeface="Franklin Gothic Medium Cond" charset="0"/>
                 <a:ea typeface="Franklin Gothic Medium Cond" charset="0"/>
                 <a:cs typeface="Franklin Gothic Medium Cond" charset="0"/>
@@ -3464,7 +3399,7 @@
               <a:t>Constructions Affect </a:t>
             </a:r>
             <a:r>
-              <a:rPr lang="fr-FR" sz="4800" dirty="0" err="1" smtClean="0">
+              <a:rPr lang="fr-FR" sz="4800" dirty="0" err="1">
                 <a:latin typeface="Franklin Gothic Medium Cond" charset="0"/>
                 <a:ea typeface="Franklin Gothic Medium Cond" charset="0"/>
                 <a:cs typeface="Franklin Gothic Medium Cond" charset="0"/>
@@ -3472,20 +3407,12 @@
               <a:t>Raven’s</a:t>
             </a:r>
             <a:r>
-              <a:rPr lang="fr-FR" sz="4800" dirty="0" smtClean="0">
-                <a:latin typeface="Franklin Gothic Medium Cond" charset="0"/>
-                <a:ea typeface="Franklin Gothic Medium Cond" charset="0"/>
-                <a:cs typeface="Franklin Gothic Medium Cond" charset="0"/>
-              </a:rPr>
-              <a:t> </a:t>
-            </a:r>
-            <a:r>
               <a:rPr lang="fr-FR" sz="4800" dirty="0">
                 <a:latin typeface="Franklin Gothic Medium Cond" charset="0"/>
                 <a:ea typeface="Franklin Gothic Medium Cond" charset="0"/>
                 <a:cs typeface="Franklin Gothic Medium Cond" charset="0"/>
               </a:rPr>
-              <a:t>Matrices Performance</a:t>
+              <a:t> Matrices Performance</a:t>
             </a:r>
             <a:endParaRPr lang="en-US" sz="4800" dirty="0">
               <a:latin typeface="Franklin Gothic Medium Cond" charset="0"/>
@@ -3524,18 +3451,10 @@
                 <a:ea typeface="Franklin Gothic Medium Cond" charset="0"/>
                 <a:cs typeface="Franklin Gothic Medium Cond" charset="0"/>
               </a:rPr>
-              <a:t>Yuan </a:t>
-            </a:r>
-            <a:r>
-              <a:rPr lang="en-US" sz="12800" dirty="0" smtClean="0">
-                <a:latin typeface="Franklin Gothic Medium Cond" charset="0"/>
-                <a:ea typeface="Franklin Gothic Medium Cond" charset="0"/>
-                <a:cs typeface="Franklin Gothic Medium Cond" charset="0"/>
-              </a:rPr>
-              <a:t>Yang</a:t>
-            </a:r>
-            <a:r>
-              <a:rPr lang="en-US" sz="12800" baseline="30000" dirty="0" smtClean="0">
+              <a:t>Yuan Yang</a:t>
+            </a:r>
+            <a:r>
+              <a:rPr lang="en-US" sz="12800" baseline="30000" dirty="0">
                 <a:latin typeface="Franklin Gothic Medium Cond" charset="0"/>
                 <a:ea typeface="Franklin Gothic Medium Cond" charset="0"/>
                 <a:cs typeface="Franklin Gothic Medium Cond" charset="0"/>
@@ -3556,18 +3475,10 @@
                 <a:ea typeface="Franklin Gothic Medium Cond" charset="0"/>
                 <a:cs typeface="Franklin Gothic Medium Cond" charset="0"/>
               </a:rPr>
-              <a:t>Keith </a:t>
-            </a:r>
-            <a:r>
-              <a:rPr lang="en-US" sz="12800" dirty="0" smtClean="0">
-                <a:latin typeface="Franklin Gothic Medium Cond" charset="0"/>
-                <a:ea typeface="Franklin Gothic Medium Cond" charset="0"/>
-                <a:cs typeface="Franklin Gothic Medium Cond" charset="0"/>
-              </a:rPr>
-              <a:t>McGreggor</a:t>
-            </a:r>
-            <a:r>
-              <a:rPr lang="en-US" sz="12800" baseline="30000" dirty="0" smtClean="0">
+              <a:t>Keith McGreggor</a:t>
+            </a:r>
+            <a:r>
+              <a:rPr lang="en-US" sz="12800" baseline="30000" dirty="0">
                 <a:latin typeface="Franklin Gothic Medium Cond" charset="0"/>
                 <a:ea typeface="Franklin Gothic Medium Cond" charset="0"/>
                 <a:cs typeface="Franklin Gothic Medium Cond" charset="0"/>
@@ -3578,7 +3489,7 @@
           <a:p>
             <a:pPr algn="r"/>
             <a:r>
-              <a:rPr lang="en-US" sz="12800" dirty="0" smtClean="0">
+              <a:rPr lang="en-US" sz="12800" dirty="0">
                 <a:latin typeface="Franklin Gothic Medium Cond" charset="0"/>
                 <a:ea typeface="Franklin Gothic Medium Cond" charset="0"/>
                 <a:cs typeface="Franklin Gothic Medium Cond" charset="0"/>
@@ -3586,20 +3497,12 @@
               <a:t>Maithilee Kunda</a:t>
             </a:r>
             <a:r>
-              <a:rPr lang="en-US" sz="12800" baseline="30000" dirty="0" smtClean="0">
+              <a:rPr lang="en-US" sz="12800" baseline="30000" dirty="0">
                 <a:latin typeface="Franklin Gothic Medium Cond" charset="0"/>
                 <a:ea typeface="Franklin Gothic Medium Cond" charset="0"/>
                 <a:cs typeface="Franklin Gothic Medium Cond" charset="0"/>
               </a:rPr>
               <a:t>1</a:t>
-            </a:r>
-            <a:r>
-              <a:rPr lang="en-US" sz="12800" dirty="0">
-                <a:latin typeface="Franklin Gothic Medium Cond" charset="0"/>
-                <a:ea typeface="Franklin Gothic Medium Cond" charset="0"/>
-                <a:cs typeface="Franklin Gothic Medium Cond" charset="0"/>
-              </a:rPr>
-              <a:t/>
             </a:r>
             <a:br>
               <a:rPr lang="en-US" sz="12800" dirty="0">
@@ -3622,21 +3525,13 @@
                 <a:ea typeface="Franklin Gothic Medium Cond" charset="0"/>
                 <a:cs typeface="Franklin Gothic Medium Cond" charset="0"/>
               </a:rPr>
-              <a:t>Electrical Engineering and Computer Science, Vanderbilt </a:t>
-            </a:r>
-            <a:r>
-              <a:rPr lang="en-US" sz="8000" dirty="0" smtClean="0">
-                <a:latin typeface="Franklin Gothic Medium Cond" charset="0"/>
-                <a:ea typeface="Franklin Gothic Medium Cond" charset="0"/>
-                <a:cs typeface="Franklin Gothic Medium Cond" charset="0"/>
-              </a:rPr>
-              <a:t>University</a:t>
+              <a:t>Electrical Engineering and Computer Science, Vanderbilt University</a:t>
             </a:r>
           </a:p>
           <a:p>
             <a:pPr algn="r"/>
             <a:r>
-              <a:rPr lang="en-US" sz="8000" baseline="30000" dirty="0" smtClean="0">
+              <a:rPr lang="en-US" sz="8000" baseline="30000" dirty="0">
                 <a:latin typeface="Franklin Gothic Medium Cond" charset="0"/>
                 <a:ea typeface="Franklin Gothic Medium Cond" charset="0"/>
                 <a:cs typeface="Franklin Gothic Medium Cond" charset="0"/>
@@ -3644,20 +3539,12 @@
               <a:t>2</a:t>
             </a:r>
             <a:r>
-              <a:rPr lang="en-US" sz="8000" dirty="0" smtClean="0">
-                <a:latin typeface="Franklin Gothic Medium Cond" charset="0"/>
-                <a:ea typeface="Franklin Gothic Medium Cond" charset="0"/>
-                <a:cs typeface="Franklin Gothic Medium Cond" charset="0"/>
-              </a:rPr>
-              <a:t>School </a:t>
-            </a:r>
-            <a:r>
               <a:rPr lang="en-US" sz="8000" dirty="0">
                 <a:latin typeface="Franklin Gothic Medium Cond" charset="0"/>
                 <a:ea typeface="Franklin Gothic Medium Cond" charset="0"/>
                 <a:cs typeface="Franklin Gothic Medium Cond" charset="0"/>
               </a:rPr>
-              <a:t>of Interactive Computing, Georgia Tech</a:t>
+              <a:t>School of Interactive Computing, Georgia Tech</a:t>
             </a:r>
           </a:p>
           <a:p>
@@ -3693,10 +3580,9 @@
           <a:lstStyle/>
           <a:p>
             <a:r>
-              <a:rPr lang="en-US" dirty="0" smtClean="0"/>
+              <a:rPr lang="en-US" dirty="0"/>
               <a:t>#talk-yang</a:t>
             </a:r>
-            <a:endParaRPr lang="en-US" dirty="0"/>
           </a:p>
         </p:txBody>
       </p:sp>
@@ -3746,10 +3632,9 @@
           <a:lstStyle/>
           <a:p>
             <a:r>
-              <a:rPr lang="en-US" smtClean="0"/>
+              <a:rPr lang="en-US"/>
               <a:t>#talk-yang</a:t>
             </a:r>
-            <a:endParaRPr lang="en-US"/>
           </a:p>
         </p:txBody>
       </p:sp>
@@ -3899,10 +3784,9 @@
           <a:lstStyle/>
           <a:p>
             <a:r>
-              <a:rPr lang="en-US" smtClean="0"/>
+              <a:rPr lang="en-US"/>
               <a:t>#talk-yang</a:t>
             </a:r>
-            <a:endParaRPr lang="en-US"/>
           </a:p>
         </p:txBody>
       </p:sp>
@@ -3973,10 +3857,9 @@
           <a:p>
             <a:pPr algn="ctr"/>
             <a:r>
-              <a:rPr lang="en-US" dirty="0" smtClean="0"/>
+              <a:rPr lang="en-US" dirty="0"/>
               <a:t>Image Transformations</a:t>
             </a:r>
-            <a:endParaRPr lang="en-US" dirty="0"/>
           </a:p>
         </p:txBody>
       </p:sp>
@@ -4017,10 +3900,9 @@
           <a:p>
             <a:pPr algn="ctr"/>
             <a:r>
-              <a:rPr lang="en-US" dirty="0" smtClean="0"/>
+              <a:rPr lang="en-US" dirty="0"/>
               <a:t>Analogies</a:t>
             </a:r>
-            <a:endParaRPr lang="en-US" dirty="0"/>
           </a:p>
         </p:txBody>
       </p:sp>
@@ -4061,10 +3943,9 @@
           <a:p>
             <a:pPr algn="ctr"/>
             <a:r>
-              <a:rPr lang="en-US" dirty="0" smtClean="0"/>
+              <a:rPr lang="en-US" dirty="0"/>
               <a:t>Integration Strategies</a:t>
             </a:r>
-            <a:endParaRPr lang="en-US" dirty="0"/>
           </a:p>
         </p:txBody>
       </p:sp>
@@ -4293,18 +4174,13 @@
           <a:lstStyle/>
           <a:p>
             <a:r>
-              <a:rPr lang="en-US" sz="2400" dirty="0" smtClean="0">
+              <a:rPr lang="en-US" sz="2400" dirty="0">
                 <a:latin typeface="Franklin Gothic Medium Cond" charset="0"/>
                 <a:ea typeface="Franklin Gothic Medium Cond" charset="0"/>
                 <a:cs typeface="Franklin Gothic Medium Cond" charset="0"/>
               </a:rPr>
               <a:t>Affine and Set Transformation Induction Model (ASTI)</a:t>
             </a:r>
-            <a:endParaRPr lang="en-US" sz="2400" dirty="0">
-              <a:latin typeface="Franklin Gothic Medium Cond" charset="0"/>
-              <a:ea typeface="Franklin Gothic Medium Cond" charset="0"/>
-              <a:cs typeface="Franklin Gothic Medium Cond" charset="0"/>
-            </a:endParaRPr>
           </a:p>
         </p:txBody>
       </p:sp>
@@ -4354,10 +4230,9 @@
           <a:lstStyle/>
           <a:p>
             <a:r>
-              <a:rPr lang="en-US" smtClean="0"/>
+              <a:rPr lang="en-US"/>
               <a:t>#talk-yang</a:t>
             </a:r>
-            <a:endParaRPr lang="en-US"/>
           </a:p>
         </p:txBody>
       </p:sp>
@@ -4369,8 +4244,8 @@
         </p:nvSpPr>
         <p:spPr>
           <a:xfrm>
-            <a:off x="393847" y="157849"/>
-            <a:ext cx="7356782" cy="769441"/>
+            <a:off x="989532" y="157849"/>
+            <a:ext cx="3049068" cy="769441"/>
           </a:xfrm>
           <a:prstGeom prst="rect">
             <a:avLst/>
@@ -4384,18 +4259,13 @@
           <a:lstStyle/>
           <a:p>
             <a:r>
-              <a:rPr lang="en-US" sz="4400" dirty="0" smtClean="0">
+              <a:rPr lang="en-US" sz="4400" dirty="0">
                 <a:latin typeface="Franklin Gothic Medium Cond" charset="0"/>
                 <a:ea typeface="Franklin Gothic Medium Cond" charset="0"/>
                 <a:cs typeface="Franklin Gothic Medium Cond" charset="0"/>
               </a:rPr>
-              <a:t>Image Similarity</a:t>
-            </a:r>
-            <a:endParaRPr lang="en-US" sz="4400" dirty="0">
-              <a:latin typeface="Franklin Gothic Medium Cond" charset="0"/>
-              <a:ea typeface="Franklin Gothic Medium Cond" charset="0"/>
-              <a:cs typeface="Franklin Gothic Medium Cond" charset="0"/>
-            </a:endParaRPr>
+              <a:t>Jaccard Index</a:t>
+            </a:r>
           </a:p>
         </p:txBody>
       </p:sp>
@@ -4407,8 +4277,8 @@
         </p:nvSpPr>
         <p:spPr>
           <a:xfrm>
-            <a:off x="393847" y="1134223"/>
-            <a:ext cx="2003964" cy="584775"/>
+            <a:off x="393847" y="1190684"/>
+            <a:ext cx="1777609" cy="584775"/>
           </a:xfrm>
           <a:prstGeom prst="rect">
             <a:avLst/>
@@ -4423,18 +4293,13 @@
           <a:p>
             <a:pPr algn="ctr"/>
             <a:r>
-              <a:rPr lang="en-US" sz="3200" dirty="0" smtClean="0">
+              <a:rPr lang="en-US" sz="3200" dirty="0">
                 <a:latin typeface="Franklin Gothic Medium Cond" charset="0"/>
                 <a:ea typeface="Franklin Gothic Medium Cond" charset="0"/>
                 <a:cs typeface="Franklin Gothic Medium Cond" charset="0"/>
               </a:rPr>
               <a:t>Symmetric</a:t>
             </a:r>
-            <a:endParaRPr lang="en-US" sz="3200" dirty="0">
-              <a:latin typeface="Franklin Gothic Medium Cond" charset="0"/>
-              <a:ea typeface="Franklin Gothic Medium Cond" charset="0"/>
-              <a:cs typeface="Franklin Gothic Medium Cond" charset="0"/>
-            </a:endParaRPr>
           </a:p>
         </p:txBody>
       </p:sp>
@@ -4446,8 +4311,8 @@
         </p:nvSpPr>
         <p:spPr>
           <a:xfrm>
-            <a:off x="393847" y="2069422"/>
-            <a:ext cx="2123936" cy="954107"/>
+            <a:off x="393847" y="2038853"/>
+            <a:ext cx="1953240" cy="954107"/>
           </a:xfrm>
           <a:prstGeom prst="rect">
             <a:avLst/>
@@ -4462,7 +4327,7 @@
           <a:p>
             <a:pPr algn="ctr"/>
             <a:r>
-              <a:rPr lang="en-US" sz="3200" dirty="0" smtClean="0">
+              <a:rPr lang="en-US" sz="3200" dirty="0">
                 <a:latin typeface="Franklin Gothic Medium Cond" charset="0"/>
                 <a:ea typeface="Franklin Gothic Medium Cond" charset="0"/>
                 <a:cs typeface="Franklin Gothic Medium Cond" charset="0"/>
@@ -4473,18 +4338,13 @@
           <a:p>
             <a:pPr algn="ctr"/>
             <a:r>
-              <a:rPr lang="en-US" sz="2400" dirty="0" smtClean="0">
+              <a:rPr lang="en-US" sz="2400" dirty="0">
                 <a:latin typeface="Franklin Gothic Medium Cond" charset="0"/>
                 <a:ea typeface="Franklin Gothic Medium Cond" charset="0"/>
                 <a:cs typeface="Franklin Gothic Medium Cond" charset="0"/>
               </a:rPr>
               <a:t>(directional)</a:t>
             </a:r>
-            <a:endParaRPr lang="en-US" sz="2400" dirty="0">
-              <a:latin typeface="Franklin Gothic Medium Cond" charset="0"/>
-              <a:ea typeface="Franklin Gothic Medium Cond" charset="0"/>
-              <a:cs typeface="Franklin Gothic Medium Cond" charset="0"/>
-            </a:endParaRPr>
           </a:p>
         </p:txBody>
       </p:sp>
@@ -4504,7 +4364,7 @@
         </p:blipFill>
         <p:spPr>
           <a:xfrm>
-            <a:off x="2517783" y="1136332"/>
+            <a:off x="2349350" y="1188151"/>
             <a:ext cx="2187130" cy="693480"/>
           </a:xfrm>
           <a:prstGeom prst="rect">
@@ -4528,8 +4388,2140 @@
         </p:blipFill>
         <p:spPr>
           <a:xfrm>
-            <a:off x="2397811" y="2224114"/>
+            <a:off x="2269333" y="2044412"/>
             <a:ext cx="2347163" cy="746825"/>
+          </a:xfrm>
+          <a:prstGeom prst="rect">
+            <a:avLst/>
+          </a:prstGeom>
+        </p:spPr>
+      </p:pic>
+      <p:sp>
+        <p:nvSpPr>
+          <p:cNvPr id="2" name="TextBox 1">
+            <a:extLst>
+              <a:ext uri="{FF2B5EF4-FFF2-40B4-BE49-F238E27FC236}">
+                <a16:creationId xmlns:a16="http://schemas.microsoft.com/office/drawing/2014/main" id="{B8C49AEA-4C64-42BD-B980-C0A801DCCEFE}"/>
+              </a:ext>
+            </a:extLst>
+          </p:cNvPr>
+          <p:cNvSpPr txBox="1"/>
+          <p:nvPr/>
+        </p:nvSpPr>
+        <p:spPr>
+          <a:xfrm>
+            <a:off x="6756362" y="157848"/>
+            <a:ext cx="4631213" cy="769441"/>
+          </a:xfrm>
+          <a:prstGeom prst="rect">
+            <a:avLst/>
+          </a:prstGeom>
+          <a:noFill/>
+        </p:spPr>
+        <p:txBody>
+          <a:bodyPr wrap="square" rtlCol="0">
+            <a:spAutoFit/>
+          </a:bodyPr>
+          <a:lstStyle/>
+          <a:p>
+            <a:r>
+              <a:rPr lang="en-US" sz="4400" dirty="0">
+                <a:latin typeface="Franklin Gothic Medium Cond" charset="0"/>
+                <a:ea typeface="Franklin Gothic Medium Cond" charset="0"/>
+                <a:cs typeface="Franklin Gothic Medium Cond" charset="0"/>
+              </a:rPr>
+              <a:t>Similarity Procedures</a:t>
+            </a:r>
+          </a:p>
+        </p:txBody>
+      </p:sp>
+      <p:pic>
+        <p:nvPicPr>
+          <p:cNvPr id="3" name="Picture 2">
+            <a:extLst>
+              <a:ext uri="{FF2B5EF4-FFF2-40B4-BE49-F238E27FC236}">
+                <a16:creationId xmlns:a16="http://schemas.microsoft.com/office/drawing/2014/main" id="{A8F02CEB-6AEF-4B0D-B103-D48421519CE1}"/>
+              </a:ext>
+            </a:extLst>
+          </p:cNvPr>
+          <p:cNvPicPr>
+            <a:picLocks noChangeAspect="1"/>
+          </p:cNvPicPr>
+          <p:nvPr/>
+        </p:nvPicPr>
+        <p:blipFill>
+          <a:blip r:embed="rId4"/>
+          <a:stretch>
+            <a:fillRect/>
+          </a:stretch>
+        </p:blipFill>
+        <p:spPr>
+          <a:xfrm>
+            <a:off x="6786174" y="1367916"/>
+            <a:ext cx="3724265" cy="365124"/>
+          </a:xfrm>
+          <a:prstGeom prst="rect">
+            <a:avLst/>
+          </a:prstGeom>
+        </p:spPr>
+      </p:pic>
+      <p:pic>
+        <p:nvPicPr>
+          <p:cNvPr id="5" name="Picture 4">
+            <a:extLst>
+              <a:ext uri="{FF2B5EF4-FFF2-40B4-BE49-F238E27FC236}">
+                <a16:creationId xmlns:a16="http://schemas.microsoft.com/office/drawing/2014/main" id="{5EC0EB6F-0012-4B0E-B854-5ACF1C34C292}"/>
+              </a:ext>
+            </a:extLst>
+          </p:cNvPr>
+          <p:cNvPicPr>
+            <a:picLocks noChangeAspect="1"/>
+          </p:cNvPicPr>
+          <p:nvPr/>
+        </p:nvPicPr>
+        <p:blipFill>
+          <a:blip r:embed="rId5"/>
+          <a:stretch>
+            <a:fillRect/>
+          </a:stretch>
+        </p:blipFill>
+        <p:spPr>
+          <a:xfrm>
+            <a:off x="6756363" y="2244159"/>
+            <a:ext cx="5163891" cy="365124"/>
+          </a:xfrm>
+          <a:prstGeom prst="rect">
+            <a:avLst/>
+          </a:prstGeom>
+        </p:spPr>
+      </p:pic>
+      <p:sp>
+        <p:nvSpPr>
+          <p:cNvPr id="6" name="Left Arrow 19">
+            <a:extLst>
+              <a:ext uri="{FF2B5EF4-FFF2-40B4-BE49-F238E27FC236}">
+                <a16:creationId xmlns:a16="http://schemas.microsoft.com/office/drawing/2014/main" id="{864A001F-8FE6-4730-82A2-30DF12BFC11A}"/>
+              </a:ext>
+            </a:extLst>
+          </p:cNvPr>
+          <p:cNvSpPr/>
+          <p:nvPr/>
+        </p:nvSpPr>
+        <p:spPr>
+          <a:xfrm rot="10800000">
+            <a:off x="4714373" y="1320328"/>
+            <a:ext cx="1972673" cy="460297"/>
+          </a:xfrm>
+          <a:prstGeom prst="leftArrow">
+            <a:avLst/>
+          </a:prstGeom>
+          <a:solidFill>
+            <a:schemeClr val="accent5">
+              <a:lumMod val="75000"/>
+            </a:schemeClr>
+          </a:solidFill>
+        </p:spPr>
+        <p:style>
+          <a:lnRef idx="2">
+            <a:schemeClr val="accent1">
+              <a:shade val="50000"/>
+            </a:schemeClr>
+          </a:lnRef>
+          <a:fillRef idx="1">
+            <a:schemeClr val="accent1"/>
+          </a:fillRef>
+          <a:effectRef idx="0">
+            <a:schemeClr val="accent1"/>
+          </a:effectRef>
+          <a:fontRef idx="minor">
+            <a:schemeClr val="lt1"/>
+          </a:fontRef>
+        </p:style>
+        <p:txBody>
+          <a:bodyPr rtlCol="0" anchor="ctr"/>
+          <a:lstStyle/>
+          <a:p>
+            <a:pPr algn="ctr"/>
+            <a:endParaRPr lang="en-US"/>
+          </a:p>
+        </p:txBody>
+      </p:sp>
+      <p:sp>
+        <p:nvSpPr>
+          <p:cNvPr id="7" name="Left Arrow 19">
+            <a:extLst>
+              <a:ext uri="{FF2B5EF4-FFF2-40B4-BE49-F238E27FC236}">
+                <a16:creationId xmlns:a16="http://schemas.microsoft.com/office/drawing/2014/main" id="{CC7D99E2-19B5-4031-90AC-9F5324155F6E}"/>
+              </a:ext>
+            </a:extLst>
+          </p:cNvPr>
+          <p:cNvSpPr/>
+          <p:nvPr/>
+        </p:nvSpPr>
+        <p:spPr>
+          <a:xfrm rot="10800000">
+            <a:off x="4714373" y="2187675"/>
+            <a:ext cx="1972673" cy="460297"/>
+          </a:xfrm>
+          <a:prstGeom prst="leftArrow">
+            <a:avLst/>
+          </a:prstGeom>
+          <a:solidFill>
+            <a:schemeClr val="accent5">
+              <a:lumMod val="75000"/>
+            </a:schemeClr>
+          </a:solidFill>
+        </p:spPr>
+        <p:style>
+          <a:lnRef idx="2">
+            <a:schemeClr val="accent1">
+              <a:shade val="50000"/>
+            </a:schemeClr>
+          </a:lnRef>
+          <a:fillRef idx="1">
+            <a:schemeClr val="accent1"/>
+          </a:fillRef>
+          <a:effectRef idx="0">
+            <a:schemeClr val="accent1"/>
+          </a:effectRef>
+          <a:fontRef idx="minor">
+            <a:schemeClr val="lt1"/>
+          </a:fontRef>
+        </p:style>
+        <p:txBody>
+          <a:bodyPr rtlCol="0" anchor="ctr"/>
+          <a:lstStyle/>
+          <a:p>
+            <a:pPr algn="ctr"/>
+            <a:endParaRPr lang="en-US"/>
+          </a:p>
+        </p:txBody>
+      </p:sp>
+      <p:cxnSp>
+        <p:nvCxnSpPr>
+          <p:cNvPr id="10" name="Straight Connector 9">
+            <a:extLst>
+              <a:ext uri="{FF2B5EF4-FFF2-40B4-BE49-F238E27FC236}">
+                <a16:creationId xmlns:a16="http://schemas.microsoft.com/office/drawing/2014/main" id="{A81F5DB6-90B6-40E9-906A-FEB9C792D6FD}"/>
+              </a:ext>
+            </a:extLst>
+          </p:cNvPr>
+          <p:cNvCxnSpPr>
+            <a:cxnSpLocks/>
+          </p:cNvCxnSpPr>
+          <p:nvPr/>
+        </p:nvCxnSpPr>
+        <p:spPr>
+          <a:xfrm>
+            <a:off x="5615868" y="849835"/>
+            <a:ext cx="0" cy="2378036"/>
+          </a:xfrm>
+          <a:prstGeom prst="line">
+            <a:avLst/>
+          </a:prstGeom>
+          <a:ln w="38100">
+            <a:prstDash val="dash"/>
+          </a:ln>
+        </p:spPr>
+        <p:style>
+          <a:lnRef idx="1">
+            <a:schemeClr val="dk1"/>
+          </a:lnRef>
+          <a:fillRef idx="0">
+            <a:schemeClr val="dk1"/>
+          </a:fillRef>
+          <a:effectRef idx="0">
+            <a:schemeClr val="dk1"/>
+          </a:effectRef>
+          <a:fontRef idx="minor">
+            <a:schemeClr val="tx1"/>
+          </a:fontRef>
+        </p:style>
+      </p:cxnSp>
+      <p:sp>
+        <p:nvSpPr>
+          <p:cNvPr id="11" name="TextBox 10">
+            <a:extLst>
+              <a:ext uri="{FF2B5EF4-FFF2-40B4-BE49-F238E27FC236}">
+                <a16:creationId xmlns:a16="http://schemas.microsoft.com/office/drawing/2014/main" id="{FCF111A5-FE7C-482C-88CC-BB5EDCE73680}"/>
+              </a:ext>
+            </a:extLst>
+          </p:cNvPr>
+          <p:cNvSpPr txBox="1"/>
+          <p:nvPr/>
+        </p:nvSpPr>
+        <p:spPr>
+          <a:xfrm>
+            <a:off x="4586314" y="3005532"/>
+            <a:ext cx="2059108" cy="584775"/>
+          </a:xfrm>
+          <a:prstGeom prst="rect">
+            <a:avLst/>
+          </a:prstGeom>
+          <a:noFill/>
+        </p:spPr>
+        <p:txBody>
+          <a:bodyPr wrap="square" rtlCol="0">
+            <a:spAutoFit/>
+          </a:bodyPr>
+          <a:lstStyle/>
+          <a:p>
+            <a:pPr algn="ctr"/>
+            <a:r>
+              <a:rPr lang="en-US" sz="3200" dirty="0">
+                <a:latin typeface="Franklin Gothic Medium Cond" charset="0"/>
+                <a:ea typeface="Franklin Gothic Medium Cond" charset="0"/>
+                <a:cs typeface="Franklin Gothic Medium Cond" charset="0"/>
+              </a:rPr>
+              <a:t>Alignment</a:t>
+            </a:r>
+          </a:p>
+        </p:txBody>
+      </p:sp>
+      <p:sp>
+        <p:nvSpPr>
+          <p:cNvPr id="21" name="Rectangle 20">
+            <a:extLst>
+              <a:ext uri="{FF2B5EF4-FFF2-40B4-BE49-F238E27FC236}">
+                <a16:creationId xmlns:a16="http://schemas.microsoft.com/office/drawing/2014/main" id="{688A128D-2B27-404F-A1D1-7E6847304358}"/>
+              </a:ext>
+            </a:extLst>
+          </p:cNvPr>
+          <p:cNvSpPr/>
+          <p:nvPr/>
+        </p:nvSpPr>
+        <p:spPr>
+          <a:xfrm>
+            <a:off x="5109663" y="4277976"/>
+            <a:ext cx="1972673" cy="1972673"/>
+          </a:xfrm>
+          <a:prstGeom prst="rect">
+            <a:avLst/>
+          </a:prstGeom>
+        </p:spPr>
+        <p:style>
+          <a:lnRef idx="2">
+            <a:schemeClr val="accent1">
+              <a:shade val="50000"/>
+            </a:schemeClr>
+          </a:lnRef>
+          <a:fillRef idx="1">
+            <a:schemeClr val="accent1"/>
+          </a:fillRef>
+          <a:effectRef idx="0">
+            <a:schemeClr val="accent1"/>
+          </a:effectRef>
+          <a:fontRef idx="minor">
+            <a:schemeClr val="lt1"/>
+          </a:fontRef>
+        </p:style>
+        <p:txBody>
+          <a:bodyPr rtlCol="0" anchor="ctr"/>
+          <a:lstStyle/>
+          <a:p>
+            <a:pPr algn="ctr"/>
+            <a:endParaRPr lang="zh-CN" altLang="en-US"/>
+          </a:p>
+        </p:txBody>
+      </p:sp>
+      <p:sp>
+        <p:nvSpPr>
+          <p:cNvPr id="23" name="Rectangle 22">
+            <a:extLst>
+              <a:ext uri="{FF2B5EF4-FFF2-40B4-BE49-F238E27FC236}">
+                <a16:creationId xmlns:a16="http://schemas.microsoft.com/office/drawing/2014/main" id="{A5271EAB-FCCC-46B9-B040-9C7BFE0238CA}"/>
+              </a:ext>
+            </a:extLst>
+          </p:cNvPr>
+          <p:cNvSpPr/>
+          <p:nvPr/>
+        </p:nvSpPr>
+        <p:spPr>
+          <a:xfrm>
+            <a:off x="4204914" y="3852778"/>
+            <a:ext cx="1470134" cy="1459120"/>
+          </a:xfrm>
+          <a:prstGeom prst="rect">
+            <a:avLst/>
+          </a:prstGeom>
+          <a:solidFill>
+            <a:schemeClr val="accent6">
+              <a:alpha val="73000"/>
+            </a:schemeClr>
+          </a:solidFill>
+        </p:spPr>
+        <p:style>
+          <a:lnRef idx="2">
+            <a:schemeClr val="accent1">
+              <a:shade val="50000"/>
+            </a:schemeClr>
+          </a:lnRef>
+          <a:fillRef idx="1">
+            <a:schemeClr val="accent1"/>
+          </a:fillRef>
+          <a:effectRef idx="0">
+            <a:schemeClr val="accent1"/>
+          </a:effectRef>
+          <a:fontRef idx="minor">
+            <a:schemeClr val="lt1"/>
+          </a:fontRef>
+        </p:style>
+        <p:txBody>
+          <a:bodyPr rtlCol="0" anchor="ctr"/>
+          <a:lstStyle/>
+          <a:p>
+            <a:pPr algn="ctr"/>
+            <a:endParaRPr lang="zh-CN" altLang="en-US"/>
+          </a:p>
+        </p:txBody>
+      </p:sp>
+      <p:cxnSp>
+        <p:nvCxnSpPr>
+          <p:cNvPr id="27" name="Straight Arrow Connector 26">
+            <a:extLst>
+              <a:ext uri="{FF2B5EF4-FFF2-40B4-BE49-F238E27FC236}">
+                <a16:creationId xmlns:a16="http://schemas.microsoft.com/office/drawing/2014/main" id="{93B0B039-281D-40A5-B3AF-EA11FDF50CAD}"/>
+              </a:ext>
+            </a:extLst>
+          </p:cNvPr>
+          <p:cNvCxnSpPr>
+            <a:cxnSpLocks/>
+          </p:cNvCxnSpPr>
+          <p:nvPr/>
+        </p:nvCxnSpPr>
+        <p:spPr>
+          <a:xfrm>
+            <a:off x="5783410" y="4083709"/>
+            <a:ext cx="1075131" cy="0"/>
+          </a:xfrm>
+          <a:prstGeom prst="straightConnector1">
+            <a:avLst/>
+          </a:prstGeom>
+          <a:ln w="38100">
+            <a:tailEnd type="triangle"/>
+          </a:ln>
+        </p:spPr>
+        <p:style>
+          <a:lnRef idx="1">
+            <a:schemeClr val="dk1"/>
+          </a:lnRef>
+          <a:fillRef idx="0">
+            <a:schemeClr val="dk1"/>
+          </a:fillRef>
+          <a:effectRef idx="0">
+            <a:schemeClr val="dk1"/>
+          </a:effectRef>
+          <a:fontRef idx="minor">
+            <a:schemeClr val="tx1"/>
+          </a:fontRef>
+        </p:style>
+      </p:cxnSp>
+      <p:cxnSp>
+        <p:nvCxnSpPr>
+          <p:cNvPr id="31" name="Straight Arrow Connector 30">
+            <a:extLst>
+              <a:ext uri="{FF2B5EF4-FFF2-40B4-BE49-F238E27FC236}">
+                <a16:creationId xmlns:a16="http://schemas.microsoft.com/office/drawing/2014/main" id="{5EF7D6EA-5492-4C16-8DB9-2F26F444F25E}"/>
+              </a:ext>
+            </a:extLst>
+          </p:cNvPr>
+          <p:cNvCxnSpPr>
+            <a:cxnSpLocks/>
+          </p:cNvCxnSpPr>
+          <p:nvPr/>
+        </p:nvCxnSpPr>
+        <p:spPr>
+          <a:xfrm>
+            <a:off x="4750276" y="5508728"/>
+            <a:ext cx="0" cy="596966"/>
+          </a:xfrm>
+          <a:prstGeom prst="straightConnector1">
+            <a:avLst/>
+          </a:prstGeom>
+          <a:ln w="38100">
+            <a:tailEnd type="triangle"/>
+          </a:ln>
+        </p:spPr>
+        <p:style>
+          <a:lnRef idx="1">
+            <a:schemeClr val="dk1"/>
+          </a:lnRef>
+          <a:fillRef idx="0">
+            <a:schemeClr val="dk1"/>
+          </a:fillRef>
+          <a:effectRef idx="0">
+            <a:schemeClr val="dk1"/>
+          </a:effectRef>
+          <a:fontRef idx="minor">
+            <a:schemeClr val="tx1"/>
+          </a:fontRef>
+        </p:style>
+      </p:cxnSp>
+    </p:spTree>
+    <p:extLst>
+      <p:ext uri="{BB962C8B-B14F-4D97-AF65-F5344CB8AC3E}">
+        <p14:creationId xmlns:p14="http://schemas.microsoft.com/office/powerpoint/2010/main" val="2886772612"/>
+      </p:ext>
+    </p:extLst>
+  </p:cSld>
+  <p:clrMapOvr>
+    <a:masterClrMapping/>
+  </p:clrMapOvr>
+</p:sld>
+</file>
+
+<file path=ppt/slides/slide5.xml><?xml version="1.0" encoding="utf-8"?>
+<p:sld xmlns:a="http://schemas.openxmlformats.org/drawingml/2006/main" xmlns:r="http://schemas.openxmlformats.org/officeDocument/2006/relationships" xmlns:p="http://schemas.openxmlformats.org/presentationml/2006/main">
+  <p:cSld>
+    <p:spTree>
+      <p:nvGrpSpPr>
+        <p:cNvPr id="1" name=""/>
+        <p:cNvGrpSpPr/>
+        <p:nvPr/>
+      </p:nvGrpSpPr>
+      <p:grpSpPr>
+        <a:xfrm>
+          <a:off x="0" y="0"/>
+          <a:ext cx="0" cy="0"/>
+          <a:chOff x="0" y="0"/>
+          <a:chExt cx="0" cy="0"/>
+        </a:xfrm>
+      </p:grpSpPr>
+      <p:sp>
+        <p:nvSpPr>
+          <p:cNvPr id="4" name="Footer Placeholder 3">
+            <a:extLst>
+              <a:ext uri="{FF2B5EF4-FFF2-40B4-BE49-F238E27FC236}">
+                <a16:creationId xmlns:a16="http://schemas.microsoft.com/office/drawing/2014/main" id="{DB5E1A92-87CA-49F9-8875-71850BBEEDCC}"/>
+              </a:ext>
+            </a:extLst>
+          </p:cNvPr>
+          <p:cNvSpPr>
+            <a:spLocks noGrp="1"/>
+          </p:cNvSpPr>
+          <p:nvPr>
+            <p:ph type="ftr" sz="quarter" idx="11"/>
+          </p:nvPr>
+        </p:nvSpPr>
+        <p:spPr/>
+        <p:txBody>
+          <a:bodyPr/>
+          <a:lstStyle/>
+          <a:p>
+            <a:r>
+              <a:rPr lang="en-US"/>
+              <a:t>#talk-yang</a:t>
+            </a:r>
+          </a:p>
+        </p:txBody>
+      </p:sp>
+      <p:sp>
+        <p:nvSpPr>
+          <p:cNvPr id="7" name="TextBox 6">
+            <a:extLst>
+              <a:ext uri="{FF2B5EF4-FFF2-40B4-BE49-F238E27FC236}">
+                <a16:creationId xmlns:a16="http://schemas.microsoft.com/office/drawing/2014/main" id="{379D8A44-A640-48F3-A6A0-25D591061A61}"/>
+              </a:ext>
+            </a:extLst>
+          </p:cNvPr>
+          <p:cNvSpPr txBox="1"/>
+          <p:nvPr/>
+        </p:nvSpPr>
+        <p:spPr>
+          <a:xfrm>
+            <a:off x="461211" y="1165283"/>
+            <a:ext cx="3808711" cy="769441"/>
+          </a:xfrm>
+          <a:prstGeom prst="rect">
+            <a:avLst/>
+          </a:prstGeom>
+          <a:noFill/>
+        </p:spPr>
+        <p:txBody>
+          <a:bodyPr wrap="square" rtlCol="0">
+            <a:spAutoFit/>
+          </a:bodyPr>
+          <a:lstStyle/>
+          <a:p>
+            <a:pPr algn="ctr"/>
+            <a:r>
+              <a:rPr lang="en-US" sz="4400" dirty="0">
+                <a:latin typeface="Franklin Gothic Medium Cond" charset="0"/>
+                <a:ea typeface="Franklin Gothic Medium Cond" charset="0"/>
+                <a:cs typeface="Franklin Gothic Medium Cond" charset="0"/>
+              </a:rPr>
+              <a:t>Transformations</a:t>
+            </a:r>
+          </a:p>
+        </p:txBody>
+      </p:sp>
+      <p:grpSp>
+        <p:nvGrpSpPr>
+          <p:cNvPr id="89" name="Group 88">
+            <a:extLst>
+              <a:ext uri="{FF2B5EF4-FFF2-40B4-BE49-F238E27FC236}">
+                <a16:creationId xmlns:a16="http://schemas.microsoft.com/office/drawing/2014/main" id="{A2D1ED86-25CE-4C1B-9D92-52C8C868603E}"/>
+              </a:ext>
+            </a:extLst>
+          </p:cNvPr>
+          <p:cNvGrpSpPr/>
+          <p:nvPr/>
+        </p:nvGrpSpPr>
+        <p:grpSpPr>
+          <a:xfrm>
+            <a:off x="970566" y="2131783"/>
+            <a:ext cx="2790000" cy="2791494"/>
+            <a:chOff x="970566" y="2131783"/>
+            <a:chExt cx="2790000" cy="2791494"/>
+          </a:xfrm>
+        </p:grpSpPr>
+        <p:sp>
+          <p:nvSpPr>
+            <p:cNvPr id="75" name="Rectangle 74">
+              <a:extLst>
+                <a:ext uri="{FF2B5EF4-FFF2-40B4-BE49-F238E27FC236}">
+                  <a16:creationId xmlns:a16="http://schemas.microsoft.com/office/drawing/2014/main" id="{74E547B9-30C4-4608-A9AD-A1DACA2135A4}"/>
+                </a:ext>
+              </a:extLst>
+            </p:cNvPr>
+            <p:cNvSpPr>
+              <a:spLocks noChangeAspect="1"/>
+            </p:cNvSpPr>
+            <p:nvPr/>
+          </p:nvSpPr>
+          <p:spPr>
+            <a:xfrm>
+              <a:off x="984235" y="3536376"/>
+              <a:ext cx="1368000" cy="1368000"/>
+            </a:xfrm>
+            <a:prstGeom prst="rect">
+              <a:avLst/>
+            </a:prstGeom>
+            <a:noFill/>
+            <a:ln w="34925">
+              <a:solidFill>
+                <a:schemeClr val="tx1"/>
+              </a:solidFill>
+            </a:ln>
+          </p:spPr>
+          <p:style>
+            <a:lnRef idx="2">
+              <a:schemeClr val="accent1">
+                <a:shade val="50000"/>
+              </a:schemeClr>
+            </a:lnRef>
+            <a:fillRef idx="1">
+              <a:schemeClr val="accent1"/>
+            </a:fillRef>
+            <a:effectRef idx="0">
+              <a:schemeClr val="accent1"/>
+            </a:effectRef>
+            <a:fontRef idx="minor">
+              <a:schemeClr val="lt1"/>
+            </a:fontRef>
+          </p:style>
+          <p:txBody>
+            <a:bodyPr rtlCol="0" anchor="ctr"/>
+            <a:lstStyle/>
+            <a:p>
+              <a:pPr algn="ctr"/>
+              <a:endParaRPr lang="zh-CN" altLang="en-US"/>
+            </a:p>
+          </p:txBody>
+        </p:sp>
+        <p:sp>
+          <p:nvSpPr>
+            <p:cNvPr id="69" name="Rectangle 68">
+              <a:extLst>
+                <a:ext uri="{FF2B5EF4-FFF2-40B4-BE49-F238E27FC236}">
+                  <a16:creationId xmlns:a16="http://schemas.microsoft.com/office/drawing/2014/main" id="{DE4BE50A-7141-41BF-ADDB-E26D96F5DBD0}"/>
+                </a:ext>
+              </a:extLst>
+            </p:cNvPr>
+            <p:cNvSpPr>
+              <a:spLocks noChangeAspect="1"/>
+            </p:cNvSpPr>
+            <p:nvPr/>
+          </p:nvSpPr>
+          <p:spPr>
+            <a:xfrm>
+              <a:off x="2386079" y="2131783"/>
+              <a:ext cx="1368000" cy="1368000"/>
+            </a:xfrm>
+            <a:prstGeom prst="rect">
+              <a:avLst/>
+            </a:prstGeom>
+            <a:ln>
+              <a:noFill/>
+            </a:ln>
+          </p:spPr>
+          <p:style>
+            <a:lnRef idx="2">
+              <a:schemeClr val="accent1">
+                <a:shade val="50000"/>
+              </a:schemeClr>
+            </a:lnRef>
+            <a:fillRef idx="1">
+              <a:schemeClr val="accent1"/>
+            </a:fillRef>
+            <a:effectRef idx="0">
+              <a:schemeClr val="accent1"/>
+            </a:effectRef>
+            <a:fontRef idx="minor">
+              <a:schemeClr val="lt1"/>
+            </a:fontRef>
+          </p:style>
+          <p:txBody>
+            <a:bodyPr rtlCol="0" anchor="ctr"/>
+            <a:lstStyle/>
+            <a:p>
+              <a:pPr algn="ctr"/>
+              <a:endParaRPr lang="zh-CN" altLang="en-US"/>
+            </a:p>
+          </p:txBody>
+        </p:sp>
+        <p:cxnSp>
+          <p:nvCxnSpPr>
+            <p:cNvPr id="20" name="Straight Connector 19">
+              <a:extLst>
+                <a:ext uri="{FF2B5EF4-FFF2-40B4-BE49-F238E27FC236}">
+                  <a16:creationId xmlns:a16="http://schemas.microsoft.com/office/drawing/2014/main" id="{169D6B40-5F89-493A-89FE-80CA78A7C6F9}"/>
+                </a:ext>
+              </a:extLst>
+            </p:cNvPr>
+            <p:cNvCxnSpPr/>
+            <p:nvPr/>
+          </p:nvCxnSpPr>
+          <p:spPr>
+            <a:xfrm>
+              <a:off x="970566" y="3522038"/>
+              <a:ext cx="2790000" cy="0"/>
+            </a:xfrm>
+            <a:prstGeom prst="line">
+              <a:avLst/>
+            </a:prstGeom>
+            <a:ln w="38100">
+              <a:solidFill>
+                <a:schemeClr val="tx1"/>
+              </a:solidFill>
+            </a:ln>
+          </p:spPr>
+          <p:style>
+            <a:lnRef idx="1">
+              <a:schemeClr val="dk1"/>
+            </a:lnRef>
+            <a:fillRef idx="0">
+              <a:schemeClr val="dk1"/>
+            </a:fillRef>
+            <a:effectRef idx="0">
+              <a:schemeClr val="dk1"/>
+            </a:effectRef>
+            <a:fontRef idx="minor">
+              <a:schemeClr val="tx1"/>
+            </a:fontRef>
+          </p:style>
+        </p:cxnSp>
+        <p:cxnSp>
+          <p:nvCxnSpPr>
+            <p:cNvPr id="21" name="Straight Connector 20">
+              <a:extLst>
+                <a:ext uri="{FF2B5EF4-FFF2-40B4-BE49-F238E27FC236}">
+                  <a16:creationId xmlns:a16="http://schemas.microsoft.com/office/drawing/2014/main" id="{4BB16451-5B70-4834-9906-66DD98179180}"/>
+                </a:ext>
+              </a:extLst>
+            </p:cNvPr>
+            <p:cNvCxnSpPr>
+              <a:cxnSpLocks/>
+            </p:cNvCxnSpPr>
+            <p:nvPr/>
+          </p:nvCxnSpPr>
+          <p:spPr>
+            <a:xfrm flipV="1">
+              <a:off x="2366073" y="2133277"/>
+              <a:ext cx="0" cy="2790000"/>
+            </a:xfrm>
+            <a:prstGeom prst="line">
+              <a:avLst/>
+            </a:prstGeom>
+            <a:ln w="38100">
+              <a:solidFill>
+                <a:schemeClr val="tx1"/>
+              </a:solidFill>
+            </a:ln>
+          </p:spPr>
+          <p:style>
+            <a:lnRef idx="1">
+              <a:schemeClr val="dk1"/>
+            </a:lnRef>
+            <a:fillRef idx="0">
+              <a:schemeClr val="dk1"/>
+            </a:fillRef>
+            <a:effectRef idx="0">
+              <a:schemeClr val="dk1"/>
+            </a:effectRef>
+            <a:fontRef idx="minor">
+              <a:schemeClr val="tx1"/>
+            </a:fontRef>
+          </p:style>
+        </p:cxnSp>
+        <p:sp>
+          <p:nvSpPr>
+            <p:cNvPr id="71" name="Rectangle 70">
+              <a:extLst>
+                <a:ext uri="{FF2B5EF4-FFF2-40B4-BE49-F238E27FC236}">
+                  <a16:creationId xmlns:a16="http://schemas.microsoft.com/office/drawing/2014/main" id="{1840166A-3D3F-4694-A2B8-57A8883E1826}"/>
+                </a:ext>
+              </a:extLst>
+            </p:cNvPr>
+            <p:cNvSpPr>
+              <a:spLocks noChangeAspect="1"/>
+            </p:cNvSpPr>
+            <p:nvPr/>
+          </p:nvSpPr>
+          <p:spPr>
+            <a:xfrm>
+              <a:off x="2387874" y="3546031"/>
+              <a:ext cx="1368000" cy="1368000"/>
+            </a:xfrm>
+            <a:prstGeom prst="rect">
+              <a:avLst/>
+            </a:prstGeom>
+            <a:ln>
+              <a:noFill/>
+            </a:ln>
+          </p:spPr>
+          <p:style>
+            <a:lnRef idx="2">
+              <a:schemeClr val="accent1">
+                <a:shade val="50000"/>
+              </a:schemeClr>
+            </a:lnRef>
+            <a:fillRef idx="1">
+              <a:schemeClr val="accent1"/>
+            </a:fillRef>
+            <a:effectRef idx="0">
+              <a:schemeClr val="accent1"/>
+            </a:effectRef>
+            <a:fontRef idx="minor">
+              <a:schemeClr val="lt1"/>
+            </a:fontRef>
+          </p:style>
+          <p:txBody>
+            <a:bodyPr rtlCol="0" anchor="ctr"/>
+            <a:lstStyle/>
+            <a:p>
+              <a:pPr algn="ctr"/>
+              <a:endParaRPr lang="zh-CN" altLang="en-US"/>
+            </a:p>
+          </p:txBody>
+        </p:sp>
+        <p:sp>
+          <p:nvSpPr>
+            <p:cNvPr id="73" name="Rectangle 72">
+              <a:extLst>
+                <a:ext uri="{FF2B5EF4-FFF2-40B4-BE49-F238E27FC236}">
+                  <a16:creationId xmlns:a16="http://schemas.microsoft.com/office/drawing/2014/main" id="{6A34C348-501D-4237-84C2-40075D4149BB}"/>
+                </a:ext>
+              </a:extLst>
+            </p:cNvPr>
+            <p:cNvSpPr>
+              <a:spLocks noChangeAspect="1"/>
+            </p:cNvSpPr>
+            <p:nvPr/>
+          </p:nvSpPr>
+          <p:spPr>
+            <a:xfrm>
+              <a:off x="982722" y="2131783"/>
+              <a:ext cx="1368000" cy="1368000"/>
+            </a:xfrm>
+            <a:prstGeom prst="rect">
+              <a:avLst/>
+            </a:prstGeom>
+            <a:ln>
+              <a:noFill/>
+            </a:ln>
+          </p:spPr>
+          <p:style>
+            <a:lnRef idx="2">
+              <a:schemeClr val="accent1">
+                <a:shade val="50000"/>
+              </a:schemeClr>
+            </a:lnRef>
+            <a:fillRef idx="1">
+              <a:schemeClr val="accent1"/>
+            </a:fillRef>
+            <a:effectRef idx="0">
+              <a:schemeClr val="accent1"/>
+            </a:effectRef>
+            <a:fontRef idx="minor">
+              <a:schemeClr val="lt1"/>
+            </a:fontRef>
+          </p:style>
+          <p:txBody>
+            <a:bodyPr rtlCol="0" anchor="ctr"/>
+            <a:lstStyle/>
+            <a:p>
+              <a:pPr algn="ctr"/>
+              <a:endParaRPr lang="zh-CN" altLang="en-US"/>
+            </a:p>
+          </p:txBody>
+        </p:sp>
+        <p:sp>
+          <p:nvSpPr>
+            <p:cNvPr id="50" name="TextBox 49">
+              <a:extLst>
+                <a:ext uri="{FF2B5EF4-FFF2-40B4-BE49-F238E27FC236}">
+                  <a16:creationId xmlns:a16="http://schemas.microsoft.com/office/drawing/2014/main" id="{C7B917CE-44C2-4190-9BC8-C14BF698A1AE}"/>
+                </a:ext>
+              </a:extLst>
+            </p:cNvPr>
+            <p:cNvSpPr txBox="1"/>
+            <p:nvPr/>
+          </p:nvSpPr>
+          <p:spPr>
+            <a:xfrm>
+              <a:off x="2503781" y="2292563"/>
+              <a:ext cx="1119077" cy="523220"/>
+            </a:xfrm>
+            <a:prstGeom prst="rect">
+              <a:avLst/>
+            </a:prstGeom>
+            <a:noFill/>
+          </p:spPr>
+          <p:txBody>
+            <a:bodyPr wrap="square" rtlCol="0">
+              <a:spAutoFit/>
+            </a:bodyPr>
+            <a:lstStyle/>
+            <a:p>
+              <a:pPr algn="ctr"/>
+              <a:r>
+                <a:rPr lang="en-US" sz="2800" dirty="0">
+                  <a:latin typeface="Franklin Gothic Medium Cond" charset="0"/>
+                  <a:ea typeface="Franklin Gothic Medium Cond" charset="0"/>
+                  <a:cs typeface="Franklin Gothic Medium Cond" charset="0"/>
+                </a:rPr>
+                <a:t>Unary</a:t>
+              </a:r>
+            </a:p>
+          </p:txBody>
+        </p:sp>
+        <p:sp>
+          <p:nvSpPr>
+            <p:cNvPr id="56" name="TextBox 55">
+              <a:extLst>
+                <a:ext uri="{FF2B5EF4-FFF2-40B4-BE49-F238E27FC236}">
+                  <a16:creationId xmlns:a16="http://schemas.microsoft.com/office/drawing/2014/main" id="{F29AE64D-EB09-41AD-B89C-EB5561897E88}"/>
+                </a:ext>
+              </a:extLst>
+            </p:cNvPr>
+            <p:cNvSpPr txBox="1"/>
+            <p:nvPr/>
+          </p:nvSpPr>
+          <p:spPr>
+            <a:xfrm>
+              <a:off x="2510083" y="3706781"/>
+              <a:ext cx="1119991" cy="523220"/>
+            </a:xfrm>
+            <a:prstGeom prst="rect">
+              <a:avLst/>
+            </a:prstGeom>
+            <a:noFill/>
+          </p:spPr>
+          <p:txBody>
+            <a:bodyPr wrap="square" rtlCol="0">
+              <a:spAutoFit/>
+            </a:bodyPr>
+            <a:lstStyle/>
+            <a:p>
+              <a:pPr algn="ctr"/>
+              <a:r>
+                <a:rPr lang="en-US" sz="2800" dirty="0">
+                  <a:latin typeface="Franklin Gothic Medium Cond" charset="0"/>
+                  <a:ea typeface="Franklin Gothic Medium Cond" charset="0"/>
+                  <a:cs typeface="Franklin Gothic Medium Cond" charset="0"/>
+                </a:rPr>
+                <a:t>Binary</a:t>
+              </a:r>
+            </a:p>
+          </p:txBody>
+        </p:sp>
+        <p:sp>
+          <p:nvSpPr>
+            <p:cNvPr id="58" name="TextBox 57">
+              <a:extLst>
+                <a:ext uri="{FF2B5EF4-FFF2-40B4-BE49-F238E27FC236}">
+                  <a16:creationId xmlns:a16="http://schemas.microsoft.com/office/drawing/2014/main" id="{78F8DA1A-D85F-4813-B0E0-56EF4470743E}"/>
+                </a:ext>
+              </a:extLst>
+            </p:cNvPr>
+            <p:cNvSpPr txBox="1"/>
+            <p:nvPr/>
+          </p:nvSpPr>
+          <p:spPr>
+            <a:xfrm>
+              <a:off x="1096186" y="4230001"/>
+              <a:ext cx="1119992" cy="523220"/>
+            </a:xfrm>
+            <a:prstGeom prst="rect">
+              <a:avLst/>
+            </a:prstGeom>
+            <a:noFill/>
+          </p:spPr>
+          <p:txBody>
+            <a:bodyPr wrap="square" rtlCol="0">
+              <a:spAutoFit/>
+            </a:bodyPr>
+            <a:lstStyle/>
+            <a:p>
+              <a:pPr algn="ctr"/>
+              <a:r>
+                <a:rPr lang="en-US" sz="2800" dirty="0">
+                  <a:latin typeface="Franklin Gothic Medium Cond" charset="0"/>
+                  <a:ea typeface="Franklin Gothic Medium Cond" charset="0"/>
+                  <a:cs typeface="Franklin Gothic Medium Cond" charset="0"/>
+                </a:rPr>
+                <a:t>Affine</a:t>
+              </a:r>
+            </a:p>
+          </p:txBody>
+        </p:sp>
+        <p:sp>
+          <p:nvSpPr>
+            <p:cNvPr id="62" name="TextBox 61">
+              <a:extLst>
+                <a:ext uri="{FF2B5EF4-FFF2-40B4-BE49-F238E27FC236}">
+                  <a16:creationId xmlns:a16="http://schemas.microsoft.com/office/drawing/2014/main" id="{9F1584C2-0084-417F-9689-D1CDEB1ED4FB}"/>
+                </a:ext>
+              </a:extLst>
+            </p:cNvPr>
+            <p:cNvSpPr txBox="1"/>
+            <p:nvPr/>
+          </p:nvSpPr>
+          <p:spPr>
+            <a:xfrm>
+              <a:off x="2510998" y="4230001"/>
+              <a:ext cx="1119076" cy="523220"/>
+            </a:xfrm>
+            <a:prstGeom prst="rect">
+              <a:avLst/>
+            </a:prstGeom>
+            <a:noFill/>
+          </p:spPr>
+          <p:txBody>
+            <a:bodyPr wrap="square" rtlCol="0">
+              <a:spAutoFit/>
+            </a:bodyPr>
+            <a:lstStyle/>
+            <a:p>
+              <a:pPr algn="ctr"/>
+              <a:r>
+                <a:rPr lang="en-US" sz="2800" dirty="0">
+                  <a:latin typeface="Franklin Gothic Medium Cond" charset="0"/>
+                  <a:ea typeface="Franklin Gothic Medium Cond" charset="0"/>
+                  <a:cs typeface="Franklin Gothic Medium Cond" charset="0"/>
+                </a:rPr>
+                <a:t>Set</a:t>
+              </a:r>
+            </a:p>
+          </p:txBody>
+        </p:sp>
+        <p:sp>
+          <p:nvSpPr>
+            <p:cNvPr id="78" name="TextBox 77">
+              <a:extLst>
+                <a:ext uri="{FF2B5EF4-FFF2-40B4-BE49-F238E27FC236}">
+                  <a16:creationId xmlns:a16="http://schemas.microsoft.com/office/drawing/2014/main" id="{57A2CCBD-2672-4998-98AE-DB95CA850642}"/>
+                </a:ext>
+              </a:extLst>
+            </p:cNvPr>
+            <p:cNvSpPr txBox="1"/>
+            <p:nvPr/>
+          </p:nvSpPr>
+          <p:spPr>
+            <a:xfrm>
+              <a:off x="1097101" y="3706781"/>
+              <a:ext cx="1119991" cy="523220"/>
+            </a:xfrm>
+            <a:prstGeom prst="rect">
+              <a:avLst/>
+            </a:prstGeom>
+            <a:noFill/>
+          </p:spPr>
+          <p:txBody>
+            <a:bodyPr wrap="square" rtlCol="0">
+              <a:spAutoFit/>
+            </a:bodyPr>
+            <a:lstStyle/>
+            <a:p>
+              <a:pPr algn="ctr"/>
+              <a:r>
+                <a:rPr lang="en-US" sz="2800" dirty="0">
+                  <a:latin typeface="Franklin Gothic Medium Cond" charset="0"/>
+                  <a:ea typeface="Franklin Gothic Medium Cond" charset="0"/>
+                  <a:cs typeface="Franklin Gothic Medium Cond" charset="0"/>
+                </a:rPr>
+                <a:t>Binary</a:t>
+              </a:r>
+            </a:p>
+          </p:txBody>
+        </p:sp>
+        <p:sp>
+          <p:nvSpPr>
+            <p:cNvPr id="80" name="TextBox 79">
+              <a:extLst>
+                <a:ext uri="{FF2B5EF4-FFF2-40B4-BE49-F238E27FC236}">
+                  <a16:creationId xmlns:a16="http://schemas.microsoft.com/office/drawing/2014/main" id="{270EEBB7-06FA-461E-867F-827015EFFD32}"/>
+                </a:ext>
+              </a:extLst>
+            </p:cNvPr>
+            <p:cNvSpPr txBox="1"/>
+            <p:nvPr/>
+          </p:nvSpPr>
+          <p:spPr>
+            <a:xfrm>
+              <a:off x="1097101" y="2292563"/>
+              <a:ext cx="1119077" cy="523220"/>
+            </a:xfrm>
+            <a:prstGeom prst="rect">
+              <a:avLst/>
+            </a:prstGeom>
+            <a:noFill/>
+          </p:spPr>
+          <p:txBody>
+            <a:bodyPr wrap="square" rtlCol="0">
+              <a:spAutoFit/>
+            </a:bodyPr>
+            <a:lstStyle/>
+            <a:p>
+              <a:pPr algn="ctr"/>
+              <a:r>
+                <a:rPr lang="en-US" sz="2800" dirty="0">
+                  <a:latin typeface="Franklin Gothic Medium Cond" charset="0"/>
+                  <a:ea typeface="Franklin Gothic Medium Cond" charset="0"/>
+                  <a:cs typeface="Franklin Gothic Medium Cond" charset="0"/>
+                </a:rPr>
+                <a:t>Unary</a:t>
+              </a:r>
+            </a:p>
+          </p:txBody>
+        </p:sp>
+        <p:sp>
+          <p:nvSpPr>
+            <p:cNvPr id="82" name="TextBox 81">
+              <a:extLst>
+                <a:ext uri="{FF2B5EF4-FFF2-40B4-BE49-F238E27FC236}">
+                  <a16:creationId xmlns:a16="http://schemas.microsoft.com/office/drawing/2014/main" id="{730CEB92-E140-4C80-BDF2-F14FF3EBA1E1}"/>
+                </a:ext>
+              </a:extLst>
+            </p:cNvPr>
+            <p:cNvSpPr txBox="1"/>
+            <p:nvPr/>
+          </p:nvSpPr>
+          <p:spPr>
+            <a:xfrm>
+              <a:off x="1096186" y="2815783"/>
+              <a:ext cx="1119992" cy="523220"/>
+            </a:xfrm>
+            <a:prstGeom prst="rect">
+              <a:avLst/>
+            </a:prstGeom>
+            <a:noFill/>
+          </p:spPr>
+          <p:txBody>
+            <a:bodyPr wrap="square" rtlCol="0">
+              <a:spAutoFit/>
+            </a:bodyPr>
+            <a:lstStyle/>
+            <a:p>
+              <a:pPr algn="ctr"/>
+              <a:r>
+                <a:rPr lang="en-US" sz="2800" dirty="0">
+                  <a:latin typeface="Franklin Gothic Medium Cond" charset="0"/>
+                  <a:ea typeface="Franklin Gothic Medium Cond" charset="0"/>
+                  <a:cs typeface="Franklin Gothic Medium Cond" charset="0"/>
+                </a:rPr>
+                <a:t>Affine</a:t>
+              </a:r>
+            </a:p>
+          </p:txBody>
+        </p:sp>
+        <p:sp>
+          <p:nvSpPr>
+            <p:cNvPr id="84" name="TextBox 83">
+              <a:extLst>
+                <a:ext uri="{FF2B5EF4-FFF2-40B4-BE49-F238E27FC236}">
+                  <a16:creationId xmlns:a16="http://schemas.microsoft.com/office/drawing/2014/main" id="{98B63C42-029F-4A4E-BF8F-AA53FD09D640}"/>
+                </a:ext>
+              </a:extLst>
+            </p:cNvPr>
+            <p:cNvSpPr txBox="1"/>
+            <p:nvPr/>
+          </p:nvSpPr>
+          <p:spPr>
+            <a:xfrm>
+              <a:off x="2523787" y="2815783"/>
+              <a:ext cx="1119076" cy="523220"/>
+            </a:xfrm>
+            <a:prstGeom prst="rect">
+              <a:avLst/>
+            </a:prstGeom>
+            <a:noFill/>
+          </p:spPr>
+          <p:txBody>
+            <a:bodyPr wrap="square" rtlCol="0">
+              <a:spAutoFit/>
+            </a:bodyPr>
+            <a:lstStyle/>
+            <a:p>
+              <a:pPr algn="ctr"/>
+              <a:r>
+                <a:rPr lang="en-US" sz="2800" dirty="0">
+                  <a:latin typeface="Franklin Gothic Medium Cond" charset="0"/>
+                  <a:ea typeface="Franklin Gothic Medium Cond" charset="0"/>
+                  <a:cs typeface="Franklin Gothic Medium Cond" charset="0"/>
+                </a:rPr>
+                <a:t>Set</a:t>
+              </a:r>
+            </a:p>
+          </p:txBody>
+        </p:sp>
+        <p:cxnSp>
+          <p:nvCxnSpPr>
+            <p:cNvPr id="86" name="Straight Connector 85">
+              <a:extLst>
+                <a:ext uri="{FF2B5EF4-FFF2-40B4-BE49-F238E27FC236}">
+                  <a16:creationId xmlns:a16="http://schemas.microsoft.com/office/drawing/2014/main" id="{EFC2D633-A321-4440-B90D-E14DC4554856}"/>
+                </a:ext>
+              </a:extLst>
+            </p:cNvPr>
+            <p:cNvCxnSpPr>
+              <a:cxnSpLocks noChangeAspect="1"/>
+            </p:cNvCxnSpPr>
+            <p:nvPr/>
+          </p:nvCxnSpPr>
+          <p:spPr>
+            <a:xfrm>
+              <a:off x="993860" y="3545807"/>
+              <a:ext cx="1368000" cy="1368000"/>
+            </a:xfrm>
+            <a:prstGeom prst="line">
+              <a:avLst/>
+            </a:prstGeom>
+            <a:ln w="34925">
+              <a:solidFill>
+                <a:schemeClr val="tx1"/>
+              </a:solidFill>
+            </a:ln>
+          </p:spPr>
+          <p:style>
+            <a:lnRef idx="1">
+              <a:schemeClr val="accent1"/>
+            </a:lnRef>
+            <a:fillRef idx="0">
+              <a:schemeClr val="accent1"/>
+            </a:fillRef>
+            <a:effectRef idx="0">
+              <a:schemeClr val="accent1"/>
+            </a:effectRef>
+            <a:fontRef idx="minor">
+              <a:schemeClr val="tx1"/>
+            </a:fontRef>
+          </p:style>
+        </p:cxnSp>
+        <p:cxnSp>
+          <p:nvCxnSpPr>
+            <p:cNvPr id="87" name="Straight Connector 86">
+              <a:extLst>
+                <a:ext uri="{FF2B5EF4-FFF2-40B4-BE49-F238E27FC236}">
+                  <a16:creationId xmlns:a16="http://schemas.microsoft.com/office/drawing/2014/main" id="{511CCE13-1E9A-4CFD-B6B5-3CB19BCCB283}"/>
+                </a:ext>
+              </a:extLst>
+            </p:cNvPr>
+            <p:cNvCxnSpPr>
+              <a:cxnSpLocks noChangeAspect="1"/>
+            </p:cNvCxnSpPr>
+            <p:nvPr/>
+          </p:nvCxnSpPr>
+          <p:spPr>
+            <a:xfrm rot="5400000">
+              <a:off x="982722" y="3553919"/>
+              <a:ext cx="1368000" cy="1368000"/>
+            </a:xfrm>
+            <a:prstGeom prst="line">
+              <a:avLst/>
+            </a:prstGeom>
+            <a:ln w="34925">
+              <a:solidFill>
+                <a:schemeClr val="tx1"/>
+              </a:solidFill>
+            </a:ln>
+          </p:spPr>
+          <p:style>
+            <a:lnRef idx="1">
+              <a:schemeClr val="accent1"/>
+            </a:lnRef>
+            <a:fillRef idx="0">
+              <a:schemeClr val="accent1"/>
+            </a:fillRef>
+            <a:effectRef idx="0">
+              <a:schemeClr val="accent1"/>
+            </a:effectRef>
+            <a:fontRef idx="minor">
+              <a:schemeClr val="tx1"/>
+            </a:fontRef>
+          </p:style>
+        </p:cxnSp>
+      </p:grpSp>
+    </p:spTree>
+    <p:extLst>
+      <p:ext uri="{BB962C8B-B14F-4D97-AF65-F5344CB8AC3E}">
+        <p14:creationId xmlns:p14="http://schemas.microsoft.com/office/powerpoint/2010/main" val="4175389420"/>
+      </p:ext>
+    </p:extLst>
+  </p:cSld>
+  <p:clrMapOvr>
+    <a:masterClrMapping/>
+  </p:clrMapOvr>
+</p:sld>
+</file>
+
+<file path=ppt/slides/slide6.xml><?xml version="1.0" encoding="utf-8"?>
+<p:sld xmlns:a="http://schemas.openxmlformats.org/drawingml/2006/main" xmlns:r="http://schemas.openxmlformats.org/officeDocument/2006/relationships" xmlns:p="http://schemas.openxmlformats.org/presentationml/2006/main">
+  <p:cSld>
+    <p:spTree>
+      <p:nvGrpSpPr>
+        <p:cNvPr id="1" name=""/>
+        <p:cNvGrpSpPr/>
+        <p:nvPr/>
+      </p:nvGrpSpPr>
+      <p:grpSpPr>
+        <a:xfrm>
+          <a:off x="0" y="0"/>
+          <a:ext cx="0" cy="0"/>
+          <a:chOff x="0" y="0"/>
+          <a:chExt cx="0" cy="0"/>
+        </a:xfrm>
+      </p:grpSpPr>
+      <p:sp>
+        <p:nvSpPr>
+          <p:cNvPr id="4" name="Footer Placeholder 3">
+            <a:extLst>
+              <a:ext uri="{FF2B5EF4-FFF2-40B4-BE49-F238E27FC236}">
+                <a16:creationId xmlns:a16="http://schemas.microsoft.com/office/drawing/2014/main" id="{DB5E1A92-87CA-49F9-8875-71850BBEEDCC}"/>
+              </a:ext>
+            </a:extLst>
+          </p:cNvPr>
+          <p:cNvSpPr>
+            <a:spLocks noGrp="1"/>
+          </p:cNvSpPr>
+          <p:nvPr>
+            <p:ph type="ftr" sz="quarter" idx="11"/>
+          </p:nvPr>
+        </p:nvSpPr>
+        <p:spPr/>
+        <p:txBody>
+          <a:bodyPr/>
+          <a:lstStyle/>
+          <a:p>
+            <a:r>
+              <a:rPr lang="en-US"/>
+              <a:t>#talk-yang</a:t>
+            </a:r>
+          </a:p>
+        </p:txBody>
+      </p:sp>
+      <p:sp>
+        <p:nvSpPr>
+          <p:cNvPr id="7" name="TextBox 6">
+            <a:extLst>
+              <a:ext uri="{FF2B5EF4-FFF2-40B4-BE49-F238E27FC236}">
+                <a16:creationId xmlns:a16="http://schemas.microsoft.com/office/drawing/2014/main" id="{379D8A44-A640-48F3-A6A0-25D591061A61}"/>
+              </a:ext>
+            </a:extLst>
+          </p:cNvPr>
+          <p:cNvSpPr txBox="1"/>
+          <p:nvPr/>
+        </p:nvSpPr>
+        <p:spPr>
+          <a:xfrm>
+            <a:off x="461211" y="1165283"/>
+            <a:ext cx="3808711" cy="769441"/>
+          </a:xfrm>
+          <a:prstGeom prst="rect">
+            <a:avLst/>
+          </a:prstGeom>
+          <a:noFill/>
+        </p:spPr>
+        <p:txBody>
+          <a:bodyPr wrap="square" rtlCol="0">
+            <a:spAutoFit/>
+          </a:bodyPr>
+          <a:lstStyle/>
+          <a:p>
+            <a:pPr algn="ctr"/>
+            <a:r>
+              <a:rPr lang="en-US" sz="4400" dirty="0">
+                <a:latin typeface="Franklin Gothic Medium Cond" charset="0"/>
+                <a:ea typeface="Franklin Gothic Medium Cond" charset="0"/>
+                <a:cs typeface="Franklin Gothic Medium Cond" charset="0"/>
+              </a:rPr>
+              <a:t>Transformations</a:t>
+            </a:r>
+          </a:p>
+        </p:txBody>
+      </p:sp>
+      <p:grpSp>
+        <p:nvGrpSpPr>
+          <p:cNvPr id="89" name="Group 88">
+            <a:extLst>
+              <a:ext uri="{FF2B5EF4-FFF2-40B4-BE49-F238E27FC236}">
+                <a16:creationId xmlns:a16="http://schemas.microsoft.com/office/drawing/2014/main" id="{A2D1ED86-25CE-4C1B-9D92-52C8C868603E}"/>
+              </a:ext>
+            </a:extLst>
+          </p:cNvPr>
+          <p:cNvGrpSpPr/>
+          <p:nvPr/>
+        </p:nvGrpSpPr>
+        <p:grpSpPr>
+          <a:xfrm>
+            <a:off x="970566" y="2131783"/>
+            <a:ext cx="2790000" cy="2791494"/>
+            <a:chOff x="970566" y="2131783"/>
+            <a:chExt cx="2790000" cy="2791494"/>
+          </a:xfrm>
+        </p:grpSpPr>
+        <p:sp>
+          <p:nvSpPr>
+            <p:cNvPr id="75" name="Rectangle 74">
+              <a:extLst>
+                <a:ext uri="{FF2B5EF4-FFF2-40B4-BE49-F238E27FC236}">
+                  <a16:creationId xmlns:a16="http://schemas.microsoft.com/office/drawing/2014/main" id="{74E547B9-30C4-4608-A9AD-A1DACA2135A4}"/>
+                </a:ext>
+              </a:extLst>
+            </p:cNvPr>
+            <p:cNvSpPr>
+              <a:spLocks noChangeAspect="1"/>
+            </p:cNvSpPr>
+            <p:nvPr/>
+          </p:nvSpPr>
+          <p:spPr>
+            <a:xfrm>
+              <a:off x="984235" y="3536376"/>
+              <a:ext cx="1368000" cy="1368000"/>
+            </a:xfrm>
+            <a:prstGeom prst="rect">
+              <a:avLst/>
+            </a:prstGeom>
+            <a:noFill/>
+            <a:ln w="34925">
+              <a:solidFill>
+                <a:schemeClr val="tx1"/>
+              </a:solidFill>
+            </a:ln>
+          </p:spPr>
+          <p:style>
+            <a:lnRef idx="2">
+              <a:schemeClr val="accent1">
+                <a:shade val="50000"/>
+              </a:schemeClr>
+            </a:lnRef>
+            <a:fillRef idx="1">
+              <a:schemeClr val="accent1"/>
+            </a:fillRef>
+            <a:effectRef idx="0">
+              <a:schemeClr val="accent1"/>
+            </a:effectRef>
+            <a:fontRef idx="minor">
+              <a:schemeClr val="lt1"/>
+            </a:fontRef>
+          </p:style>
+          <p:txBody>
+            <a:bodyPr rtlCol="0" anchor="ctr"/>
+            <a:lstStyle/>
+            <a:p>
+              <a:pPr algn="ctr"/>
+              <a:endParaRPr lang="zh-CN" altLang="en-US"/>
+            </a:p>
+          </p:txBody>
+        </p:sp>
+        <p:sp>
+          <p:nvSpPr>
+            <p:cNvPr id="69" name="Rectangle 68">
+              <a:extLst>
+                <a:ext uri="{FF2B5EF4-FFF2-40B4-BE49-F238E27FC236}">
+                  <a16:creationId xmlns:a16="http://schemas.microsoft.com/office/drawing/2014/main" id="{DE4BE50A-7141-41BF-ADDB-E26D96F5DBD0}"/>
+                </a:ext>
+              </a:extLst>
+            </p:cNvPr>
+            <p:cNvSpPr>
+              <a:spLocks noChangeAspect="1"/>
+            </p:cNvSpPr>
+            <p:nvPr/>
+          </p:nvSpPr>
+          <p:spPr>
+            <a:xfrm>
+              <a:off x="2386079" y="2131783"/>
+              <a:ext cx="1368000" cy="1368000"/>
+            </a:xfrm>
+            <a:prstGeom prst="rect">
+              <a:avLst/>
+            </a:prstGeom>
+            <a:ln>
+              <a:noFill/>
+            </a:ln>
+          </p:spPr>
+          <p:style>
+            <a:lnRef idx="2">
+              <a:schemeClr val="accent1">
+                <a:shade val="50000"/>
+              </a:schemeClr>
+            </a:lnRef>
+            <a:fillRef idx="1">
+              <a:schemeClr val="accent1"/>
+            </a:fillRef>
+            <a:effectRef idx="0">
+              <a:schemeClr val="accent1"/>
+            </a:effectRef>
+            <a:fontRef idx="minor">
+              <a:schemeClr val="lt1"/>
+            </a:fontRef>
+          </p:style>
+          <p:txBody>
+            <a:bodyPr rtlCol="0" anchor="ctr"/>
+            <a:lstStyle/>
+            <a:p>
+              <a:pPr algn="ctr"/>
+              <a:endParaRPr lang="zh-CN" altLang="en-US"/>
+            </a:p>
+          </p:txBody>
+        </p:sp>
+        <p:cxnSp>
+          <p:nvCxnSpPr>
+            <p:cNvPr id="20" name="Straight Connector 19">
+              <a:extLst>
+                <a:ext uri="{FF2B5EF4-FFF2-40B4-BE49-F238E27FC236}">
+                  <a16:creationId xmlns:a16="http://schemas.microsoft.com/office/drawing/2014/main" id="{169D6B40-5F89-493A-89FE-80CA78A7C6F9}"/>
+                </a:ext>
+              </a:extLst>
+            </p:cNvPr>
+            <p:cNvCxnSpPr/>
+            <p:nvPr/>
+          </p:nvCxnSpPr>
+          <p:spPr>
+            <a:xfrm>
+              <a:off x="970566" y="3522038"/>
+              <a:ext cx="2790000" cy="0"/>
+            </a:xfrm>
+            <a:prstGeom prst="line">
+              <a:avLst/>
+            </a:prstGeom>
+            <a:ln w="38100">
+              <a:solidFill>
+                <a:schemeClr val="tx1"/>
+              </a:solidFill>
+            </a:ln>
+          </p:spPr>
+          <p:style>
+            <a:lnRef idx="1">
+              <a:schemeClr val="dk1"/>
+            </a:lnRef>
+            <a:fillRef idx="0">
+              <a:schemeClr val="dk1"/>
+            </a:fillRef>
+            <a:effectRef idx="0">
+              <a:schemeClr val="dk1"/>
+            </a:effectRef>
+            <a:fontRef idx="minor">
+              <a:schemeClr val="tx1"/>
+            </a:fontRef>
+          </p:style>
+        </p:cxnSp>
+        <p:cxnSp>
+          <p:nvCxnSpPr>
+            <p:cNvPr id="21" name="Straight Connector 20">
+              <a:extLst>
+                <a:ext uri="{FF2B5EF4-FFF2-40B4-BE49-F238E27FC236}">
+                  <a16:creationId xmlns:a16="http://schemas.microsoft.com/office/drawing/2014/main" id="{4BB16451-5B70-4834-9906-66DD98179180}"/>
+                </a:ext>
+              </a:extLst>
+            </p:cNvPr>
+            <p:cNvCxnSpPr>
+              <a:cxnSpLocks/>
+            </p:cNvCxnSpPr>
+            <p:nvPr/>
+          </p:nvCxnSpPr>
+          <p:spPr>
+            <a:xfrm flipV="1">
+              <a:off x="2366073" y="2133277"/>
+              <a:ext cx="0" cy="2790000"/>
+            </a:xfrm>
+            <a:prstGeom prst="line">
+              <a:avLst/>
+            </a:prstGeom>
+            <a:ln w="38100">
+              <a:solidFill>
+                <a:schemeClr val="tx1"/>
+              </a:solidFill>
+            </a:ln>
+          </p:spPr>
+          <p:style>
+            <a:lnRef idx="1">
+              <a:schemeClr val="dk1"/>
+            </a:lnRef>
+            <a:fillRef idx="0">
+              <a:schemeClr val="dk1"/>
+            </a:fillRef>
+            <a:effectRef idx="0">
+              <a:schemeClr val="dk1"/>
+            </a:effectRef>
+            <a:fontRef idx="minor">
+              <a:schemeClr val="tx1"/>
+            </a:fontRef>
+          </p:style>
+        </p:cxnSp>
+        <p:sp>
+          <p:nvSpPr>
+            <p:cNvPr id="71" name="Rectangle 70">
+              <a:extLst>
+                <a:ext uri="{FF2B5EF4-FFF2-40B4-BE49-F238E27FC236}">
+                  <a16:creationId xmlns:a16="http://schemas.microsoft.com/office/drawing/2014/main" id="{1840166A-3D3F-4694-A2B8-57A8883E1826}"/>
+                </a:ext>
+              </a:extLst>
+            </p:cNvPr>
+            <p:cNvSpPr>
+              <a:spLocks noChangeAspect="1"/>
+            </p:cNvSpPr>
+            <p:nvPr/>
+          </p:nvSpPr>
+          <p:spPr>
+            <a:xfrm>
+              <a:off x="2387874" y="3546031"/>
+              <a:ext cx="1368000" cy="1368000"/>
+            </a:xfrm>
+            <a:prstGeom prst="rect">
+              <a:avLst/>
+            </a:prstGeom>
+            <a:ln>
+              <a:noFill/>
+            </a:ln>
+          </p:spPr>
+          <p:style>
+            <a:lnRef idx="2">
+              <a:schemeClr val="accent1">
+                <a:shade val="50000"/>
+              </a:schemeClr>
+            </a:lnRef>
+            <a:fillRef idx="1">
+              <a:schemeClr val="accent1"/>
+            </a:fillRef>
+            <a:effectRef idx="0">
+              <a:schemeClr val="accent1"/>
+            </a:effectRef>
+            <a:fontRef idx="minor">
+              <a:schemeClr val="lt1"/>
+            </a:fontRef>
+          </p:style>
+          <p:txBody>
+            <a:bodyPr rtlCol="0" anchor="ctr"/>
+            <a:lstStyle/>
+            <a:p>
+              <a:pPr algn="ctr"/>
+              <a:endParaRPr lang="zh-CN" altLang="en-US"/>
+            </a:p>
+          </p:txBody>
+        </p:sp>
+        <p:sp>
+          <p:nvSpPr>
+            <p:cNvPr id="73" name="Rectangle 72">
+              <a:extLst>
+                <a:ext uri="{FF2B5EF4-FFF2-40B4-BE49-F238E27FC236}">
+                  <a16:creationId xmlns:a16="http://schemas.microsoft.com/office/drawing/2014/main" id="{6A34C348-501D-4237-84C2-40075D4149BB}"/>
+                </a:ext>
+              </a:extLst>
+            </p:cNvPr>
+            <p:cNvSpPr>
+              <a:spLocks noChangeAspect="1"/>
+            </p:cNvSpPr>
+            <p:nvPr/>
+          </p:nvSpPr>
+          <p:spPr>
+            <a:xfrm>
+              <a:off x="982722" y="2131783"/>
+              <a:ext cx="1368000" cy="1368000"/>
+            </a:xfrm>
+            <a:prstGeom prst="rect">
+              <a:avLst/>
+            </a:prstGeom>
+            <a:solidFill>
+              <a:schemeClr val="accent4"/>
+            </a:solidFill>
+            <a:ln>
+              <a:noFill/>
+            </a:ln>
+          </p:spPr>
+          <p:style>
+            <a:lnRef idx="2">
+              <a:schemeClr val="accent1">
+                <a:shade val="50000"/>
+              </a:schemeClr>
+            </a:lnRef>
+            <a:fillRef idx="1">
+              <a:schemeClr val="accent1"/>
+            </a:fillRef>
+            <a:effectRef idx="0">
+              <a:schemeClr val="accent1"/>
+            </a:effectRef>
+            <a:fontRef idx="minor">
+              <a:schemeClr val="lt1"/>
+            </a:fontRef>
+          </p:style>
+          <p:txBody>
+            <a:bodyPr rtlCol="0" anchor="ctr"/>
+            <a:lstStyle/>
+            <a:p>
+              <a:pPr algn="ctr"/>
+              <a:endParaRPr lang="zh-CN" altLang="en-US"/>
+            </a:p>
+          </p:txBody>
+        </p:sp>
+        <p:sp>
+          <p:nvSpPr>
+            <p:cNvPr id="50" name="TextBox 49">
+              <a:extLst>
+                <a:ext uri="{FF2B5EF4-FFF2-40B4-BE49-F238E27FC236}">
+                  <a16:creationId xmlns:a16="http://schemas.microsoft.com/office/drawing/2014/main" id="{C7B917CE-44C2-4190-9BC8-C14BF698A1AE}"/>
+                </a:ext>
+              </a:extLst>
+            </p:cNvPr>
+            <p:cNvSpPr txBox="1"/>
+            <p:nvPr/>
+          </p:nvSpPr>
+          <p:spPr>
+            <a:xfrm>
+              <a:off x="2503781" y="2292563"/>
+              <a:ext cx="1119077" cy="523220"/>
+            </a:xfrm>
+            <a:prstGeom prst="rect">
+              <a:avLst/>
+            </a:prstGeom>
+            <a:noFill/>
+          </p:spPr>
+          <p:txBody>
+            <a:bodyPr wrap="square" rtlCol="0">
+              <a:spAutoFit/>
+            </a:bodyPr>
+            <a:lstStyle/>
+            <a:p>
+              <a:pPr algn="ctr"/>
+              <a:r>
+                <a:rPr lang="en-US" sz="2800" dirty="0">
+                  <a:latin typeface="Franklin Gothic Medium Cond" charset="0"/>
+                  <a:ea typeface="Franklin Gothic Medium Cond" charset="0"/>
+                  <a:cs typeface="Franklin Gothic Medium Cond" charset="0"/>
+                </a:rPr>
+                <a:t>Unary</a:t>
+              </a:r>
+            </a:p>
+          </p:txBody>
+        </p:sp>
+        <p:sp>
+          <p:nvSpPr>
+            <p:cNvPr id="56" name="TextBox 55">
+              <a:extLst>
+                <a:ext uri="{FF2B5EF4-FFF2-40B4-BE49-F238E27FC236}">
+                  <a16:creationId xmlns:a16="http://schemas.microsoft.com/office/drawing/2014/main" id="{F29AE64D-EB09-41AD-B89C-EB5561897E88}"/>
+                </a:ext>
+              </a:extLst>
+            </p:cNvPr>
+            <p:cNvSpPr txBox="1"/>
+            <p:nvPr/>
+          </p:nvSpPr>
+          <p:spPr>
+            <a:xfrm>
+              <a:off x="2510083" y="3706781"/>
+              <a:ext cx="1119991" cy="523220"/>
+            </a:xfrm>
+            <a:prstGeom prst="rect">
+              <a:avLst/>
+            </a:prstGeom>
+            <a:noFill/>
+          </p:spPr>
+          <p:txBody>
+            <a:bodyPr wrap="square" rtlCol="0">
+              <a:spAutoFit/>
+            </a:bodyPr>
+            <a:lstStyle/>
+            <a:p>
+              <a:pPr algn="ctr"/>
+              <a:r>
+                <a:rPr lang="en-US" sz="2800" dirty="0">
+                  <a:latin typeface="Franklin Gothic Medium Cond" charset="0"/>
+                  <a:ea typeface="Franklin Gothic Medium Cond" charset="0"/>
+                  <a:cs typeface="Franklin Gothic Medium Cond" charset="0"/>
+                </a:rPr>
+                <a:t>Binary</a:t>
+              </a:r>
+            </a:p>
+          </p:txBody>
+        </p:sp>
+        <p:sp>
+          <p:nvSpPr>
+            <p:cNvPr id="58" name="TextBox 57">
+              <a:extLst>
+                <a:ext uri="{FF2B5EF4-FFF2-40B4-BE49-F238E27FC236}">
+                  <a16:creationId xmlns:a16="http://schemas.microsoft.com/office/drawing/2014/main" id="{78F8DA1A-D85F-4813-B0E0-56EF4470743E}"/>
+                </a:ext>
+              </a:extLst>
+            </p:cNvPr>
+            <p:cNvSpPr txBox="1"/>
+            <p:nvPr/>
+          </p:nvSpPr>
+          <p:spPr>
+            <a:xfrm>
+              <a:off x="1096186" y="4230001"/>
+              <a:ext cx="1119992" cy="523220"/>
+            </a:xfrm>
+            <a:prstGeom prst="rect">
+              <a:avLst/>
+            </a:prstGeom>
+            <a:noFill/>
+          </p:spPr>
+          <p:txBody>
+            <a:bodyPr wrap="square" rtlCol="0">
+              <a:spAutoFit/>
+            </a:bodyPr>
+            <a:lstStyle/>
+            <a:p>
+              <a:pPr algn="ctr"/>
+              <a:r>
+                <a:rPr lang="en-US" sz="2800" dirty="0">
+                  <a:latin typeface="Franklin Gothic Medium Cond" charset="0"/>
+                  <a:ea typeface="Franklin Gothic Medium Cond" charset="0"/>
+                  <a:cs typeface="Franklin Gothic Medium Cond" charset="0"/>
+                </a:rPr>
+                <a:t>Affine</a:t>
+              </a:r>
+            </a:p>
+          </p:txBody>
+        </p:sp>
+        <p:sp>
+          <p:nvSpPr>
+            <p:cNvPr id="62" name="TextBox 61">
+              <a:extLst>
+                <a:ext uri="{FF2B5EF4-FFF2-40B4-BE49-F238E27FC236}">
+                  <a16:creationId xmlns:a16="http://schemas.microsoft.com/office/drawing/2014/main" id="{9F1584C2-0084-417F-9689-D1CDEB1ED4FB}"/>
+                </a:ext>
+              </a:extLst>
+            </p:cNvPr>
+            <p:cNvSpPr txBox="1"/>
+            <p:nvPr/>
+          </p:nvSpPr>
+          <p:spPr>
+            <a:xfrm>
+              <a:off x="2510998" y="4230001"/>
+              <a:ext cx="1119076" cy="523220"/>
+            </a:xfrm>
+            <a:prstGeom prst="rect">
+              <a:avLst/>
+            </a:prstGeom>
+            <a:noFill/>
+          </p:spPr>
+          <p:txBody>
+            <a:bodyPr wrap="square" rtlCol="0">
+              <a:spAutoFit/>
+            </a:bodyPr>
+            <a:lstStyle/>
+            <a:p>
+              <a:pPr algn="ctr"/>
+              <a:r>
+                <a:rPr lang="en-US" sz="2800" dirty="0">
+                  <a:latin typeface="Franklin Gothic Medium Cond" charset="0"/>
+                  <a:ea typeface="Franklin Gothic Medium Cond" charset="0"/>
+                  <a:cs typeface="Franklin Gothic Medium Cond" charset="0"/>
+                </a:rPr>
+                <a:t>Set</a:t>
+              </a:r>
+            </a:p>
+          </p:txBody>
+        </p:sp>
+        <p:sp>
+          <p:nvSpPr>
+            <p:cNvPr id="78" name="TextBox 77">
+              <a:extLst>
+                <a:ext uri="{FF2B5EF4-FFF2-40B4-BE49-F238E27FC236}">
+                  <a16:creationId xmlns:a16="http://schemas.microsoft.com/office/drawing/2014/main" id="{57A2CCBD-2672-4998-98AE-DB95CA850642}"/>
+                </a:ext>
+              </a:extLst>
+            </p:cNvPr>
+            <p:cNvSpPr txBox="1"/>
+            <p:nvPr/>
+          </p:nvSpPr>
+          <p:spPr>
+            <a:xfrm>
+              <a:off x="1097101" y="3706781"/>
+              <a:ext cx="1119991" cy="523220"/>
+            </a:xfrm>
+            <a:prstGeom prst="rect">
+              <a:avLst/>
+            </a:prstGeom>
+            <a:noFill/>
+          </p:spPr>
+          <p:txBody>
+            <a:bodyPr wrap="square" rtlCol="0">
+              <a:spAutoFit/>
+            </a:bodyPr>
+            <a:lstStyle/>
+            <a:p>
+              <a:pPr algn="ctr"/>
+              <a:r>
+                <a:rPr lang="en-US" sz="2800" dirty="0">
+                  <a:latin typeface="Franklin Gothic Medium Cond" charset="0"/>
+                  <a:ea typeface="Franklin Gothic Medium Cond" charset="0"/>
+                  <a:cs typeface="Franklin Gothic Medium Cond" charset="0"/>
+                </a:rPr>
+                <a:t>Binary</a:t>
+              </a:r>
+            </a:p>
+          </p:txBody>
+        </p:sp>
+        <p:sp>
+          <p:nvSpPr>
+            <p:cNvPr id="80" name="TextBox 79">
+              <a:extLst>
+                <a:ext uri="{FF2B5EF4-FFF2-40B4-BE49-F238E27FC236}">
+                  <a16:creationId xmlns:a16="http://schemas.microsoft.com/office/drawing/2014/main" id="{270EEBB7-06FA-461E-867F-827015EFFD32}"/>
+                </a:ext>
+              </a:extLst>
+            </p:cNvPr>
+            <p:cNvSpPr txBox="1"/>
+            <p:nvPr/>
+          </p:nvSpPr>
+          <p:spPr>
+            <a:xfrm>
+              <a:off x="1097101" y="2292563"/>
+              <a:ext cx="1119077" cy="523220"/>
+            </a:xfrm>
+            <a:prstGeom prst="rect">
+              <a:avLst/>
+            </a:prstGeom>
+            <a:noFill/>
+          </p:spPr>
+          <p:txBody>
+            <a:bodyPr wrap="square" rtlCol="0">
+              <a:spAutoFit/>
+            </a:bodyPr>
+            <a:lstStyle/>
+            <a:p>
+              <a:pPr algn="ctr"/>
+              <a:r>
+                <a:rPr lang="en-US" sz="2800" dirty="0">
+                  <a:latin typeface="Franklin Gothic Medium Cond" charset="0"/>
+                  <a:ea typeface="Franklin Gothic Medium Cond" charset="0"/>
+                  <a:cs typeface="Franklin Gothic Medium Cond" charset="0"/>
+                </a:rPr>
+                <a:t>Unary</a:t>
+              </a:r>
+            </a:p>
+          </p:txBody>
+        </p:sp>
+        <p:sp>
+          <p:nvSpPr>
+            <p:cNvPr id="82" name="TextBox 81">
+              <a:extLst>
+                <a:ext uri="{FF2B5EF4-FFF2-40B4-BE49-F238E27FC236}">
+                  <a16:creationId xmlns:a16="http://schemas.microsoft.com/office/drawing/2014/main" id="{730CEB92-E140-4C80-BDF2-F14FF3EBA1E1}"/>
+                </a:ext>
+              </a:extLst>
+            </p:cNvPr>
+            <p:cNvSpPr txBox="1"/>
+            <p:nvPr/>
+          </p:nvSpPr>
+          <p:spPr>
+            <a:xfrm>
+              <a:off x="1096186" y="2815783"/>
+              <a:ext cx="1119992" cy="523220"/>
+            </a:xfrm>
+            <a:prstGeom prst="rect">
+              <a:avLst/>
+            </a:prstGeom>
+            <a:noFill/>
+          </p:spPr>
+          <p:txBody>
+            <a:bodyPr wrap="square" rtlCol="0">
+              <a:spAutoFit/>
+            </a:bodyPr>
+            <a:lstStyle/>
+            <a:p>
+              <a:pPr algn="ctr"/>
+              <a:r>
+                <a:rPr lang="en-US" sz="2800" dirty="0">
+                  <a:latin typeface="Franklin Gothic Medium Cond" charset="0"/>
+                  <a:ea typeface="Franklin Gothic Medium Cond" charset="0"/>
+                  <a:cs typeface="Franklin Gothic Medium Cond" charset="0"/>
+                </a:rPr>
+                <a:t>Affine</a:t>
+              </a:r>
+            </a:p>
+          </p:txBody>
+        </p:sp>
+        <p:sp>
+          <p:nvSpPr>
+            <p:cNvPr id="84" name="TextBox 83">
+              <a:extLst>
+                <a:ext uri="{FF2B5EF4-FFF2-40B4-BE49-F238E27FC236}">
+                  <a16:creationId xmlns:a16="http://schemas.microsoft.com/office/drawing/2014/main" id="{98B63C42-029F-4A4E-BF8F-AA53FD09D640}"/>
+                </a:ext>
+              </a:extLst>
+            </p:cNvPr>
+            <p:cNvSpPr txBox="1"/>
+            <p:nvPr/>
+          </p:nvSpPr>
+          <p:spPr>
+            <a:xfrm>
+              <a:off x="2523787" y="2815783"/>
+              <a:ext cx="1119076" cy="523220"/>
+            </a:xfrm>
+            <a:prstGeom prst="rect">
+              <a:avLst/>
+            </a:prstGeom>
+            <a:noFill/>
+          </p:spPr>
+          <p:txBody>
+            <a:bodyPr wrap="square" rtlCol="0">
+              <a:spAutoFit/>
+            </a:bodyPr>
+            <a:lstStyle/>
+            <a:p>
+              <a:pPr algn="ctr"/>
+              <a:r>
+                <a:rPr lang="en-US" sz="2800" dirty="0">
+                  <a:latin typeface="Franklin Gothic Medium Cond" charset="0"/>
+                  <a:ea typeface="Franklin Gothic Medium Cond" charset="0"/>
+                  <a:cs typeface="Franklin Gothic Medium Cond" charset="0"/>
+                </a:rPr>
+                <a:t>Set</a:t>
+              </a:r>
+            </a:p>
+          </p:txBody>
+        </p:sp>
+        <p:cxnSp>
+          <p:nvCxnSpPr>
+            <p:cNvPr id="86" name="Straight Connector 85">
+              <a:extLst>
+                <a:ext uri="{FF2B5EF4-FFF2-40B4-BE49-F238E27FC236}">
+                  <a16:creationId xmlns:a16="http://schemas.microsoft.com/office/drawing/2014/main" id="{EFC2D633-A321-4440-B90D-E14DC4554856}"/>
+                </a:ext>
+              </a:extLst>
+            </p:cNvPr>
+            <p:cNvCxnSpPr>
+              <a:cxnSpLocks noChangeAspect="1"/>
+            </p:cNvCxnSpPr>
+            <p:nvPr/>
+          </p:nvCxnSpPr>
+          <p:spPr>
+            <a:xfrm>
+              <a:off x="993860" y="3545807"/>
+              <a:ext cx="1368000" cy="1368000"/>
+            </a:xfrm>
+            <a:prstGeom prst="line">
+              <a:avLst/>
+            </a:prstGeom>
+            <a:ln w="34925">
+              <a:solidFill>
+                <a:schemeClr val="tx1"/>
+              </a:solidFill>
+            </a:ln>
+          </p:spPr>
+          <p:style>
+            <a:lnRef idx="1">
+              <a:schemeClr val="accent1"/>
+            </a:lnRef>
+            <a:fillRef idx="0">
+              <a:schemeClr val="accent1"/>
+            </a:fillRef>
+            <a:effectRef idx="0">
+              <a:schemeClr val="accent1"/>
+            </a:effectRef>
+            <a:fontRef idx="minor">
+              <a:schemeClr val="tx1"/>
+            </a:fontRef>
+          </p:style>
+        </p:cxnSp>
+        <p:cxnSp>
+          <p:nvCxnSpPr>
+            <p:cNvPr id="87" name="Straight Connector 86">
+              <a:extLst>
+                <a:ext uri="{FF2B5EF4-FFF2-40B4-BE49-F238E27FC236}">
+                  <a16:creationId xmlns:a16="http://schemas.microsoft.com/office/drawing/2014/main" id="{511CCE13-1E9A-4CFD-B6B5-3CB19BCCB283}"/>
+                </a:ext>
+              </a:extLst>
+            </p:cNvPr>
+            <p:cNvCxnSpPr>
+              <a:cxnSpLocks noChangeAspect="1"/>
+            </p:cNvCxnSpPr>
+            <p:nvPr/>
+          </p:nvCxnSpPr>
+          <p:spPr>
+            <a:xfrm rot="5400000">
+              <a:off x="982722" y="3553919"/>
+              <a:ext cx="1368000" cy="1368000"/>
+            </a:xfrm>
+            <a:prstGeom prst="line">
+              <a:avLst/>
+            </a:prstGeom>
+            <a:ln w="34925">
+              <a:solidFill>
+                <a:schemeClr val="tx1"/>
+              </a:solidFill>
+            </a:ln>
+          </p:spPr>
+          <p:style>
+            <a:lnRef idx="1">
+              <a:schemeClr val="accent1"/>
+            </a:lnRef>
+            <a:fillRef idx="0">
+              <a:schemeClr val="accent1"/>
+            </a:fillRef>
+            <a:effectRef idx="0">
+              <a:schemeClr val="accent1"/>
+            </a:effectRef>
+            <a:fontRef idx="minor">
+              <a:schemeClr val="tx1"/>
+            </a:fontRef>
+          </p:style>
+        </p:cxnSp>
+      </p:grpSp>
+      <p:pic>
+        <p:nvPicPr>
+          <p:cNvPr id="3" name="Picture 2" descr="A picture containing drawing&#10;&#10;Description automatically generated">
+            <a:extLst>
+              <a:ext uri="{FF2B5EF4-FFF2-40B4-BE49-F238E27FC236}">
+                <a16:creationId xmlns:a16="http://schemas.microsoft.com/office/drawing/2014/main" id="{91AEF061-B3C9-4107-BE0F-6E3E3AF58EF9}"/>
+              </a:ext>
+            </a:extLst>
+          </p:cNvPr>
+          <p:cNvPicPr>
+            <a:picLocks noChangeAspect="1"/>
+          </p:cNvPicPr>
+          <p:nvPr/>
+        </p:nvPicPr>
+        <p:blipFill>
+          <a:blip r:embed="rId2" cstate="print">
+            <a:extLst>
+              <a:ext uri="{28A0092B-C50C-407E-A947-70E740481C1C}">
+                <a14:useLocalDpi xmlns:a14="http://schemas.microsoft.com/office/drawing/2010/main" val="0"/>
+              </a:ext>
+            </a:extLst>
+          </a:blip>
+          <a:stretch>
+            <a:fillRect/>
+          </a:stretch>
+        </p:blipFill>
+        <p:spPr>
+          <a:xfrm>
+            <a:off x="4302833" y="2274179"/>
+            <a:ext cx="7701133" cy="2451207"/>
           </a:xfrm>
           <a:prstGeom prst="rect">
             <a:avLst/>
@@ -4539,7 +6531,1717 @@
     </p:spTree>
     <p:extLst>
       <p:ext uri="{BB962C8B-B14F-4D97-AF65-F5344CB8AC3E}">
-        <p14:creationId xmlns:p14="http://schemas.microsoft.com/office/powerpoint/2010/main" val="2886772612"/>
+        <p14:creationId xmlns:p14="http://schemas.microsoft.com/office/powerpoint/2010/main" val="3870544808"/>
+      </p:ext>
+    </p:extLst>
+  </p:cSld>
+  <p:clrMapOvr>
+    <a:masterClrMapping/>
+  </p:clrMapOvr>
+</p:sld>
+</file>
+
+<file path=ppt/slides/slide7.xml><?xml version="1.0" encoding="utf-8"?>
+<p:sld xmlns:a="http://schemas.openxmlformats.org/drawingml/2006/main" xmlns:r="http://schemas.openxmlformats.org/officeDocument/2006/relationships" xmlns:p="http://schemas.openxmlformats.org/presentationml/2006/main">
+  <p:cSld>
+    <p:spTree>
+      <p:nvGrpSpPr>
+        <p:cNvPr id="1" name=""/>
+        <p:cNvGrpSpPr/>
+        <p:nvPr/>
+      </p:nvGrpSpPr>
+      <p:grpSpPr>
+        <a:xfrm>
+          <a:off x="0" y="0"/>
+          <a:ext cx="0" cy="0"/>
+          <a:chOff x="0" y="0"/>
+          <a:chExt cx="0" cy="0"/>
+        </a:xfrm>
+      </p:grpSpPr>
+      <p:sp>
+        <p:nvSpPr>
+          <p:cNvPr id="4" name="Footer Placeholder 3">
+            <a:extLst>
+              <a:ext uri="{FF2B5EF4-FFF2-40B4-BE49-F238E27FC236}">
+                <a16:creationId xmlns:a16="http://schemas.microsoft.com/office/drawing/2014/main" id="{DB5E1A92-87CA-49F9-8875-71850BBEEDCC}"/>
+              </a:ext>
+            </a:extLst>
+          </p:cNvPr>
+          <p:cNvSpPr>
+            <a:spLocks noGrp="1"/>
+          </p:cNvSpPr>
+          <p:nvPr>
+            <p:ph type="ftr" sz="quarter" idx="11"/>
+          </p:nvPr>
+        </p:nvSpPr>
+        <p:spPr/>
+        <p:txBody>
+          <a:bodyPr/>
+          <a:lstStyle/>
+          <a:p>
+            <a:r>
+              <a:rPr lang="en-US"/>
+              <a:t>#talk-yang</a:t>
+            </a:r>
+          </a:p>
+        </p:txBody>
+      </p:sp>
+      <p:sp>
+        <p:nvSpPr>
+          <p:cNvPr id="7" name="TextBox 6">
+            <a:extLst>
+              <a:ext uri="{FF2B5EF4-FFF2-40B4-BE49-F238E27FC236}">
+                <a16:creationId xmlns:a16="http://schemas.microsoft.com/office/drawing/2014/main" id="{379D8A44-A640-48F3-A6A0-25D591061A61}"/>
+              </a:ext>
+            </a:extLst>
+          </p:cNvPr>
+          <p:cNvSpPr txBox="1"/>
+          <p:nvPr/>
+        </p:nvSpPr>
+        <p:spPr>
+          <a:xfrm>
+            <a:off x="461211" y="1165283"/>
+            <a:ext cx="3808711" cy="769441"/>
+          </a:xfrm>
+          <a:prstGeom prst="rect">
+            <a:avLst/>
+          </a:prstGeom>
+          <a:noFill/>
+        </p:spPr>
+        <p:txBody>
+          <a:bodyPr wrap="square" rtlCol="0">
+            <a:spAutoFit/>
+          </a:bodyPr>
+          <a:lstStyle/>
+          <a:p>
+            <a:pPr algn="ctr"/>
+            <a:r>
+              <a:rPr lang="en-US" sz="4400" dirty="0">
+                <a:latin typeface="Franklin Gothic Medium Cond" charset="0"/>
+                <a:ea typeface="Franklin Gothic Medium Cond" charset="0"/>
+                <a:cs typeface="Franklin Gothic Medium Cond" charset="0"/>
+              </a:rPr>
+              <a:t>Transformations</a:t>
+            </a:r>
+          </a:p>
+        </p:txBody>
+      </p:sp>
+      <p:grpSp>
+        <p:nvGrpSpPr>
+          <p:cNvPr id="89" name="Group 88">
+            <a:extLst>
+              <a:ext uri="{FF2B5EF4-FFF2-40B4-BE49-F238E27FC236}">
+                <a16:creationId xmlns:a16="http://schemas.microsoft.com/office/drawing/2014/main" id="{A2D1ED86-25CE-4C1B-9D92-52C8C868603E}"/>
+              </a:ext>
+            </a:extLst>
+          </p:cNvPr>
+          <p:cNvGrpSpPr/>
+          <p:nvPr/>
+        </p:nvGrpSpPr>
+        <p:grpSpPr>
+          <a:xfrm>
+            <a:off x="970566" y="2131783"/>
+            <a:ext cx="2790000" cy="2791494"/>
+            <a:chOff x="970566" y="2131783"/>
+            <a:chExt cx="2790000" cy="2791494"/>
+          </a:xfrm>
+        </p:grpSpPr>
+        <p:sp>
+          <p:nvSpPr>
+            <p:cNvPr id="75" name="Rectangle 74">
+              <a:extLst>
+                <a:ext uri="{FF2B5EF4-FFF2-40B4-BE49-F238E27FC236}">
+                  <a16:creationId xmlns:a16="http://schemas.microsoft.com/office/drawing/2014/main" id="{74E547B9-30C4-4608-A9AD-A1DACA2135A4}"/>
+                </a:ext>
+              </a:extLst>
+            </p:cNvPr>
+            <p:cNvSpPr>
+              <a:spLocks noChangeAspect="1"/>
+            </p:cNvSpPr>
+            <p:nvPr/>
+          </p:nvSpPr>
+          <p:spPr>
+            <a:xfrm>
+              <a:off x="984235" y="3536376"/>
+              <a:ext cx="1368000" cy="1368000"/>
+            </a:xfrm>
+            <a:prstGeom prst="rect">
+              <a:avLst/>
+            </a:prstGeom>
+            <a:noFill/>
+            <a:ln w="34925">
+              <a:solidFill>
+                <a:schemeClr val="tx1"/>
+              </a:solidFill>
+            </a:ln>
+          </p:spPr>
+          <p:style>
+            <a:lnRef idx="2">
+              <a:schemeClr val="accent1">
+                <a:shade val="50000"/>
+              </a:schemeClr>
+            </a:lnRef>
+            <a:fillRef idx="1">
+              <a:schemeClr val="accent1"/>
+            </a:fillRef>
+            <a:effectRef idx="0">
+              <a:schemeClr val="accent1"/>
+            </a:effectRef>
+            <a:fontRef idx="minor">
+              <a:schemeClr val="lt1"/>
+            </a:fontRef>
+          </p:style>
+          <p:txBody>
+            <a:bodyPr rtlCol="0" anchor="ctr"/>
+            <a:lstStyle/>
+            <a:p>
+              <a:pPr algn="ctr"/>
+              <a:endParaRPr lang="zh-CN" altLang="en-US"/>
+            </a:p>
+          </p:txBody>
+        </p:sp>
+        <p:sp>
+          <p:nvSpPr>
+            <p:cNvPr id="69" name="Rectangle 68">
+              <a:extLst>
+                <a:ext uri="{FF2B5EF4-FFF2-40B4-BE49-F238E27FC236}">
+                  <a16:creationId xmlns:a16="http://schemas.microsoft.com/office/drawing/2014/main" id="{DE4BE50A-7141-41BF-ADDB-E26D96F5DBD0}"/>
+                </a:ext>
+              </a:extLst>
+            </p:cNvPr>
+            <p:cNvSpPr>
+              <a:spLocks noChangeAspect="1"/>
+            </p:cNvSpPr>
+            <p:nvPr/>
+          </p:nvSpPr>
+          <p:spPr>
+            <a:xfrm>
+              <a:off x="2386079" y="2131783"/>
+              <a:ext cx="1368000" cy="1368000"/>
+            </a:xfrm>
+            <a:prstGeom prst="rect">
+              <a:avLst/>
+            </a:prstGeom>
+            <a:solidFill>
+              <a:schemeClr val="accent4"/>
+            </a:solidFill>
+            <a:ln>
+              <a:noFill/>
+            </a:ln>
+          </p:spPr>
+          <p:style>
+            <a:lnRef idx="2">
+              <a:schemeClr val="accent1">
+                <a:shade val="50000"/>
+              </a:schemeClr>
+            </a:lnRef>
+            <a:fillRef idx="1">
+              <a:schemeClr val="accent1"/>
+            </a:fillRef>
+            <a:effectRef idx="0">
+              <a:schemeClr val="accent1"/>
+            </a:effectRef>
+            <a:fontRef idx="minor">
+              <a:schemeClr val="lt1"/>
+            </a:fontRef>
+          </p:style>
+          <p:txBody>
+            <a:bodyPr rtlCol="0" anchor="ctr"/>
+            <a:lstStyle/>
+            <a:p>
+              <a:pPr algn="ctr"/>
+              <a:endParaRPr lang="zh-CN" altLang="en-US"/>
+            </a:p>
+          </p:txBody>
+        </p:sp>
+        <p:cxnSp>
+          <p:nvCxnSpPr>
+            <p:cNvPr id="20" name="Straight Connector 19">
+              <a:extLst>
+                <a:ext uri="{FF2B5EF4-FFF2-40B4-BE49-F238E27FC236}">
+                  <a16:creationId xmlns:a16="http://schemas.microsoft.com/office/drawing/2014/main" id="{169D6B40-5F89-493A-89FE-80CA78A7C6F9}"/>
+                </a:ext>
+              </a:extLst>
+            </p:cNvPr>
+            <p:cNvCxnSpPr/>
+            <p:nvPr/>
+          </p:nvCxnSpPr>
+          <p:spPr>
+            <a:xfrm>
+              <a:off x="970566" y="3522038"/>
+              <a:ext cx="2790000" cy="0"/>
+            </a:xfrm>
+            <a:prstGeom prst="line">
+              <a:avLst/>
+            </a:prstGeom>
+            <a:ln w="38100">
+              <a:solidFill>
+                <a:schemeClr val="tx1"/>
+              </a:solidFill>
+            </a:ln>
+          </p:spPr>
+          <p:style>
+            <a:lnRef idx="1">
+              <a:schemeClr val="dk1"/>
+            </a:lnRef>
+            <a:fillRef idx="0">
+              <a:schemeClr val="dk1"/>
+            </a:fillRef>
+            <a:effectRef idx="0">
+              <a:schemeClr val="dk1"/>
+            </a:effectRef>
+            <a:fontRef idx="minor">
+              <a:schemeClr val="tx1"/>
+            </a:fontRef>
+          </p:style>
+        </p:cxnSp>
+        <p:cxnSp>
+          <p:nvCxnSpPr>
+            <p:cNvPr id="21" name="Straight Connector 20">
+              <a:extLst>
+                <a:ext uri="{FF2B5EF4-FFF2-40B4-BE49-F238E27FC236}">
+                  <a16:creationId xmlns:a16="http://schemas.microsoft.com/office/drawing/2014/main" id="{4BB16451-5B70-4834-9906-66DD98179180}"/>
+                </a:ext>
+              </a:extLst>
+            </p:cNvPr>
+            <p:cNvCxnSpPr>
+              <a:cxnSpLocks/>
+            </p:cNvCxnSpPr>
+            <p:nvPr/>
+          </p:nvCxnSpPr>
+          <p:spPr>
+            <a:xfrm flipV="1">
+              <a:off x="2366073" y="2133277"/>
+              <a:ext cx="0" cy="2790000"/>
+            </a:xfrm>
+            <a:prstGeom prst="line">
+              <a:avLst/>
+            </a:prstGeom>
+            <a:ln w="38100">
+              <a:solidFill>
+                <a:schemeClr val="tx1"/>
+              </a:solidFill>
+            </a:ln>
+          </p:spPr>
+          <p:style>
+            <a:lnRef idx="1">
+              <a:schemeClr val="dk1"/>
+            </a:lnRef>
+            <a:fillRef idx="0">
+              <a:schemeClr val="dk1"/>
+            </a:fillRef>
+            <a:effectRef idx="0">
+              <a:schemeClr val="dk1"/>
+            </a:effectRef>
+            <a:fontRef idx="minor">
+              <a:schemeClr val="tx1"/>
+            </a:fontRef>
+          </p:style>
+        </p:cxnSp>
+        <p:sp>
+          <p:nvSpPr>
+            <p:cNvPr id="71" name="Rectangle 70">
+              <a:extLst>
+                <a:ext uri="{FF2B5EF4-FFF2-40B4-BE49-F238E27FC236}">
+                  <a16:creationId xmlns:a16="http://schemas.microsoft.com/office/drawing/2014/main" id="{1840166A-3D3F-4694-A2B8-57A8883E1826}"/>
+                </a:ext>
+              </a:extLst>
+            </p:cNvPr>
+            <p:cNvSpPr>
+              <a:spLocks noChangeAspect="1"/>
+            </p:cNvSpPr>
+            <p:nvPr/>
+          </p:nvSpPr>
+          <p:spPr>
+            <a:xfrm>
+              <a:off x="2387874" y="3546031"/>
+              <a:ext cx="1368000" cy="1368000"/>
+            </a:xfrm>
+            <a:prstGeom prst="rect">
+              <a:avLst/>
+            </a:prstGeom>
+            <a:ln>
+              <a:noFill/>
+            </a:ln>
+          </p:spPr>
+          <p:style>
+            <a:lnRef idx="2">
+              <a:schemeClr val="accent1">
+                <a:shade val="50000"/>
+              </a:schemeClr>
+            </a:lnRef>
+            <a:fillRef idx="1">
+              <a:schemeClr val="accent1"/>
+            </a:fillRef>
+            <a:effectRef idx="0">
+              <a:schemeClr val="accent1"/>
+            </a:effectRef>
+            <a:fontRef idx="minor">
+              <a:schemeClr val="lt1"/>
+            </a:fontRef>
+          </p:style>
+          <p:txBody>
+            <a:bodyPr rtlCol="0" anchor="ctr"/>
+            <a:lstStyle/>
+            <a:p>
+              <a:pPr algn="ctr"/>
+              <a:endParaRPr lang="zh-CN" altLang="en-US"/>
+            </a:p>
+          </p:txBody>
+        </p:sp>
+        <p:sp>
+          <p:nvSpPr>
+            <p:cNvPr id="73" name="Rectangle 72">
+              <a:extLst>
+                <a:ext uri="{FF2B5EF4-FFF2-40B4-BE49-F238E27FC236}">
+                  <a16:creationId xmlns:a16="http://schemas.microsoft.com/office/drawing/2014/main" id="{6A34C348-501D-4237-84C2-40075D4149BB}"/>
+                </a:ext>
+              </a:extLst>
+            </p:cNvPr>
+            <p:cNvSpPr>
+              <a:spLocks noChangeAspect="1"/>
+            </p:cNvSpPr>
+            <p:nvPr/>
+          </p:nvSpPr>
+          <p:spPr>
+            <a:xfrm>
+              <a:off x="982722" y="2131783"/>
+              <a:ext cx="1368000" cy="1368000"/>
+            </a:xfrm>
+            <a:prstGeom prst="rect">
+              <a:avLst/>
+            </a:prstGeom>
+            <a:ln>
+              <a:noFill/>
+            </a:ln>
+          </p:spPr>
+          <p:style>
+            <a:lnRef idx="2">
+              <a:schemeClr val="accent1">
+                <a:shade val="50000"/>
+              </a:schemeClr>
+            </a:lnRef>
+            <a:fillRef idx="1">
+              <a:schemeClr val="accent1"/>
+            </a:fillRef>
+            <a:effectRef idx="0">
+              <a:schemeClr val="accent1"/>
+            </a:effectRef>
+            <a:fontRef idx="minor">
+              <a:schemeClr val="lt1"/>
+            </a:fontRef>
+          </p:style>
+          <p:txBody>
+            <a:bodyPr rtlCol="0" anchor="ctr"/>
+            <a:lstStyle/>
+            <a:p>
+              <a:pPr algn="ctr"/>
+              <a:endParaRPr lang="zh-CN" altLang="en-US"/>
+            </a:p>
+          </p:txBody>
+        </p:sp>
+        <p:sp>
+          <p:nvSpPr>
+            <p:cNvPr id="50" name="TextBox 49">
+              <a:extLst>
+                <a:ext uri="{FF2B5EF4-FFF2-40B4-BE49-F238E27FC236}">
+                  <a16:creationId xmlns:a16="http://schemas.microsoft.com/office/drawing/2014/main" id="{C7B917CE-44C2-4190-9BC8-C14BF698A1AE}"/>
+                </a:ext>
+              </a:extLst>
+            </p:cNvPr>
+            <p:cNvSpPr txBox="1"/>
+            <p:nvPr/>
+          </p:nvSpPr>
+          <p:spPr>
+            <a:xfrm>
+              <a:off x="2503781" y="2292563"/>
+              <a:ext cx="1119077" cy="523220"/>
+            </a:xfrm>
+            <a:prstGeom prst="rect">
+              <a:avLst/>
+            </a:prstGeom>
+            <a:noFill/>
+          </p:spPr>
+          <p:txBody>
+            <a:bodyPr wrap="square" rtlCol="0">
+              <a:spAutoFit/>
+            </a:bodyPr>
+            <a:lstStyle/>
+            <a:p>
+              <a:pPr algn="ctr"/>
+              <a:r>
+                <a:rPr lang="en-US" sz="2800" dirty="0">
+                  <a:latin typeface="Franklin Gothic Medium Cond" charset="0"/>
+                  <a:ea typeface="Franklin Gothic Medium Cond" charset="0"/>
+                  <a:cs typeface="Franklin Gothic Medium Cond" charset="0"/>
+                </a:rPr>
+                <a:t>Unary</a:t>
+              </a:r>
+            </a:p>
+          </p:txBody>
+        </p:sp>
+        <p:sp>
+          <p:nvSpPr>
+            <p:cNvPr id="56" name="TextBox 55">
+              <a:extLst>
+                <a:ext uri="{FF2B5EF4-FFF2-40B4-BE49-F238E27FC236}">
+                  <a16:creationId xmlns:a16="http://schemas.microsoft.com/office/drawing/2014/main" id="{F29AE64D-EB09-41AD-B89C-EB5561897E88}"/>
+                </a:ext>
+              </a:extLst>
+            </p:cNvPr>
+            <p:cNvSpPr txBox="1"/>
+            <p:nvPr/>
+          </p:nvSpPr>
+          <p:spPr>
+            <a:xfrm>
+              <a:off x="2510083" y="3706781"/>
+              <a:ext cx="1119991" cy="523220"/>
+            </a:xfrm>
+            <a:prstGeom prst="rect">
+              <a:avLst/>
+            </a:prstGeom>
+            <a:noFill/>
+          </p:spPr>
+          <p:txBody>
+            <a:bodyPr wrap="square" rtlCol="0">
+              <a:spAutoFit/>
+            </a:bodyPr>
+            <a:lstStyle/>
+            <a:p>
+              <a:pPr algn="ctr"/>
+              <a:r>
+                <a:rPr lang="en-US" sz="2800" dirty="0">
+                  <a:latin typeface="Franklin Gothic Medium Cond" charset="0"/>
+                  <a:ea typeface="Franklin Gothic Medium Cond" charset="0"/>
+                  <a:cs typeface="Franklin Gothic Medium Cond" charset="0"/>
+                </a:rPr>
+                <a:t>Binary</a:t>
+              </a:r>
+            </a:p>
+          </p:txBody>
+        </p:sp>
+        <p:sp>
+          <p:nvSpPr>
+            <p:cNvPr id="58" name="TextBox 57">
+              <a:extLst>
+                <a:ext uri="{FF2B5EF4-FFF2-40B4-BE49-F238E27FC236}">
+                  <a16:creationId xmlns:a16="http://schemas.microsoft.com/office/drawing/2014/main" id="{78F8DA1A-D85F-4813-B0E0-56EF4470743E}"/>
+                </a:ext>
+              </a:extLst>
+            </p:cNvPr>
+            <p:cNvSpPr txBox="1"/>
+            <p:nvPr/>
+          </p:nvSpPr>
+          <p:spPr>
+            <a:xfrm>
+              <a:off x="1096186" y="4230001"/>
+              <a:ext cx="1119992" cy="523220"/>
+            </a:xfrm>
+            <a:prstGeom prst="rect">
+              <a:avLst/>
+            </a:prstGeom>
+            <a:noFill/>
+          </p:spPr>
+          <p:txBody>
+            <a:bodyPr wrap="square" rtlCol="0">
+              <a:spAutoFit/>
+            </a:bodyPr>
+            <a:lstStyle/>
+            <a:p>
+              <a:pPr algn="ctr"/>
+              <a:r>
+                <a:rPr lang="en-US" sz="2800" dirty="0">
+                  <a:latin typeface="Franklin Gothic Medium Cond" charset="0"/>
+                  <a:ea typeface="Franklin Gothic Medium Cond" charset="0"/>
+                  <a:cs typeface="Franklin Gothic Medium Cond" charset="0"/>
+                </a:rPr>
+                <a:t>Affine</a:t>
+              </a:r>
+            </a:p>
+          </p:txBody>
+        </p:sp>
+        <p:sp>
+          <p:nvSpPr>
+            <p:cNvPr id="62" name="TextBox 61">
+              <a:extLst>
+                <a:ext uri="{FF2B5EF4-FFF2-40B4-BE49-F238E27FC236}">
+                  <a16:creationId xmlns:a16="http://schemas.microsoft.com/office/drawing/2014/main" id="{9F1584C2-0084-417F-9689-D1CDEB1ED4FB}"/>
+                </a:ext>
+              </a:extLst>
+            </p:cNvPr>
+            <p:cNvSpPr txBox="1"/>
+            <p:nvPr/>
+          </p:nvSpPr>
+          <p:spPr>
+            <a:xfrm>
+              <a:off x="2510998" y="4230001"/>
+              <a:ext cx="1119076" cy="523220"/>
+            </a:xfrm>
+            <a:prstGeom prst="rect">
+              <a:avLst/>
+            </a:prstGeom>
+            <a:noFill/>
+          </p:spPr>
+          <p:txBody>
+            <a:bodyPr wrap="square" rtlCol="0">
+              <a:spAutoFit/>
+            </a:bodyPr>
+            <a:lstStyle/>
+            <a:p>
+              <a:pPr algn="ctr"/>
+              <a:r>
+                <a:rPr lang="en-US" sz="2800" dirty="0">
+                  <a:latin typeface="Franklin Gothic Medium Cond" charset="0"/>
+                  <a:ea typeface="Franklin Gothic Medium Cond" charset="0"/>
+                  <a:cs typeface="Franklin Gothic Medium Cond" charset="0"/>
+                </a:rPr>
+                <a:t>Set</a:t>
+              </a:r>
+            </a:p>
+          </p:txBody>
+        </p:sp>
+        <p:sp>
+          <p:nvSpPr>
+            <p:cNvPr id="78" name="TextBox 77">
+              <a:extLst>
+                <a:ext uri="{FF2B5EF4-FFF2-40B4-BE49-F238E27FC236}">
+                  <a16:creationId xmlns:a16="http://schemas.microsoft.com/office/drawing/2014/main" id="{57A2CCBD-2672-4998-98AE-DB95CA850642}"/>
+                </a:ext>
+              </a:extLst>
+            </p:cNvPr>
+            <p:cNvSpPr txBox="1"/>
+            <p:nvPr/>
+          </p:nvSpPr>
+          <p:spPr>
+            <a:xfrm>
+              <a:off x="1097101" y="3706781"/>
+              <a:ext cx="1119991" cy="523220"/>
+            </a:xfrm>
+            <a:prstGeom prst="rect">
+              <a:avLst/>
+            </a:prstGeom>
+            <a:noFill/>
+          </p:spPr>
+          <p:txBody>
+            <a:bodyPr wrap="square" rtlCol="0">
+              <a:spAutoFit/>
+            </a:bodyPr>
+            <a:lstStyle/>
+            <a:p>
+              <a:pPr algn="ctr"/>
+              <a:r>
+                <a:rPr lang="en-US" sz="2800" dirty="0">
+                  <a:latin typeface="Franklin Gothic Medium Cond" charset="0"/>
+                  <a:ea typeface="Franklin Gothic Medium Cond" charset="0"/>
+                  <a:cs typeface="Franklin Gothic Medium Cond" charset="0"/>
+                </a:rPr>
+                <a:t>Binary</a:t>
+              </a:r>
+            </a:p>
+          </p:txBody>
+        </p:sp>
+        <p:sp>
+          <p:nvSpPr>
+            <p:cNvPr id="80" name="TextBox 79">
+              <a:extLst>
+                <a:ext uri="{FF2B5EF4-FFF2-40B4-BE49-F238E27FC236}">
+                  <a16:creationId xmlns:a16="http://schemas.microsoft.com/office/drawing/2014/main" id="{270EEBB7-06FA-461E-867F-827015EFFD32}"/>
+                </a:ext>
+              </a:extLst>
+            </p:cNvPr>
+            <p:cNvSpPr txBox="1"/>
+            <p:nvPr/>
+          </p:nvSpPr>
+          <p:spPr>
+            <a:xfrm>
+              <a:off x="1097101" y="2292563"/>
+              <a:ext cx="1119077" cy="523220"/>
+            </a:xfrm>
+            <a:prstGeom prst="rect">
+              <a:avLst/>
+            </a:prstGeom>
+            <a:noFill/>
+          </p:spPr>
+          <p:txBody>
+            <a:bodyPr wrap="square" rtlCol="0">
+              <a:spAutoFit/>
+            </a:bodyPr>
+            <a:lstStyle/>
+            <a:p>
+              <a:pPr algn="ctr"/>
+              <a:r>
+                <a:rPr lang="en-US" sz="2800" dirty="0">
+                  <a:latin typeface="Franklin Gothic Medium Cond" charset="0"/>
+                  <a:ea typeface="Franklin Gothic Medium Cond" charset="0"/>
+                  <a:cs typeface="Franklin Gothic Medium Cond" charset="0"/>
+                </a:rPr>
+                <a:t>Unary</a:t>
+              </a:r>
+            </a:p>
+          </p:txBody>
+        </p:sp>
+        <p:sp>
+          <p:nvSpPr>
+            <p:cNvPr id="82" name="TextBox 81">
+              <a:extLst>
+                <a:ext uri="{FF2B5EF4-FFF2-40B4-BE49-F238E27FC236}">
+                  <a16:creationId xmlns:a16="http://schemas.microsoft.com/office/drawing/2014/main" id="{730CEB92-E140-4C80-BDF2-F14FF3EBA1E1}"/>
+                </a:ext>
+              </a:extLst>
+            </p:cNvPr>
+            <p:cNvSpPr txBox="1"/>
+            <p:nvPr/>
+          </p:nvSpPr>
+          <p:spPr>
+            <a:xfrm>
+              <a:off x="1096186" y="2815783"/>
+              <a:ext cx="1119992" cy="523220"/>
+            </a:xfrm>
+            <a:prstGeom prst="rect">
+              <a:avLst/>
+            </a:prstGeom>
+            <a:noFill/>
+          </p:spPr>
+          <p:txBody>
+            <a:bodyPr wrap="square" rtlCol="0">
+              <a:spAutoFit/>
+            </a:bodyPr>
+            <a:lstStyle/>
+            <a:p>
+              <a:pPr algn="ctr"/>
+              <a:r>
+                <a:rPr lang="en-US" sz="2800" dirty="0">
+                  <a:latin typeface="Franklin Gothic Medium Cond" charset="0"/>
+                  <a:ea typeface="Franklin Gothic Medium Cond" charset="0"/>
+                  <a:cs typeface="Franklin Gothic Medium Cond" charset="0"/>
+                </a:rPr>
+                <a:t>Affine</a:t>
+              </a:r>
+            </a:p>
+          </p:txBody>
+        </p:sp>
+        <p:sp>
+          <p:nvSpPr>
+            <p:cNvPr id="84" name="TextBox 83">
+              <a:extLst>
+                <a:ext uri="{FF2B5EF4-FFF2-40B4-BE49-F238E27FC236}">
+                  <a16:creationId xmlns:a16="http://schemas.microsoft.com/office/drawing/2014/main" id="{98B63C42-029F-4A4E-BF8F-AA53FD09D640}"/>
+                </a:ext>
+              </a:extLst>
+            </p:cNvPr>
+            <p:cNvSpPr txBox="1"/>
+            <p:nvPr/>
+          </p:nvSpPr>
+          <p:spPr>
+            <a:xfrm>
+              <a:off x="2523787" y="2815783"/>
+              <a:ext cx="1119076" cy="523220"/>
+            </a:xfrm>
+            <a:prstGeom prst="rect">
+              <a:avLst/>
+            </a:prstGeom>
+            <a:noFill/>
+          </p:spPr>
+          <p:txBody>
+            <a:bodyPr wrap="square" rtlCol="0">
+              <a:spAutoFit/>
+            </a:bodyPr>
+            <a:lstStyle/>
+            <a:p>
+              <a:pPr algn="ctr"/>
+              <a:r>
+                <a:rPr lang="en-US" sz="2800" dirty="0">
+                  <a:latin typeface="Franklin Gothic Medium Cond" charset="0"/>
+                  <a:ea typeface="Franklin Gothic Medium Cond" charset="0"/>
+                  <a:cs typeface="Franklin Gothic Medium Cond" charset="0"/>
+                </a:rPr>
+                <a:t>Set</a:t>
+              </a:r>
+            </a:p>
+          </p:txBody>
+        </p:sp>
+        <p:cxnSp>
+          <p:nvCxnSpPr>
+            <p:cNvPr id="86" name="Straight Connector 85">
+              <a:extLst>
+                <a:ext uri="{FF2B5EF4-FFF2-40B4-BE49-F238E27FC236}">
+                  <a16:creationId xmlns:a16="http://schemas.microsoft.com/office/drawing/2014/main" id="{EFC2D633-A321-4440-B90D-E14DC4554856}"/>
+                </a:ext>
+              </a:extLst>
+            </p:cNvPr>
+            <p:cNvCxnSpPr>
+              <a:cxnSpLocks noChangeAspect="1"/>
+            </p:cNvCxnSpPr>
+            <p:nvPr/>
+          </p:nvCxnSpPr>
+          <p:spPr>
+            <a:xfrm>
+              <a:off x="993860" y="3545807"/>
+              <a:ext cx="1368000" cy="1368000"/>
+            </a:xfrm>
+            <a:prstGeom prst="line">
+              <a:avLst/>
+            </a:prstGeom>
+            <a:ln w="34925">
+              <a:solidFill>
+                <a:schemeClr val="tx1"/>
+              </a:solidFill>
+            </a:ln>
+          </p:spPr>
+          <p:style>
+            <a:lnRef idx="1">
+              <a:schemeClr val="accent1"/>
+            </a:lnRef>
+            <a:fillRef idx="0">
+              <a:schemeClr val="accent1"/>
+            </a:fillRef>
+            <a:effectRef idx="0">
+              <a:schemeClr val="accent1"/>
+            </a:effectRef>
+            <a:fontRef idx="minor">
+              <a:schemeClr val="tx1"/>
+            </a:fontRef>
+          </p:style>
+        </p:cxnSp>
+        <p:cxnSp>
+          <p:nvCxnSpPr>
+            <p:cNvPr id="87" name="Straight Connector 86">
+              <a:extLst>
+                <a:ext uri="{FF2B5EF4-FFF2-40B4-BE49-F238E27FC236}">
+                  <a16:creationId xmlns:a16="http://schemas.microsoft.com/office/drawing/2014/main" id="{511CCE13-1E9A-4CFD-B6B5-3CB19BCCB283}"/>
+                </a:ext>
+              </a:extLst>
+            </p:cNvPr>
+            <p:cNvCxnSpPr>
+              <a:cxnSpLocks noChangeAspect="1"/>
+            </p:cNvCxnSpPr>
+            <p:nvPr/>
+          </p:nvCxnSpPr>
+          <p:spPr>
+            <a:xfrm rot="5400000">
+              <a:off x="982722" y="3553919"/>
+              <a:ext cx="1368000" cy="1368000"/>
+            </a:xfrm>
+            <a:prstGeom prst="line">
+              <a:avLst/>
+            </a:prstGeom>
+            <a:ln w="34925">
+              <a:solidFill>
+                <a:schemeClr val="tx1"/>
+              </a:solidFill>
+            </a:ln>
+          </p:spPr>
+          <p:style>
+            <a:lnRef idx="1">
+              <a:schemeClr val="accent1"/>
+            </a:lnRef>
+            <a:fillRef idx="0">
+              <a:schemeClr val="accent1"/>
+            </a:fillRef>
+            <a:effectRef idx="0">
+              <a:schemeClr val="accent1"/>
+            </a:effectRef>
+            <a:fontRef idx="minor">
+              <a:schemeClr val="tx1"/>
+            </a:fontRef>
+          </p:style>
+        </p:cxnSp>
+      </p:grpSp>
+      <p:pic>
+        <p:nvPicPr>
+          <p:cNvPr id="3" name="Picture 2" descr="A close up of text on a black background&#10;&#10;Description automatically generated">
+            <a:extLst>
+              <a:ext uri="{FF2B5EF4-FFF2-40B4-BE49-F238E27FC236}">
+                <a16:creationId xmlns:a16="http://schemas.microsoft.com/office/drawing/2014/main" id="{EF6B4FA6-69EF-48A5-8B72-D4B947033882}"/>
+              </a:ext>
+            </a:extLst>
+          </p:cNvPr>
+          <p:cNvPicPr>
+            <a:picLocks noChangeAspect="1"/>
+          </p:cNvPicPr>
+          <p:nvPr/>
+        </p:nvPicPr>
+        <p:blipFill>
+          <a:blip r:embed="rId2">
+            <a:extLst>
+              <a:ext uri="{28A0092B-C50C-407E-A947-70E740481C1C}">
+                <a14:useLocalDpi xmlns:a14="http://schemas.microsoft.com/office/drawing/2010/main" val="0"/>
+              </a:ext>
+            </a:extLst>
+          </a:blip>
+          <a:stretch>
+            <a:fillRect/>
+          </a:stretch>
+        </p:blipFill>
+        <p:spPr>
+          <a:xfrm>
+            <a:off x="5048312" y="1165283"/>
+            <a:ext cx="6210176" cy="4923276"/>
+          </a:xfrm>
+          <a:prstGeom prst="rect">
+            <a:avLst/>
+          </a:prstGeom>
+        </p:spPr>
+      </p:pic>
+    </p:spTree>
+    <p:extLst>
+      <p:ext uri="{BB962C8B-B14F-4D97-AF65-F5344CB8AC3E}">
+        <p14:creationId xmlns:p14="http://schemas.microsoft.com/office/powerpoint/2010/main" val="1010639539"/>
+      </p:ext>
+    </p:extLst>
+  </p:cSld>
+  <p:clrMapOvr>
+    <a:masterClrMapping/>
+  </p:clrMapOvr>
+</p:sld>
+</file>
+
+<file path=ppt/slides/slide8.xml><?xml version="1.0" encoding="utf-8"?>
+<p:sld xmlns:a="http://schemas.openxmlformats.org/drawingml/2006/main" xmlns:r="http://schemas.openxmlformats.org/officeDocument/2006/relationships" xmlns:p="http://schemas.openxmlformats.org/presentationml/2006/main">
+  <p:cSld>
+    <p:spTree>
+      <p:nvGrpSpPr>
+        <p:cNvPr id="1" name=""/>
+        <p:cNvGrpSpPr/>
+        <p:nvPr/>
+      </p:nvGrpSpPr>
+      <p:grpSpPr>
+        <a:xfrm>
+          <a:off x="0" y="0"/>
+          <a:ext cx="0" cy="0"/>
+          <a:chOff x="0" y="0"/>
+          <a:chExt cx="0" cy="0"/>
+        </a:xfrm>
+      </p:grpSpPr>
+      <p:sp>
+        <p:nvSpPr>
+          <p:cNvPr id="4" name="Footer Placeholder 3">
+            <a:extLst>
+              <a:ext uri="{FF2B5EF4-FFF2-40B4-BE49-F238E27FC236}">
+                <a16:creationId xmlns:a16="http://schemas.microsoft.com/office/drawing/2014/main" id="{DB5E1A92-87CA-49F9-8875-71850BBEEDCC}"/>
+              </a:ext>
+            </a:extLst>
+          </p:cNvPr>
+          <p:cNvSpPr>
+            <a:spLocks noGrp="1"/>
+          </p:cNvSpPr>
+          <p:nvPr>
+            <p:ph type="ftr" sz="quarter" idx="11"/>
+          </p:nvPr>
+        </p:nvSpPr>
+        <p:spPr/>
+        <p:txBody>
+          <a:bodyPr/>
+          <a:lstStyle/>
+          <a:p>
+            <a:r>
+              <a:rPr lang="en-US"/>
+              <a:t>#talk-yang</a:t>
+            </a:r>
+          </a:p>
+        </p:txBody>
+      </p:sp>
+      <p:sp>
+        <p:nvSpPr>
+          <p:cNvPr id="7" name="TextBox 6">
+            <a:extLst>
+              <a:ext uri="{FF2B5EF4-FFF2-40B4-BE49-F238E27FC236}">
+                <a16:creationId xmlns:a16="http://schemas.microsoft.com/office/drawing/2014/main" id="{379D8A44-A640-48F3-A6A0-25D591061A61}"/>
+              </a:ext>
+            </a:extLst>
+          </p:cNvPr>
+          <p:cNvSpPr txBox="1"/>
+          <p:nvPr/>
+        </p:nvSpPr>
+        <p:spPr>
+          <a:xfrm>
+            <a:off x="461211" y="1165283"/>
+            <a:ext cx="3808711" cy="769441"/>
+          </a:xfrm>
+          <a:prstGeom prst="rect">
+            <a:avLst/>
+          </a:prstGeom>
+          <a:noFill/>
+        </p:spPr>
+        <p:txBody>
+          <a:bodyPr wrap="square" rtlCol="0">
+            <a:spAutoFit/>
+          </a:bodyPr>
+          <a:lstStyle/>
+          <a:p>
+            <a:pPr algn="ctr"/>
+            <a:r>
+              <a:rPr lang="en-US" sz="4400" dirty="0">
+                <a:latin typeface="Franklin Gothic Medium Cond" charset="0"/>
+                <a:ea typeface="Franklin Gothic Medium Cond" charset="0"/>
+                <a:cs typeface="Franklin Gothic Medium Cond" charset="0"/>
+              </a:rPr>
+              <a:t>Transformations</a:t>
+            </a:r>
+          </a:p>
+        </p:txBody>
+      </p:sp>
+      <p:grpSp>
+        <p:nvGrpSpPr>
+          <p:cNvPr id="89" name="Group 88">
+            <a:extLst>
+              <a:ext uri="{FF2B5EF4-FFF2-40B4-BE49-F238E27FC236}">
+                <a16:creationId xmlns:a16="http://schemas.microsoft.com/office/drawing/2014/main" id="{A2D1ED86-25CE-4C1B-9D92-52C8C868603E}"/>
+              </a:ext>
+            </a:extLst>
+          </p:cNvPr>
+          <p:cNvGrpSpPr/>
+          <p:nvPr/>
+        </p:nvGrpSpPr>
+        <p:grpSpPr>
+          <a:xfrm>
+            <a:off x="970566" y="2131783"/>
+            <a:ext cx="2790000" cy="2791494"/>
+            <a:chOff x="970566" y="2131783"/>
+            <a:chExt cx="2790000" cy="2791494"/>
+          </a:xfrm>
+        </p:grpSpPr>
+        <p:sp>
+          <p:nvSpPr>
+            <p:cNvPr id="75" name="Rectangle 74">
+              <a:extLst>
+                <a:ext uri="{FF2B5EF4-FFF2-40B4-BE49-F238E27FC236}">
+                  <a16:creationId xmlns:a16="http://schemas.microsoft.com/office/drawing/2014/main" id="{74E547B9-30C4-4608-A9AD-A1DACA2135A4}"/>
+                </a:ext>
+              </a:extLst>
+            </p:cNvPr>
+            <p:cNvSpPr>
+              <a:spLocks noChangeAspect="1"/>
+            </p:cNvSpPr>
+            <p:nvPr/>
+          </p:nvSpPr>
+          <p:spPr>
+            <a:xfrm>
+              <a:off x="984235" y="3536376"/>
+              <a:ext cx="1368000" cy="1368000"/>
+            </a:xfrm>
+            <a:prstGeom prst="rect">
+              <a:avLst/>
+            </a:prstGeom>
+            <a:noFill/>
+            <a:ln w="34925">
+              <a:solidFill>
+                <a:schemeClr val="tx1"/>
+              </a:solidFill>
+            </a:ln>
+          </p:spPr>
+          <p:style>
+            <a:lnRef idx="2">
+              <a:schemeClr val="accent1">
+                <a:shade val="50000"/>
+              </a:schemeClr>
+            </a:lnRef>
+            <a:fillRef idx="1">
+              <a:schemeClr val="accent1"/>
+            </a:fillRef>
+            <a:effectRef idx="0">
+              <a:schemeClr val="accent1"/>
+            </a:effectRef>
+            <a:fontRef idx="minor">
+              <a:schemeClr val="lt1"/>
+            </a:fontRef>
+          </p:style>
+          <p:txBody>
+            <a:bodyPr rtlCol="0" anchor="ctr"/>
+            <a:lstStyle/>
+            <a:p>
+              <a:pPr algn="ctr"/>
+              <a:endParaRPr lang="zh-CN" altLang="en-US"/>
+            </a:p>
+          </p:txBody>
+        </p:sp>
+        <p:sp>
+          <p:nvSpPr>
+            <p:cNvPr id="69" name="Rectangle 68">
+              <a:extLst>
+                <a:ext uri="{FF2B5EF4-FFF2-40B4-BE49-F238E27FC236}">
+                  <a16:creationId xmlns:a16="http://schemas.microsoft.com/office/drawing/2014/main" id="{DE4BE50A-7141-41BF-ADDB-E26D96F5DBD0}"/>
+                </a:ext>
+              </a:extLst>
+            </p:cNvPr>
+            <p:cNvSpPr>
+              <a:spLocks noChangeAspect="1"/>
+            </p:cNvSpPr>
+            <p:nvPr/>
+          </p:nvSpPr>
+          <p:spPr>
+            <a:xfrm>
+              <a:off x="2386079" y="2131783"/>
+              <a:ext cx="1368000" cy="1368000"/>
+            </a:xfrm>
+            <a:prstGeom prst="rect">
+              <a:avLst/>
+            </a:prstGeom>
+            <a:ln>
+              <a:noFill/>
+            </a:ln>
+          </p:spPr>
+          <p:style>
+            <a:lnRef idx="2">
+              <a:schemeClr val="accent1">
+                <a:shade val="50000"/>
+              </a:schemeClr>
+            </a:lnRef>
+            <a:fillRef idx="1">
+              <a:schemeClr val="accent1"/>
+            </a:fillRef>
+            <a:effectRef idx="0">
+              <a:schemeClr val="accent1"/>
+            </a:effectRef>
+            <a:fontRef idx="minor">
+              <a:schemeClr val="lt1"/>
+            </a:fontRef>
+          </p:style>
+          <p:txBody>
+            <a:bodyPr rtlCol="0" anchor="ctr"/>
+            <a:lstStyle/>
+            <a:p>
+              <a:pPr algn="ctr"/>
+              <a:endParaRPr lang="zh-CN" altLang="en-US"/>
+            </a:p>
+          </p:txBody>
+        </p:sp>
+        <p:cxnSp>
+          <p:nvCxnSpPr>
+            <p:cNvPr id="20" name="Straight Connector 19">
+              <a:extLst>
+                <a:ext uri="{FF2B5EF4-FFF2-40B4-BE49-F238E27FC236}">
+                  <a16:creationId xmlns:a16="http://schemas.microsoft.com/office/drawing/2014/main" id="{169D6B40-5F89-493A-89FE-80CA78A7C6F9}"/>
+                </a:ext>
+              </a:extLst>
+            </p:cNvPr>
+            <p:cNvCxnSpPr/>
+            <p:nvPr/>
+          </p:nvCxnSpPr>
+          <p:spPr>
+            <a:xfrm>
+              <a:off x="970566" y="3522038"/>
+              <a:ext cx="2790000" cy="0"/>
+            </a:xfrm>
+            <a:prstGeom prst="line">
+              <a:avLst/>
+            </a:prstGeom>
+            <a:ln w="38100">
+              <a:solidFill>
+                <a:schemeClr val="tx1"/>
+              </a:solidFill>
+            </a:ln>
+          </p:spPr>
+          <p:style>
+            <a:lnRef idx="1">
+              <a:schemeClr val="dk1"/>
+            </a:lnRef>
+            <a:fillRef idx="0">
+              <a:schemeClr val="dk1"/>
+            </a:fillRef>
+            <a:effectRef idx="0">
+              <a:schemeClr val="dk1"/>
+            </a:effectRef>
+            <a:fontRef idx="minor">
+              <a:schemeClr val="tx1"/>
+            </a:fontRef>
+          </p:style>
+        </p:cxnSp>
+        <p:cxnSp>
+          <p:nvCxnSpPr>
+            <p:cNvPr id="21" name="Straight Connector 20">
+              <a:extLst>
+                <a:ext uri="{FF2B5EF4-FFF2-40B4-BE49-F238E27FC236}">
+                  <a16:creationId xmlns:a16="http://schemas.microsoft.com/office/drawing/2014/main" id="{4BB16451-5B70-4834-9906-66DD98179180}"/>
+                </a:ext>
+              </a:extLst>
+            </p:cNvPr>
+            <p:cNvCxnSpPr>
+              <a:cxnSpLocks/>
+            </p:cNvCxnSpPr>
+            <p:nvPr/>
+          </p:nvCxnSpPr>
+          <p:spPr>
+            <a:xfrm flipV="1">
+              <a:off x="2366073" y="2133277"/>
+              <a:ext cx="0" cy="2790000"/>
+            </a:xfrm>
+            <a:prstGeom prst="line">
+              <a:avLst/>
+            </a:prstGeom>
+            <a:ln w="38100">
+              <a:solidFill>
+                <a:schemeClr val="tx1"/>
+              </a:solidFill>
+            </a:ln>
+          </p:spPr>
+          <p:style>
+            <a:lnRef idx="1">
+              <a:schemeClr val="dk1"/>
+            </a:lnRef>
+            <a:fillRef idx="0">
+              <a:schemeClr val="dk1"/>
+            </a:fillRef>
+            <a:effectRef idx="0">
+              <a:schemeClr val="dk1"/>
+            </a:effectRef>
+            <a:fontRef idx="minor">
+              <a:schemeClr val="tx1"/>
+            </a:fontRef>
+          </p:style>
+        </p:cxnSp>
+        <p:sp>
+          <p:nvSpPr>
+            <p:cNvPr id="71" name="Rectangle 70">
+              <a:extLst>
+                <a:ext uri="{FF2B5EF4-FFF2-40B4-BE49-F238E27FC236}">
+                  <a16:creationId xmlns:a16="http://schemas.microsoft.com/office/drawing/2014/main" id="{1840166A-3D3F-4694-A2B8-57A8883E1826}"/>
+                </a:ext>
+              </a:extLst>
+            </p:cNvPr>
+            <p:cNvSpPr>
+              <a:spLocks noChangeAspect="1"/>
+            </p:cNvSpPr>
+            <p:nvPr/>
+          </p:nvSpPr>
+          <p:spPr>
+            <a:xfrm>
+              <a:off x="2387874" y="3546031"/>
+              <a:ext cx="1368000" cy="1368000"/>
+            </a:xfrm>
+            <a:prstGeom prst="rect">
+              <a:avLst/>
+            </a:prstGeom>
+            <a:solidFill>
+              <a:schemeClr val="accent4"/>
+            </a:solidFill>
+            <a:ln>
+              <a:noFill/>
+            </a:ln>
+          </p:spPr>
+          <p:style>
+            <a:lnRef idx="2">
+              <a:schemeClr val="accent1">
+                <a:shade val="50000"/>
+              </a:schemeClr>
+            </a:lnRef>
+            <a:fillRef idx="1">
+              <a:schemeClr val="accent1"/>
+            </a:fillRef>
+            <a:effectRef idx="0">
+              <a:schemeClr val="accent1"/>
+            </a:effectRef>
+            <a:fontRef idx="minor">
+              <a:schemeClr val="lt1"/>
+            </a:fontRef>
+          </p:style>
+          <p:txBody>
+            <a:bodyPr rtlCol="0" anchor="ctr"/>
+            <a:lstStyle/>
+            <a:p>
+              <a:pPr algn="ctr"/>
+              <a:endParaRPr lang="zh-CN" altLang="en-US"/>
+            </a:p>
+          </p:txBody>
+        </p:sp>
+        <p:sp>
+          <p:nvSpPr>
+            <p:cNvPr id="73" name="Rectangle 72">
+              <a:extLst>
+                <a:ext uri="{FF2B5EF4-FFF2-40B4-BE49-F238E27FC236}">
+                  <a16:creationId xmlns:a16="http://schemas.microsoft.com/office/drawing/2014/main" id="{6A34C348-501D-4237-84C2-40075D4149BB}"/>
+                </a:ext>
+              </a:extLst>
+            </p:cNvPr>
+            <p:cNvSpPr>
+              <a:spLocks noChangeAspect="1"/>
+            </p:cNvSpPr>
+            <p:nvPr/>
+          </p:nvSpPr>
+          <p:spPr>
+            <a:xfrm>
+              <a:off x="982722" y="2131783"/>
+              <a:ext cx="1368000" cy="1368000"/>
+            </a:xfrm>
+            <a:prstGeom prst="rect">
+              <a:avLst/>
+            </a:prstGeom>
+            <a:ln>
+              <a:noFill/>
+            </a:ln>
+          </p:spPr>
+          <p:style>
+            <a:lnRef idx="2">
+              <a:schemeClr val="accent1">
+                <a:shade val="50000"/>
+              </a:schemeClr>
+            </a:lnRef>
+            <a:fillRef idx="1">
+              <a:schemeClr val="accent1"/>
+            </a:fillRef>
+            <a:effectRef idx="0">
+              <a:schemeClr val="accent1"/>
+            </a:effectRef>
+            <a:fontRef idx="minor">
+              <a:schemeClr val="lt1"/>
+            </a:fontRef>
+          </p:style>
+          <p:txBody>
+            <a:bodyPr rtlCol="0" anchor="ctr"/>
+            <a:lstStyle/>
+            <a:p>
+              <a:pPr algn="ctr"/>
+              <a:endParaRPr lang="zh-CN" altLang="en-US"/>
+            </a:p>
+          </p:txBody>
+        </p:sp>
+        <p:sp>
+          <p:nvSpPr>
+            <p:cNvPr id="50" name="TextBox 49">
+              <a:extLst>
+                <a:ext uri="{FF2B5EF4-FFF2-40B4-BE49-F238E27FC236}">
+                  <a16:creationId xmlns:a16="http://schemas.microsoft.com/office/drawing/2014/main" id="{C7B917CE-44C2-4190-9BC8-C14BF698A1AE}"/>
+                </a:ext>
+              </a:extLst>
+            </p:cNvPr>
+            <p:cNvSpPr txBox="1"/>
+            <p:nvPr/>
+          </p:nvSpPr>
+          <p:spPr>
+            <a:xfrm>
+              <a:off x="2503781" y="2292563"/>
+              <a:ext cx="1119077" cy="523220"/>
+            </a:xfrm>
+            <a:prstGeom prst="rect">
+              <a:avLst/>
+            </a:prstGeom>
+            <a:noFill/>
+          </p:spPr>
+          <p:txBody>
+            <a:bodyPr wrap="square" rtlCol="0">
+              <a:spAutoFit/>
+            </a:bodyPr>
+            <a:lstStyle/>
+            <a:p>
+              <a:pPr algn="ctr"/>
+              <a:r>
+                <a:rPr lang="en-US" sz="2800" dirty="0">
+                  <a:latin typeface="Franklin Gothic Medium Cond" charset="0"/>
+                  <a:ea typeface="Franklin Gothic Medium Cond" charset="0"/>
+                  <a:cs typeface="Franklin Gothic Medium Cond" charset="0"/>
+                </a:rPr>
+                <a:t>Unary</a:t>
+              </a:r>
+            </a:p>
+          </p:txBody>
+        </p:sp>
+        <p:sp>
+          <p:nvSpPr>
+            <p:cNvPr id="56" name="TextBox 55">
+              <a:extLst>
+                <a:ext uri="{FF2B5EF4-FFF2-40B4-BE49-F238E27FC236}">
+                  <a16:creationId xmlns:a16="http://schemas.microsoft.com/office/drawing/2014/main" id="{F29AE64D-EB09-41AD-B89C-EB5561897E88}"/>
+                </a:ext>
+              </a:extLst>
+            </p:cNvPr>
+            <p:cNvSpPr txBox="1"/>
+            <p:nvPr/>
+          </p:nvSpPr>
+          <p:spPr>
+            <a:xfrm>
+              <a:off x="2510083" y="3706781"/>
+              <a:ext cx="1119991" cy="523220"/>
+            </a:xfrm>
+            <a:prstGeom prst="rect">
+              <a:avLst/>
+            </a:prstGeom>
+            <a:noFill/>
+          </p:spPr>
+          <p:txBody>
+            <a:bodyPr wrap="square" rtlCol="0">
+              <a:spAutoFit/>
+            </a:bodyPr>
+            <a:lstStyle/>
+            <a:p>
+              <a:pPr algn="ctr"/>
+              <a:r>
+                <a:rPr lang="en-US" sz="2800" dirty="0">
+                  <a:latin typeface="Franklin Gothic Medium Cond" charset="0"/>
+                  <a:ea typeface="Franklin Gothic Medium Cond" charset="0"/>
+                  <a:cs typeface="Franklin Gothic Medium Cond" charset="0"/>
+                </a:rPr>
+                <a:t>Binary</a:t>
+              </a:r>
+            </a:p>
+          </p:txBody>
+        </p:sp>
+        <p:sp>
+          <p:nvSpPr>
+            <p:cNvPr id="58" name="TextBox 57">
+              <a:extLst>
+                <a:ext uri="{FF2B5EF4-FFF2-40B4-BE49-F238E27FC236}">
+                  <a16:creationId xmlns:a16="http://schemas.microsoft.com/office/drawing/2014/main" id="{78F8DA1A-D85F-4813-B0E0-56EF4470743E}"/>
+                </a:ext>
+              </a:extLst>
+            </p:cNvPr>
+            <p:cNvSpPr txBox="1"/>
+            <p:nvPr/>
+          </p:nvSpPr>
+          <p:spPr>
+            <a:xfrm>
+              <a:off x="1096186" y="4230001"/>
+              <a:ext cx="1119992" cy="523220"/>
+            </a:xfrm>
+            <a:prstGeom prst="rect">
+              <a:avLst/>
+            </a:prstGeom>
+            <a:noFill/>
+          </p:spPr>
+          <p:txBody>
+            <a:bodyPr wrap="square" rtlCol="0">
+              <a:spAutoFit/>
+            </a:bodyPr>
+            <a:lstStyle/>
+            <a:p>
+              <a:pPr algn="ctr"/>
+              <a:r>
+                <a:rPr lang="en-US" sz="2800" dirty="0">
+                  <a:latin typeface="Franklin Gothic Medium Cond" charset="0"/>
+                  <a:ea typeface="Franklin Gothic Medium Cond" charset="0"/>
+                  <a:cs typeface="Franklin Gothic Medium Cond" charset="0"/>
+                </a:rPr>
+                <a:t>Affine</a:t>
+              </a:r>
+            </a:p>
+          </p:txBody>
+        </p:sp>
+        <p:sp>
+          <p:nvSpPr>
+            <p:cNvPr id="62" name="TextBox 61">
+              <a:extLst>
+                <a:ext uri="{FF2B5EF4-FFF2-40B4-BE49-F238E27FC236}">
+                  <a16:creationId xmlns:a16="http://schemas.microsoft.com/office/drawing/2014/main" id="{9F1584C2-0084-417F-9689-D1CDEB1ED4FB}"/>
+                </a:ext>
+              </a:extLst>
+            </p:cNvPr>
+            <p:cNvSpPr txBox="1"/>
+            <p:nvPr/>
+          </p:nvSpPr>
+          <p:spPr>
+            <a:xfrm>
+              <a:off x="2510998" y="4230001"/>
+              <a:ext cx="1119076" cy="523220"/>
+            </a:xfrm>
+            <a:prstGeom prst="rect">
+              <a:avLst/>
+            </a:prstGeom>
+            <a:noFill/>
+          </p:spPr>
+          <p:txBody>
+            <a:bodyPr wrap="square" rtlCol="0">
+              <a:spAutoFit/>
+            </a:bodyPr>
+            <a:lstStyle/>
+            <a:p>
+              <a:pPr algn="ctr"/>
+              <a:r>
+                <a:rPr lang="en-US" sz="2800" dirty="0">
+                  <a:latin typeface="Franklin Gothic Medium Cond" charset="0"/>
+                  <a:ea typeface="Franklin Gothic Medium Cond" charset="0"/>
+                  <a:cs typeface="Franklin Gothic Medium Cond" charset="0"/>
+                </a:rPr>
+                <a:t>Set</a:t>
+              </a:r>
+            </a:p>
+          </p:txBody>
+        </p:sp>
+        <p:sp>
+          <p:nvSpPr>
+            <p:cNvPr id="78" name="TextBox 77">
+              <a:extLst>
+                <a:ext uri="{FF2B5EF4-FFF2-40B4-BE49-F238E27FC236}">
+                  <a16:creationId xmlns:a16="http://schemas.microsoft.com/office/drawing/2014/main" id="{57A2CCBD-2672-4998-98AE-DB95CA850642}"/>
+                </a:ext>
+              </a:extLst>
+            </p:cNvPr>
+            <p:cNvSpPr txBox="1"/>
+            <p:nvPr/>
+          </p:nvSpPr>
+          <p:spPr>
+            <a:xfrm>
+              <a:off x="1097101" y="3706781"/>
+              <a:ext cx="1119991" cy="523220"/>
+            </a:xfrm>
+            <a:prstGeom prst="rect">
+              <a:avLst/>
+            </a:prstGeom>
+            <a:noFill/>
+          </p:spPr>
+          <p:txBody>
+            <a:bodyPr wrap="square" rtlCol="0">
+              <a:spAutoFit/>
+            </a:bodyPr>
+            <a:lstStyle/>
+            <a:p>
+              <a:pPr algn="ctr"/>
+              <a:r>
+                <a:rPr lang="en-US" sz="2800" dirty="0">
+                  <a:latin typeface="Franklin Gothic Medium Cond" charset="0"/>
+                  <a:ea typeface="Franklin Gothic Medium Cond" charset="0"/>
+                  <a:cs typeface="Franklin Gothic Medium Cond" charset="0"/>
+                </a:rPr>
+                <a:t>Binary</a:t>
+              </a:r>
+            </a:p>
+          </p:txBody>
+        </p:sp>
+        <p:sp>
+          <p:nvSpPr>
+            <p:cNvPr id="80" name="TextBox 79">
+              <a:extLst>
+                <a:ext uri="{FF2B5EF4-FFF2-40B4-BE49-F238E27FC236}">
+                  <a16:creationId xmlns:a16="http://schemas.microsoft.com/office/drawing/2014/main" id="{270EEBB7-06FA-461E-867F-827015EFFD32}"/>
+                </a:ext>
+              </a:extLst>
+            </p:cNvPr>
+            <p:cNvSpPr txBox="1"/>
+            <p:nvPr/>
+          </p:nvSpPr>
+          <p:spPr>
+            <a:xfrm>
+              <a:off x="1097101" y="2292563"/>
+              <a:ext cx="1119077" cy="523220"/>
+            </a:xfrm>
+            <a:prstGeom prst="rect">
+              <a:avLst/>
+            </a:prstGeom>
+            <a:noFill/>
+          </p:spPr>
+          <p:txBody>
+            <a:bodyPr wrap="square" rtlCol="0">
+              <a:spAutoFit/>
+            </a:bodyPr>
+            <a:lstStyle/>
+            <a:p>
+              <a:pPr algn="ctr"/>
+              <a:r>
+                <a:rPr lang="en-US" sz="2800" dirty="0">
+                  <a:latin typeface="Franklin Gothic Medium Cond" charset="0"/>
+                  <a:ea typeface="Franklin Gothic Medium Cond" charset="0"/>
+                  <a:cs typeface="Franklin Gothic Medium Cond" charset="0"/>
+                </a:rPr>
+                <a:t>Unary</a:t>
+              </a:r>
+            </a:p>
+          </p:txBody>
+        </p:sp>
+        <p:sp>
+          <p:nvSpPr>
+            <p:cNvPr id="82" name="TextBox 81">
+              <a:extLst>
+                <a:ext uri="{FF2B5EF4-FFF2-40B4-BE49-F238E27FC236}">
+                  <a16:creationId xmlns:a16="http://schemas.microsoft.com/office/drawing/2014/main" id="{730CEB92-E140-4C80-BDF2-F14FF3EBA1E1}"/>
+                </a:ext>
+              </a:extLst>
+            </p:cNvPr>
+            <p:cNvSpPr txBox="1"/>
+            <p:nvPr/>
+          </p:nvSpPr>
+          <p:spPr>
+            <a:xfrm>
+              <a:off x="1096186" y="2815783"/>
+              <a:ext cx="1119992" cy="523220"/>
+            </a:xfrm>
+            <a:prstGeom prst="rect">
+              <a:avLst/>
+            </a:prstGeom>
+            <a:noFill/>
+          </p:spPr>
+          <p:txBody>
+            <a:bodyPr wrap="square" rtlCol="0">
+              <a:spAutoFit/>
+            </a:bodyPr>
+            <a:lstStyle/>
+            <a:p>
+              <a:pPr algn="ctr"/>
+              <a:r>
+                <a:rPr lang="en-US" sz="2800" dirty="0">
+                  <a:latin typeface="Franklin Gothic Medium Cond" charset="0"/>
+                  <a:ea typeface="Franklin Gothic Medium Cond" charset="0"/>
+                  <a:cs typeface="Franklin Gothic Medium Cond" charset="0"/>
+                </a:rPr>
+                <a:t>Affine</a:t>
+              </a:r>
+            </a:p>
+          </p:txBody>
+        </p:sp>
+        <p:sp>
+          <p:nvSpPr>
+            <p:cNvPr id="84" name="TextBox 83">
+              <a:extLst>
+                <a:ext uri="{FF2B5EF4-FFF2-40B4-BE49-F238E27FC236}">
+                  <a16:creationId xmlns:a16="http://schemas.microsoft.com/office/drawing/2014/main" id="{98B63C42-029F-4A4E-BF8F-AA53FD09D640}"/>
+                </a:ext>
+              </a:extLst>
+            </p:cNvPr>
+            <p:cNvSpPr txBox="1"/>
+            <p:nvPr/>
+          </p:nvSpPr>
+          <p:spPr>
+            <a:xfrm>
+              <a:off x="2523787" y="2815783"/>
+              <a:ext cx="1119076" cy="523220"/>
+            </a:xfrm>
+            <a:prstGeom prst="rect">
+              <a:avLst/>
+            </a:prstGeom>
+            <a:noFill/>
+          </p:spPr>
+          <p:txBody>
+            <a:bodyPr wrap="square" rtlCol="0">
+              <a:spAutoFit/>
+            </a:bodyPr>
+            <a:lstStyle/>
+            <a:p>
+              <a:pPr algn="ctr"/>
+              <a:r>
+                <a:rPr lang="en-US" sz="2800" dirty="0">
+                  <a:latin typeface="Franklin Gothic Medium Cond" charset="0"/>
+                  <a:ea typeface="Franklin Gothic Medium Cond" charset="0"/>
+                  <a:cs typeface="Franklin Gothic Medium Cond" charset="0"/>
+                </a:rPr>
+                <a:t>Set</a:t>
+              </a:r>
+            </a:p>
+          </p:txBody>
+        </p:sp>
+        <p:cxnSp>
+          <p:nvCxnSpPr>
+            <p:cNvPr id="86" name="Straight Connector 85">
+              <a:extLst>
+                <a:ext uri="{FF2B5EF4-FFF2-40B4-BE49-F238E27FC236}">
+                  <a16:creationId xmlns:a16="http://schemas.microsoft.com/office/drawing/2014/main" id="{EFC2D633-A321-4440-B90D-E14DC4554856}"/>
+                </a:ext>
+              </a:extLst>
+            </p:cNvPr>
+            <p:cNvCxnSpPr>
+              <a:cxnSpLocks noChangeAspect="1"/>
+            </p:cNvCxnSpPr>
+            <p:nvPr/>
+          </p:nvCxnSpPr>
+          <p:spPr>
+            <a:xfrm>
+              <a:off x="993860" y="3545807"/>
+              <a:ext cx="1368000" cy="1368000"/>
+            </a:xfrm>
+            <a:prstGeom prst="line">
+              <a:avLst/>
+            </a:prstGeom>
+            <a:ln w="34925">
+              <a:solidFill>
+                <a:schemeClr val="tx1"/>
+              </a:solidFill>
+            </a:ln>
+          </p:spPr>
+          <p:style>
+            <a:lnRef idx="1">
+              <a:schemeClr val="accent1"/>
+            </a:lnRef>
+            <a:fillRef idx="0">
+              <a:schemeClr val="accent1"/>
+            </a:fillRef>
+            <a:effectRef idx="0">
+              <a:schemeClr val="accent1"/>
+            </a:effectRef>
+            <a:fontRef idx="minor">
+              <a:schemeClr val="tx1"/>
+            </a:fontRef>
+          </p:style>
+        </p:cxnSp>
+        <p:cxnSp>
+          <p:nvCxnSpPr>
+            <p:cNvPr id="87" name="Straight Connector 86">
+              <a:extLst>
+                <a:ext uri="{FF2B5EF4-FFF2-40B4-BE49-F238E27FC236}">
+                  <a16:creationId xmlns:a16="http://schemas.microsoft.com/office/drawing/2014/main" id="{511CCE13-1E9A-4CFD-B6B5-3CB19BCCB283}"/>
+                </a:ext>
+              </a:extLst>
+            </p:cNvPr>
+            <p:cNvCxnSpPr>
+              <a:cxnSpLocks noChangeAspect="1"/>
+            </p:cNvCxnSpPr>
+            <p:nvPr/>
+          </p:nvCxnSpPr>
+          <p:spPr>
+            <a:xfrm rot="5400000">
+              <a:off x="982722" y="3553919"/>
+              <a:ext cx="1368000" cy="1368000"/>
+            </a:xfrm>
+            <a:prstGeom prst="line">
+              <a:avLst/>
+            </a:prstGeom>
+            <a:ln w="34925">
+              <a:solidFill>
+                <a:schemeClr val="tx1"/>
+              </a:solidFill>
+            </a:ln>
+          </p:spPr>
+          <p:style>
+            <a:lnRef idx="1">
+              <a:schemeClr val="accent1"/>
+            </a:lnRef>
+            <a:fillRef idx="0">
+              <a:schemeClr val="accent1"/>
+            </a:fillRef>
+            <a:effectRef idx="0">
+              <a:schemeClr val="accent1"/>
+            </a:effectRef>
+            <a:fontRef idx="minor">
+              <a:schemeClr val="tx1"/>
+            </a:fontRef>
+          </p:style>
+        </p:cxnSp>
+      </p:grpSp>
+      <p:pic>
+        <p:nvPicPr>
+          <p:cNvPr id="3" name="Picture 2" descr="A close up of a logo&#10;&#10;Description automatically generated">
+            <a:extLst>
+              <a:ext uri="{FF2B5EF4-FFF2-40B4-BE49-F238E27FC236}">
+                <a16:creationId xmlns:a16="http://schemas.microsoft.com/office/drawing/2014/main" id="{44A446B9-06CB-47EE-A40D-0B5C680313BD}"/>
+              </a:ext>
+            </a:extLst>
+          </p:cNvPr>
+          <p:cNvPicPr>
+            <a:picLocks noChangeAspect="1"/>
+          </p:cNvPicPr>
+          <p:nvPr/>
+        </p:nvPicPr>
+        <p:blipFill>
+          <a:blip r:embed="rId2">
+            <a:extLst>
+              <a:ext uri="{28A0092B-C50C-407E-A947-70E740481C1C}">
+                <a14:useLocalDpi xmlns:a14="http://schemas.microsoft.com/office/drawing/2010/main" val="0"/>
+              </a:ext>
+            </a:extLst>
+          </a:blip>
+          <a:stretch>
+            <a:fillRect/>
+          </a:stretch>
+        </p:blipFill>
+        <p:spPr>
+          <a:xfrm>
+            <a:off x="5047200" y="1166400"/>
+            <a:ext cx="6212586" cy="5055108"/>
+          </a:xfrm>
+          <a:prstGeom prst="rect">
+            <a:avLst/>
+          </a:prstGeom>
+        </p:spPr>
+      </p:pic>
+    </p:spTree>
+    <p:extLst>
+      <p:ext uri="{BB962C8B-B14F-4D97-AF65-F5344CB8AC3E}">
+        <p14:creationId xmlns:p14="http://schemas.microsoft.com/office/powerpoint/2010/main" val="2269380216"/>
       </p:ext>
     </p:extLst>
   </p:cSld>

--- a/acs2020.pptx
+++ b/acs2020.pptx
@@ -262,7 +262,7 @@
           <a:p>
             <a:fld id="{C4EF5054-736F-4AAA-A761-565914A26FF9}" type="datetimeFigureOut">
               <a:rPr lang="zh-CN" altLang="en-US" smtClean="0"/>
-              <a:t>2020/8/10</a:t>
+              <a:t>2020/8/11</a:t>
             </a:fld>
             <a:endParaRPr lang="zh-CN" altLang="en-US"/>
           </a:p>
@@ -443,7 +443,7 @@
           <a:p>
             <a:fld id="{1D292571-BB42-4EBB-B2ED-897FE50ABF0A}" type="datetimeFigureOut">
               <a:rPr lang="en-US" smtClean="0"/>
-              <a:t>8/10/2020</a:t>
+              <a:t>8/11/2020</a:t>
             </a:fld>
             <a:endParaRPr lang="en-US"/>
           </a:p>
@@ -840,7 +840,7 @@
           <a:p>
             <a:fld id="{E6388FF8-7DB6-43E5-8352-1DF8901D7E37}" type="datetime1">
               <a:rPr lang="en-US" altLang="zh-CN" smtClean="0"/>
-              <a:t>8/10/2020</a:t>
+              <a:t>8/11/2020</a:t>
             </a:fld>
             <a:endParaRPr lang="en-US"/>
           </a:p>
@@ -1011,7 +1011,7 @@
           <a:p>
             <a:fld id="{B0EA6539-B7F5-471D-8635-371DA2EC5BA1}" type="datetime1">
               <a:rPr lang="en-US" altLang="zh-CN" smtClean="0"/>
-              <a:t>8/10/2020</a:t>
+              <a:t>8/11/2020</a:t>
             </a:fld>
             <a:endParaRPr lang="en-US"/>
           </a:p>
@@ -1192,7 +1192,7 @@
           <a:p>
             <a:fld id="{6F25847B-818A-497D-9D23-8B0423E28FED}" type="datetime1">
               <a:rPr lang="en-US" altLang="zh-CN" smtClean="0"/>
-              <a:t>8/10/2020</a:t>
+              <a:t>8/11/2020</a:t>
             </a:fld>
             <a:endParaRPr lang="en-US"/>
           </a:p>
@@ -1363,7 +1363,7 @@
           <a:p>
             <a:fld id="{4AC34081-8EED-459C-9380-043A6C291F0E}" type="datetime1">
               <a:rPr lang="en-US" altLang="zh-CN" smtClean="0"/>
-              <a:t>8/10/2020</a:t>
+              <a:t>8/11/2020</a:t>
             </a:fld>
             <a:endParaRPr lang="en-US"/>
           </a:p>
@@ -1611,7 +1611,7 @@
           <a:p>
             <a:fld id="{57D8792F-515B-4DEE-AE8D-233FD56E6DBF}" type="datetime1">
               <a:rPr lang="en-US" altLang="zh-CN" smtClean="0"/>
-              <a:t>8/10/2020</a:t>
+              <a:t>8/11/2020</a:t>
             </a:fld>
             <a:endParaRPr lang="en-US"/>
           </a:p>
@@ -1843,7 +1843,7 @@
           <a:p>
             <a:fld id="{F4489F90-B078-459C-B932-819F5B5A4634}" type="datetime1">
               <a:rPr lang="en-US" altLang="zh-CN" smtClean="0"/>
-              <a:t>8/10/2020</a:t>
+              <a:t>8/11/2020</a:t>
             </a:fld>
             <a:endParaRPr lang="en-US"/>
           </a:p>
@@ -2210,7 +2210,7 @@
           <a:p>
             <a:fld id="{93E7FE96-1E5E-4414-985D-414C0A0C2990}" type="datetime1">
               <a:rPr lang="en-US" altLang="zh-CN" smtClean="0"/>
-              <a:t>8/10/2020</a:t>
+              <a:t>8/11/2020</a:t>
             </a:fld>
             <a:endParaRPr lang="en-US"/>
           </a:p>
@@ -2330,7 +2330,7 @@
           <a:p>
             <a:fld id="{8D3E7DC1-E591-4B3C-81E1-7628BF578E48}" type="datetime1">
               <a:rPr lang="en-US" altLang="zh-CN" smtClean="0"/>
-              <a:t>8/10/2020</a:t>
+              <a:t>8/11/2020</a:t>
             </a:fld>
             <a:endParaRPr lang="en-US"/>
           </a:p>
@@ -2428,7 +2428,7 @@
           <a:p>
             <a:fld id="{0AAAB499-0F1A-4F5B-B487-13C6F4968034}" type="datetime1">
               <a:rPr lang="en-US" altLang="zh-CN" smtClean="0"/>
-              <a:t>8/10/2020</a:t>
+              <a:t>8/11/2020</a:t>
             </a:fld>
             <a:endParaRPr lang="en-US"/>
           </a:p>
@@ -2706,7 +2706,7 @@
           <a:p>
             <a:fld id="{41EC7866-5580-488D-BD9A-431E841B8205}" type="datetime1">
               <a:rPr lang="en-US" altLang="zh-CN" smtClean="0"/>
-              <a:t>8/10/2020</a:t>
+              <a:t>8/11/2020</a:t>
             </a:fld>
             <a:endParaRPr lang="en-US"/>
           </a:p>
@@ -2961,7 +2961,7 @@
           <a:p>
             <a:fld id="{4882E38A-3662-4B6A-B2BC-549BC0CE76FC}" type="datetime1">
               <a:rPr lang="en-US" altLang="zh-CN" smtClean="0"/>
-              <a:t>8/10/2020</a:t>
+              <a:t>8/11/2020</a:t>
             </a:fld>
             <a:endParaRPr lang="en-US"/>
           </a:p>
@@ -3175,7 +3175,7 @@
           <a:p>
             <a:fld id="{5F13DDC9-51CA-41EB-BE3A-0AAFF70FEEA9}" type="datetime1">
               <a:rPr lang="en-US" altLang="zh-CN" smtClean="0"/>
-              <a:t>8/10/2020</a:t>
+              <a:t>8/11/2020</a:t>
             </a:fld>
             <a:endParaRPr lang="en-US"/>
           </a:p>
@@ -10281,7 +10281,7 @@
                 <a:ea typeface="Franklin Gothic Medium Cond" charset="0"/>
                 <a:cs typeface="Franklin Gothic Medium Cond" charset="0"/>
               </a:rPr>
-              <a:t>Ideally, A good MAT score implies good O scores, and thus good MATO score.</a:t>
+              <a:t>Ideally, A good MAT score implies good O scores, and thus good MATO scores.</a:t>
             </a:r>
           </a:p>
         </p:txBody>
@@ -25337,6 +25337,291 @@
           </a:p>
         </p:txBody>
       </p:sp>
+      <p:sp>
+        <p:nvSpPr>
+          <p:cNvPr id="4" name="Rectangle 3">
+            <a:extLst>
+              <a:ext uri="{FF2B5EF4-FFF2-40B4-BE49-F238E27FC236}">
+                <a16:creationId xmlns:a16="http://schemas.microsoft.com/office/drawing/2014/main" id="{80AA46D4-B02A-41FA-A949-8E3BB73EF0BB}"/>
+              </a:ext>
+            </a:extLst>
+          </p:cNvPr>
+          <p:cNvSpPr/>
+          <p:nvPr/>
+        </p:nvSpPr>
+        <p:spPr>
+          <a:xfrm>
+            <a:off x="6305096" y="507999"/>
+            <a:ext cx="1150070" cy="5714455"/>
+          </a:xfrm>
+          <a:prstGeom prst="rect">
+            <a:avLst/>
+          </a:prstGeom>
+          <a:solidFill>
+            <a:schemeClr val="accent1">
+              <a:alpha val="56000"/>
+            </a:schemeClr>
+          </a:solidFill>
+          <a:ln>
+            <a:noFill/>
+          </a:ln>
+        </p:spPr>
+        <p:style>
+          <a:lnRef idx="2">
+            <a:schemeClr val="accent1">
+              <a:shade val="50000"/>
+            </a:schemeClr>
+          </a:lnRef>
+          <a:fillRef idx="1">
+            <a:schemeClr val="accent1"/>
+          </a:fillRef>
+          <a:effectRef idx="0">
+            <a:schemeClr val="accent1"/>
+          </a:effectRef>
+          <a:fontRef idx="minor">
+            <a:schemeClr val="lt1"/>
+          </a:fontRef>
+        </p:style>
+        <p:txBody>
+          <a:bodyPr rtlCol="0" anchor="ctr"/>
+          <a:lstStyle/>
+          <a:p>
+            <a:pPr algn="ctr"/>
+            <a:endParaRPr lang="zh-CN" altLang="en-US"/>
+          </a:p>
+        </p:txBody>
+      </p:sp>
+      <p:sp>
+        <p:nvSpPr>
+          <p:cNvPr id="5" name="TextBox 4">
+            <a:extLst>
+              <a:ext uri="{FF2B5EF4-FFF2-40B4-BE49-F238E27FC236}">
+                <a16:creationId xmlns:a16="http://schemas.microsoft.com/office/drawing/2014/main" id="{C799B61C-30FB-4397-B50F-C165820C609A}"/>
+              </a:ext>
+            </a:extLst>
+          </p:cNvPr>
+          <p:cNvSpPr txBox="1"/>
+          <p:nvPr/>
+        </p:nvSpPr>
+        <p:spPr>
+          <a:xfrm>
+            <a:off x="6196134" y="515915"/>
+            <a:ext cx="1367993" cy="584775"/>
+          </a:xfrm>
+          <a:prstGeom prst="rect">
+            <a:avLst/>
+          </a:prstGeom>
+          <a:noFill/>
+        </p:spPr>
+        <p:txBody>
+          <a:bodyPr wrap="square" rtlCol="0">
+            <a:spAutoFit/>
+          </a:bodyPr>
+          <a:lstStyle/>
+          <a:p>
+            <a:pPr algn="ctr"/>
+            <a:r>
+              <a:rPr lang="en-US" altLang="zh-CN" sz="3200" dirty="0">
+                <a:latin typeface="Franklin Gothic Medium Cond" charset="0"/>
+              </a:rPr>
+              <a:t>Input</a:t>
+            </a:r>
+            <a:endParaRPr lang="zh-CN" altLang="en-US" sz="3200" dirty="0">
+              <a:latin typeface="Franklin Gothic Medium Cond" charset="0"/>
+            </a:endParaRPr>
+          </a:p>
+        </p:txBody>
+      </p:sp>
+      <p:sp>
+        <p:nvSpPr>
+          <p:cNvPr id="6" name="Rectangle 5">
+            <a:extLst>
+              <a:ext uri="{FF2B5EF4-FFF2-40B4-BE49-F238E27FC236}">
+                <a16:creationId xmlns:a16="http://schemas.microsoft.com/office/drawing/2014/main" id="{16D5D8A1-9AEE-4059-B1B9-0409DC0706CF}"/>
+              </a:ext>
+            </a:extLst>
+          </p:cNvPr>
+          <p:cNvSpPr/>
+          <p:nvPr/>
+        </p:nvSpPr>
+        <p:spPr>
+          <a:xfrm>
+            <a:off x="7578365" y="503465"/>
+            <a:ext cx="2247562" cy="5714455"/>
+          </a:xfrm>
+          <a:prstGeom prst="rect">
+            <a:avLst/>
+          </a:prstGeom>
+          <a:solidFill>
+            <a:schemeClr val="accent1">
+              <a:alpha val="56000"/>
+            </a:schemeClr>
+          </a:solidFill>
+          <a:ln>
+            <a:noFill/>
+          </a:ln>
+        </p:spPr>
+        <p:style>
+          <a:lnRef idx="2">
+            <a:schemeClr val="accent1">
+              <a:shade val="50000"/>
+            </a:schemeClr>
+          </a:lnRef>
+          <a:fillRef idx="1">
+            <a:schemeClr val="accent1"/>
+          </a:fillRef>
+          <a:effectRef idx="0">
+            <a:schemeClr val="accent1"/>
+          </a:effectRef>
+          <a:fontRef idx="minor">
+            <a:schemeClr val="lt1"/>
+          </a:fontRef>
+        </p:style>
+        <p:txBody>
+          <a:bodyPr rtlCol="0" anchor="ctr"/>
+          <a:lstStyle/>
+          <a:p>
+            <a:pPr algn="ctr"/>
+            <a:endParaRPr lang="zh-CN" altLang="en-US"/>
+          </a:p>
+        </p:txBody>
+      </p:sp>
+      <p:sp>
+        <p:nvSpPr>
+          <p:cNvPr id="8" name="TextBox 7">
+            <a:extLst>
+              <a:ext uri="{FF2B5EF4-FFF2-40B4-BE49-F238E27FC236}">
+                <a16:creationId xmlns:a16="http://schemas.microsoft.com/office/drawing/2014/main" id="{7D05FEB3-544C-43F0-9887-96F67579CC7A}"/>
+              </a:ext>
+            </a:extLst>
+          </p:cNvPr>
+          <p:cNvSpPr txBox="1"/>
+          <p:nvPr/>
+        </p:nvSpPr>
+        <p:spPr>
+          <a:xfrm>
+            <a:off x="7487450" y="515915"/>
+            <a:ext cx="2338477" cy="584775"/>
+          </a:xfrm>
+          <a:prstGeom prst="rect">
+            <a:avLst/>
+          </a:prstGeom>
+          <a:noFill/>
+        </p:spPr>
+        <p:txBody>
+          <a:bodyPr wrap="square" rtlCol="0">
+            <a:spAutoFit/>
+          </a:bodyPr>
+          <a:lstStyle/>
+          <a:p>
+            <a:pPr algn="ctr"/>
+            <a:r>
+              <a:rPr lang="en-US" altLang="zh-CN" sz="3200" dirty="0">
+                <a:latin typeface="Franklin Gothic Medium Cond" charset="0"/>
+              </a:rPr>
+              <a:t>parameters</a:t>
+            </a:r>
+            <a:endParaRPr lang="zh-CN" altLang="en-US" sz="3200" dirty="0">
+              <a:latin typeface="Franklin Gothic Medium Cond" charset="0"/>
+            </a:endParaRPr>
+          </a:p>
+        </p:txBody>
+      </p:sp>
+      <p:sp>
+        <p:nvSpPr>
+          <p:cNvPr id="9" name="Rectangle 8">
+            <a:extLst>
+              <a:ext uri="{FF2B5EF4-FFF2-40B4-BE49-F238E27FC236}">
+                <a16:creationId xmlns:a16="http://schemas.microsoft.com/office/drawing/2014/main" id="{7C98CC2D-3AAA-4124-B80A-851185823920}"/>
+              </a:ext>
+            </a:extLst>
+          </p:cNvPr>
+          <p:cNvSpPr/>
+          <p:nvPr/>
+        </p:nvSpPr>
+        <p:spPr>
+          <a:xfrm>
+            <a:off x="9944829" y="517081"/>
+            <a:ext cx="1436858" cy="5714455"/>
+          </a:xfrm>
+          <a:prstGeom prst="rect">
+            <a:avLst/>
+          </a:prstGeom>
+          <a:solidFill>
+            <a:schemeClr val="accent1">
+              <a:alpha val="56000"/>
+            </a:schemeClr>
+          </a:solidFill>
+          <a:ln>
+            <a:noFill/>
+          </a:ln>
+        </p:spPr>
+        <p:style>
+          <a:lnRef idx="2">
+            <a:schemeClr val="accent1">
+              <a:shade val="50000"/>
+            </a:schemeClr>
+          </a:lnRef>
+          <a:fillRef idx="1">
+            <a:schemeClr val="accent1"/>
+          </a:fillRef>
+          <a:effectRef idx="0">
+            <a:schemeClr val="accent1"/>
+          </a:effectRef>
+          <a:fontRef idx="minor">
+            <a:schemeClr val="lt1"/>
+          </a:fontRef>
+        </p:style>
+        <p:txBody>
+          <a:bodyPr rtlCol="0" anchor="ctr"/>
+          <a:lstStyle/>
+          <a:p>
+            <a:pPr algn="ctr"/>
+            <a:endParaRPr lang="zh-CN" altLang="en-US"/>
+          </a:p>
+        </p:txBody>
+      </p:sp>
+      <p:sp>
+        <p:nvSpPr>
+          <p:cNvPr id="10" name="TextBox 9">
+            <a:extLst>
+              <a:ext uri="{FF2B5EF4-FFF2-40B4-BE49-F238E27FC236}">
+                <a16:creationId xmlns:a16="http://schemas.microsoft.com/office/drawing/2014/main" id="{A2570C32-1C77-4C22-839C-846066778390}"/>
+              </a:ext>
+            </a:extLst>
+          </p:cNvPr>
+          <p:cNvSpPr txBox="1"/>
+          <p:nvPr/>
+        </p:nvSpPr>
+        <p:spPr>
+          <a:xfrm>
+            <a:off x="9909066" y="515915"/>
+            <a:ext cx="1367993" cy="584775"/>
+          </a:xfrm>
+          <a:prstGeom prst="rect">
+            <a:avLst/>
+          </a:prstGeom>
+          <a:noFill/>
+        </p:spPr>
+        <p:txBody>
+          <a:bodyPr wrap="square" rtlCol="0">
+            <a:spAutoFit/>
+          </a:bodyPr>
+          <a:lstStyle/>
+          <a:p>
+            <a:pPr algn="ctr"/>
+            <a:r>
+              <a:rPr lang="en-US" altLang="zh-CN" sz="3200" dirty="0">
+                <a:latin typeface="Franklin Gothic Medium Cond" charset="0"/>
+              </a:rPr>
+              <a:t>Output</a:t>
+            </a:r>
+            <a:endParaRPr lang="zh-CN" altLang="en-US" sz="3200" dirty="0">
+              <a:latin typeface="Franklin Gothic Medium Cond" charset="0"/>
+            </a:endParaRPr>
+          </a:p>
+        </p:txBody>
+      </p:sp>
     </p:spTree>
     <p:extLst>
       <p:ext uri="{BB962C8B-B14F-4D97-AF65-F5344CB8AC3E}">
@@ -26189,6 +26474,291 @@
               <a:rPr lang="en-US"/>
               <a:t>#talk-yang</a:t>
             </a:r>
+          </a:p>
+        </p:txBody>
+      </p:sp>
+      <p:sp>
+        <p:nvSpPr>
+          <p:cNvPr id="4" name="Rectangle 3">
+            <a:extLst>
+              <a:ext uri="{FF2B5EF4-FFF2-40B4-BE49-F238E27FC236}">
+                <a16:creationId xmlns:a16="http://schemas.microsoft.com/office/drawing/2014/main" id="{CF45C1CF-324A-4FA1-9052-775079A6E576}"/>
+              </a:ext>
+            </a:extLst>
+          </p:cNvPr>
+          <p:cNvSpPr/>
+          <p:nvPr/>
+        </p:nvSpPr>
+        <p:spPr>
+          <a:xfrm>
+            <a:off x="6305096" y="507999"/>
+            <a:ext cx="2290264" cy="5714455"/>
+          </a:xfrm>
+          <a:prstGeom prst="rect">
+            <a:avLst/>
+          </a:prstGeom>
+          <a:solidFill>
+            <a:schemeClr val="accent1">
+              <a:alpha val="56000"/>
+            </a:schemeClr>
+          </a:solidFill>
+          <a:ln>
+            <a:noFill/>
+          </a:ln>
+        </p:spPr>
+        <p:style>
+          <a:lnRef idx="2">
+            <a:schemeClr val="accent1">
+              <a:shade val="50000"/>
+            </a:schemeClr>
+          </a:lnRef>
+          <a:fillRef idx="1">
+            <a:schemeClr val="accent1"/>
+          </a:fillRef>
+          <a:effectRef idx="0">
+            <a:schemeClr val="accent1"/>
+          </a:effectRef>
+          <a:fontRef idx="minor">
+            <a:schemeClr val="lt1"/>
+          </a:fontRef>
+        </p:style>
+        <p:txBody>
+          <a:bodyPr rtlCol="0" anchor="ctr"/>
+          <a:lstStyle/>
+          <a:p>
+            <a:pPr algn="ctr"/>
+            <a:endParaRPr lang="zh-CN" altLang="en-US"/>
+          </a:p>
+        </p:txBody>
+      </p:sp>
+      <p:sp>
+        <p:nvSpPr>
+          <p:cNvPr id="5" name="TextBox 4">
+            <a:extLst>
+              <a:ext uri="{FF2B5EF4-FFF2-40B4-BE49-F238E27FC236}">
+                <a16:creationId xmlns:a16="http://schemas.microsoft.com/office/drawing/2014/main" id="{21B8287E-1BD1-400C-8C4F-03F47AE2B21F}"/>
+              </a:ext>
+            </a:extLst>
+          </p:cNvPr>
+          <p:cNvSpPr txBox="1"/>
+          <p:nvPr/>
+        </p:nvSpPr>
+        <p:spPr>
+          <a:xfrm>
+            <a:off x="6196134" y="515915"/>
+            <a:ext cx="2399226" cy="584775"/>
+          </a:xfrm>
+          <a:prstGeom prst="rect">
+            <a:avLst/>
+          </a:prstGeom>
+          <a:noFill/>
+        </p:spPr>
+        <p:txBody>
+          <a:bodyPr wrap="square" rtlCol="0">
+            <a:spAutoFit/>
+          </a:bodyPr>
+          <a:lstStyle/>
+          <a:p>
+            <a:pPr algn="ctr"/>
+            <a:r>
+              <a:rPr lang="en-US" altLang="zh-CN" sz="3200" dirty="0">
+                <a:latin typeface="Franklin Gothic Medium Cond" charset="0"/>
+              </a:rPr>
+              <a:t>Input</a:t>
+            </a:r>
+            <a:endParaRPr lang="zh-CN" altLang="en-US" sz="3200" dirty="0">
+              <a:latin typeface="Franklin Gothic Medium Cond" charset="0"/>
+            </a:endParaRPr>
+          </a:p>
+        </p:txBody>
+      </p:sp>
+      <p:sp>
+        <p:nvSpPr>
+          <p:cNvPr id="6" name="Rectangle 5">
+            <a:extLst>
+              <a:ext uri="{FF2B5EF4-FFF2-40B4-BE49-F238E27FC236}">
+                <a16:creationId xmlns:a16="http://schemas.microsoft.com/office/drawing/2014/main" id="{B2A36054-338D-406C-9B77-BDDF36D5064A}"/>
+              </a:ext>
+            </a:extLst>
+          </p:cNvPr>
+          <p:cNvSpPr/>
+          <p:nvPr/>
+        </p:nvSpPr>
+        <p:spPr>
+          <a:xfrm>
+            <a:off x="8704321" y="503465"/>
+            <a:ext cx="1148935" cy="5714455"/>
+          </a:xfrm>
+          <a:prstGeom prst="rect">
+            <a:avLst/>
+          </a:prstGeom>
+          <a:solidFill>
+            <a:schemeClr val="accent1">
+              <a:alpha val="56000"/>
+            </a:schemeClr>
+          </a:solidFill>
+          <a:ln>
+            <a:noFill/>
+          </a:ln>
+        </p:spPr>
+        <p:style>
+          <a:lnRef idx="2">
+            <a:schemeClr val="accent1">
+              <a:shade val="50000"/>
+            </a:schemeClr>
+          </a:lnRef>
+          <a:fillRef idx="1">
+            <a:schemeClr val="accent1"/>
+          </a:fillRef>
+          <a:effectRef idx="0">
+            <a:schemeClr val="accent1"/>
+          </a:effectRef>
+          <a:fontRef idx="minor">
+            <a:schemeClr val="lt1"/>
+          </a:fontRef>
+        </p:style>
+        <p:txBody>
+          <a:bodyPr rtlCol="0" anchor="ctr"/>
+          <a:lstStyle/>
+          <a:p>
+            <a:pPr algn="ctr"/>
+            <a:endParaRPr lang="zh-CN" altLang="en-US"/>
+          </a:p>
+        </p:txBody>
+      </p:sp>
+      <p:sp>
+        <p:nvSpPr>
+          <p:cNvPr id="8" name="TextBox 7">
+            <a:extLst>
+              <a:ext uri="{FF2B5EF4-FFF2-40B4-BE49-F238E27FC236}">
+                <a16:creationId xmlns:a16="http://schemas.microsoft.com/office/drawing/2014/main" id="{331117AE-8A9A-4CBD-9062-95ADFBD158AB}"/>
+              </a:ext>
+            </a:extLst>
+          </p:cNvPr>
+          <p:cNvSpPr txBox="1"/>
+          <p:nvPr/>
+        </p:nvSpPr>
+        <p:spPr>
+          <a:xfrm>
+            <a:off x="8643773" y="515915"/>
+            <a:ext cx="1237388" cy="584775"/>
+          </a:xfrm>
+          <a:prstGeom prst="rect">
+            <a:avLst/>
+          </a:prstGeom>
+          <a:noFill/>
+        </p:spPr>
+        <p:txBody>
+          <a:bodyPr wrap="square" rtlCol="0">
+            <a:spAutoFit/>
+          </a:bodyPr>
+          <a:lstStyle/>
+          <a:p>
+            <a:pPr algn="ctr"/>
+            <a:r>
+              <a:rPr lang="en-US" altLang="zh-CN" sz="3200" dirty="0">
+                <a:latin typeface="Franklin Gothic Medium Cond" charset="0"/>
+              </a:rPr>
+              <a:t>param</a:t>
+            </a:r>
+            <a:endParaRPr lang="zh-CN" altLang="en-US" sz="3200" dirty="0">
+              <a:latin typeface="Franklin Gothic Medium Cond" charset="0"/>
+            </a:endParaRPr>
+          </a:p>
+        </p:txBody>
+      </p:sp>
+      <p:sp>
+        <p:nvSpPr>
+          <p:cNvPr id="9" name="Rectangle 8">
+            <a:extLst>
+              <a:ext uri="{FF2B5EF4-FFF2-40B4-BE49-F238E27FC236}">
+                <a16:creationId xmlns:a16="http://schemas.microsoft.com/office/drawing/2014/main" id="{308B922D-F168-4B78-93D6-2D0A44F28EE0}"/>
+              </a:ext>
+            </a:extLst>
+          </p:cNvPr>
+          <p:cNvSpPr/>
+          <p:nvPr/>
+        </p:nvSpPr>
+        <p:spPr>
+          <a:xfrm>
+            <a:off x="9944829" y="517081"/>
+            <a:ext cx="1436858" cy="5714455"/>
+          </a:xfrm>
+          <a:prstGeom prst="rect">
+            <a:avLst/>
+          </a:prstGeom>
+          <a:solidFill>
+            <a:schemeClr val="accent1">
+              <a:alpha val="56000"/>
+            </a:schemeClr>
+          </a:solidFill>
+          <a:ln>
+            <a:noFill/>
+          </a:ln>
+        </p:spPr>
+        <p:style>
+          <a:lnRef idx="2">
+            <a:schemeClr val="accent1">
+              <a:shade val="50000"/>
+            </a:schemeClr>
+          </a:lnRef>
+          <a:fillRef idx="1">
+            <a:schemeClr val="accent1"/>
+          </a:fillRef>
+          <a:effectRef idx="0">
+            <a:schemeClr val="accent1"/>
+          </a:effectRef>
+          <a:fontRef idx="minor">
+            <a:schemeClr val="lt1"/>
+          </a:fontRef>
+        </p:style>
+        <p:txBody>
+          <a:bodyPr rtlCol="0" anchor="ctr"/>
+          <a:lstStyle/>
+          <a:p>
+            <a:pPr algn="ctr"/>
+            <a:endParaRPr lang="zh-CN" altLang="en-US"/>
+          </a:p>
+        </p:txBody>
+      </p:sp>
+      <p:sp>
+        <p:nvSpPr>
+          <p:cNvPr id="10" name="TextBox 9">
+            <a:extLst>
+              <a:ext uri="{FF2B5EF4-FFF2-40B4-BE49-F238E27FC236}">
+                <a16:creationId xmlns:a16="http://schemas.microsoft.com/office/drawing/2014/main" id="{9B3C727D-3F98-4367-95CA-BDEF808D10BC}"/>
+              </a:ext>
+            </a:extLst>
+          </p:cNvPr>
+          <p:cNvSpPr txBox="1"/>
+          <p:nvPr/>
+        </p:nvSpPr>
+        <p:spPr>
+          <a:xfrm>
+            <a:off x="9909066" y="515915"/>
+            <a:ext cx="1367993" cy="584775"/>
+          </a:xfrm>
+          <a:prstGeom prst="rect">
+            <a:avLst/>
+          </a:prstGeom>
+          <a:noFill/>
+        </p:spPr>
+        <p:txBody>
+          <a:bodyPr wrap="square" rtlCol="0">
+            <a:spAutoFit/>
+          </a:bodyPr>
+          <a:lstStyle/>
+          <a:p>
+            <a:pPr algn="ctr"/>
+            <a:r>
+              <a:rPr lang="en-US" altLang="zh-CN" sz="3200" dirty="0">
+                <a:latin typeface="Franklin Gothic Medium Cond" charset="0"/>
+              </a:rPr>
+              <a:t>Output</a:t>
+            </a:r>
+            <a:endParaRPr lang="zh-CN" altLang="en-US" sz="3200" dirty="0">
+              <a:latin typeface="Franklin Gothic Medium Cond" charset="0"/>
+            </a:endParaRPr>
           </a:p>
         </p:txBody>
       </p:sp>
